--- a/rest-assured/testing_restful_web_services_with_rest_assured.pptx
+++ b/rest-assured/testing_restful_web_services_with_rest_assured.pptx
@@ -4,6 +4,9 @@
   <p:sldMasterIdLst>
     <p:sldMasterId id="2147483648" r:id="rId1"/>
   </p:sldMasterIdLst>
+  <p:notesMasterIdLst>
+    <p:notesMasterId r:id="rId41"/>
+  </p:notesMasterIdLst>
   <p:sldIdLst>
     <p:sldId id="256" r:id="rId2"/>
     <p:sldId id="295" r:id="rId3"/>
@@ -150,6 +153,3845 @@
 </p:presentation>
 </file>
 
+<file path=ppt/notesMasters/notesMaster1.xml><?xml version="1.0" encoding="utf-8"?>
+<p:notesMaster xmlns:a="http://schemas.openxmlformats.org/drawingml/2006/main" xmlns:r="http://schemas.openxmlformats.org/officeDocument/2006/relationships" xmlns:p="http://schemas.openxmlformats.org/presentationml/2006/main">
+  <p:cSld>
+    <p:bg>
+      <p:bgRef idx="1001">
+        <a:schemeClr val="bg1"/>
+      </p:bgRef>
+    </p:bg>
+    <p:spTree>
+      <p:nvGrpSpPr>
+        <p:cNvPr id="1" name=""/>
+        <p:cNvGrpSpPr/>
+        <p:nvPr/>
+      </p:nvGrpSpPr>
+      <p:grpSpPr>
+        <a:xfrm>
+          <a:off x="0" y="0"/>
+          <a:ext cx="0" cy="0"/>
+          <a:chOff x="0" y="0"/>
+          <a:chExt cx="0" cy="0"/>
+        </a:xfrm>
+      </p:grpSpPr>
+      <p:sp>
+        <p:nvSpPr>
+          <p:cNvPr id="2" name="Header Placeholder 1"/>
+          <p:cNvSpPr>
+            <a:spLocks noGrp="1"/>
+          </p:cNvSpPr>
+          <p:nvPr>
+            <p:ph type="hdr" sz="quarter"/>
+          </p:nvPr>
+        </p:nvSpPr>
+        <p:spPr>
+          <a:xfrm>
+            <a:off x="0" y="0"/>
+            <a:ext cx="2971800" cy="458788"/>
+          </a:xfrm>
+          <a:prstGeom prst="rect">
+            <a:avLst/>
+          </a:prstGeom>
+        </p:spPr>
+        <p:txBody>
+          <a:bodyPr vert="horz" lIns="91440" tIns="45720" rIns="91440" bIns="45720" rtlCol="0"/>
+          <a:lstStyle>
+            <a:lvl1pPr algn="l">
+              <a:defRPr sz="1200"/>
+            </a:lvl1pPr>
+          </a:lstStyle>
+          <a:p>
+            <a:endParaRPr lang="nl-NL"/>
+          </a:p>
+        </p:txBody>
+      </p:sp>
+      <p:sp>
+        <p:nvSpPr>
+          <p:cNvPr id="3" name="Date Placeholder 2"/>
+          <p:cNvSpPr>
+            <a:spLocks noGrp="1"/>
+          </p:cNvSpPr>
+          <p:nvPr>
+            <p:ph type="dt" idx="1"/>
+          </p:nvPr>
+        </p:nvSpPr>
+        <p:spPr>
+          <a:xfrm>
+            <a:off x="3884613" y="0"/>
+            <a:ext cx="2971800" cy="458788"/>
+          </a:xfrm>
+          <a:prstGeom prst="rect">
+            <a:avLst/>
+          </a:prstGeom>
+        </p:spPr>
+        <p:txBody>
+          <a:bodyPr vert="horz" lIns="91440" tIns="45720" rIns="91440" bIns="45720" rtlCol="0"/>
+          <a:lstStyle>
+            <a:lvl1pPr algn="r">
+              <a:defRPr sz="1200"/>
+            </a:lvl1pPr>
+          </a:lstStyle>
+          <a:p>
+            <a:fld id="{643EFDF2-DF9B-4BF0-BF53-991E95032332}" type="datetimeFigureOut">
+              <a:rPr lang="nl-NL" smtClean="0"/>
+              <a:t>10-6-2016</a:t>
+            </a:fld>
+            <a:endParaRPr lang="nl-NL"/>
+          </a:p>
+        </p:txBody>
+      </p:sp>
+      <p:sp>
+        <p:nvSpPr>
+          <p:cNvPr id="4" name="Slide Image Placeholder 3"/>
+          <p:cNvSpPr>
+            <a:spLocks noGrp="1" noRot="1" noChangeAspect="1"/>
+          </p:cNvSpPr>
+          <p:nvPr>
+            <p:ph type="sldImg" idx="2"/>
+          </p:nvPr>
+        </p:nvSpPr>
+        <p:spPr>
+          <a:xfrm>
+            <a:off x="685800" y="1143000"/>
+            <a:ext cx="5486400" cy="3086100"/>
+          </a:xfrm>
+          <a:prstGeom prst="rect">
+            <a:avLst/>
+          </a:prstGeom>
+          <a:noFill/>
+          <a:ln w="12700">
+            <a:solidFill>
+              <a:prstClr val="black"/>
+            </a:solidFill>
+          </a:ln>
+        </p:spPr>
+        <p:txBody>
+          <a:bodyPr vert="horz" lIns="91440" tIns="45720" rIns="91440" bIns="45720" rtlCol="0" anchor="ctr"/>
+          <a:lstStyle/>
+          <a:p>
+            <a:endParaRPr lang="nl-NL"/>
+          </a:p>
+        </p:txBody>
+      </p:sp>
+      <p:sp>
+        <p:nvSpPr>
+          <p:cNvPr id="5" name="Notes Placeholder 4"/>
+          <p:cNvSpPr>
+            <a:spLocks noGrp="1"/>
+          </p:cNvSpPr>
+          <p:nvPr>
+            <p:ph type="body" sz="quarter" idx="3"/>
+          </p:nvPr>
+        </p:nvSpPr>
+        <p:spPr>
+          <a:xfrm>
+            <a:off x="685800" y="4400550"/>
+            <a:ext cx="5486400" cy="3600450"/>
+          </a:xfrm>
+          <a:prstGeom prst="rect">
+            <a:avLst/>
+          </a:prstGeom>
+        </p:spPr>
+        <p:txBody>
+          <a:bodyPr vert="horz" lIns="91440" tIns="45720" rIns="91440" bIns="45720" rtlCol="0"/>
+          <a:lstStyle/>
+          <a:p>
+            <a:pPr lvl="0"/>
+            <a:r>
+              <a:rPr lang="en-US" smtClean="0"/>
+              <a:t>Click to edit Master text styles</a:t>
+            </a:r>
+          </a:p>
+          <a:p>
+            <a:pPr lvl="1"/>
+            <a:r>
+              <a:rPr lang="en-US" smtClean="0"/>
+              <a:t>Second level</a:t>
+            </a:r>
+          </a:p>
+          <a:p>
+            <a:pPr lvl="2"/>
+            <a:r>
+              <a:rPr lang="en-US" smtClean="0"/>
+              <a:t>Third level</a:t>
+            </a:r>
+          </a:p>
+          <a:p>
+            <a:pPr lvl="3"/>
+            <a:r>
+              <a:rPr lang="en-US" smtClean="0"/>
+              <a:t>Fourth level</a:t>
+            </a:r>
+          </a:p>
+          <a:p>
+            <a:pPr lvl="4"/>
+            <a:r>
+              <a:rPr lang="en-US" smtClean="0"/>
+              <a:t>Fifth level</a:t>
+            </a:r>
+            <a:endParaRPr lang="nl-NL"/>
+          </a:p>
+        </p:txBody>
+      </p:sp>
+      <p:sp>
+        <p:nvSpPr>
+          <p:cNvPr id="6" name="Footer Placeholder 5"/>
+          <p:cNvSpPr>
+            <a:spLocks noGrp="1"/>
+          </p:cNvSpPr>
+          <p:nvPr>
+            <p:ph type="ftr" sz="quarter" idx="4"/>
+          </p:nvPr>
+        </p:nvSpPr>
+        <p:spPr>
+          <a:xfrm>
+            <a:off x="0" y="8685213"/>
+            <a:ext cx="2971800" cy="458787"/>
+          </a:xfrm>
+          <a:prstGeom prst="rect">
+            <a:avLst/>
+          </a:prstGeom>
+        </p:spPr>
+        <p:txBody>
+          <a:bodyPr vert="horz" lIns="91440" tIns="45720" rIns="91440" bIns="45720" rtlCol="0" anchor="b"/>
+          <a:lstStyle>
+            <a:lvl1pPr algn="l">
+              <a:defRPr sz="1200"/>
+            </a:lvl1pPr>
+          </a:lstStyle>
+          <a:p>
+            <a:endParaRPr lang="nl-NL"/>
+          </a:p>
+        </p:txBody>
+      </p:sp>
+      <p:sp>
+        <p:nvSpPr>
+          <p:cNvPr id="7" name="Slide Number Placeholder 6"/>
+          <p:cNvSpPr>
+            <a:spLocks noGrp="1"/>
+          </p:cNvSpPr>
+          <p:nvPr>
+            <p:ph type="sldNum" sz="quarter" idx="5"/>
+          </p:nvPr>
+        </p:nvSpPr>
+        <p:spPr>
+          <a:xfrm>
+            <a:off x="3884613" y="8685213"/>
+            <a:ext cx="2971800" cy="458787"/>
+          </a:xfrm>
+          <a:prstGeom prst="rect">
+            <a:avLst/>
+          </a:prstGeom>
+        </p:spPr>
+        <p:txBody>
+          <a:bodyPr vert="horz" lIns="91440" tIns="45720" rIns="91440" bIns="45720" rtlCol="0" anchor="b"/>
+          <a:lstStyle>
+            <a:lvl1pPr algn="r">
+              <a:defRPr sz="1200"/>
+            </a:lvl1pPr>
+          </a:lstStyle>
+          <a:p>
+            <a:fld id="{33F4B397-60AF-45DE-B029-C9C003EF5310}" type="slidenum">
+              <a:rPr lang="nl-NL" smtClean="0"/>
+              <a:t>‹#›</a:t>
+            </a:fld>
+            <a:endParaRPr lang="nl-NL"/>
+          </a:p>
+        </p:txBody>
+      </p:sp>
+    </p:spTree>
+    <p:extLst>
+      <p:ext uri="{BB962C8B-B14F-4D97-AF65-F5344CB8AC3E}">
+        <p14:creationId xmlns:p14="http://schemas.microsoft.com/office/powerpoint/2010/main" val="829789312"/>
+      </p:ext>
+    </p:extLst>
+  </p:cSld>
+  <p:clrMap bg1="lt1" tx1="dk1" bg2="lt2" tx2="dk2" accent1="accent1" accent2="accent2" accent3="accent3" accent4="accent4" accent5="accent5" accent6="accent6" hlink="hlink" folHlink="folHlink"/>
+  <p:notesStyle>
+    <a:lvl1pPr marL="0" algn="l" defTabSz="914400" rtl="0" eaLnBrk="1" latinLnBrk="0" hangingPunct="1">
+      <a:defRPr sz="1200" kern="1200">
+        <a:solidFill>
+          <a:schemeClr val="tx1"/>
+        </a:solidFill>
+        <a:latin typeface="+mn-lt"/>
+        <a:ea typeface="+mn-ea"/>
+        <a:cs typeface="+mn-cs"/>
+      </a:defRPr>
+    </a:lvl1pPr>
+    <a:lvl2pPr marL="457200" algn="l" defTabSz="914400" rtl="0" eaLnBrk="1" latinLnBrk="0" hangingPunct="1">
+      <a:defRPr sz="1200" kern="1200">
+        <a:solidFill>
+          <a:schemeClr val="tx1"/>
+        </a:solidFill>
+        <a:latin typeface="+mn-lt"/>
+        <a:ea typeface="+mn-ea"/>
+        <a:cs typeface="+mn-cs"/>
+      </a:defRPr>
+    </a:lvl2pPr>
+    <a:lvl3pPr marL="914400" algn="l" defTabSz="914400" rtl="0" eaLnBrk="1" latinLnBrk="0" hangingPunct="1">
+      <a:defRPr sz="1200" kern="1200">
+        <a:solidFill>
+          <a:schemeClr val="tx1"/>
+        </a:solidFill>
+        <a:latin typeface="+mn-lt"/>
+        <a:ea typeface="+mn-ea"/>
+        <a:cs typeface="+mn-cs"/>
+      </a:defRPr>
+    </a:lvl3pPr>
+    <a:lvl4pPr marL="1371600" algn="l" defTabSz="914400" rtl="0" eaLnBrk="1" latinLnBrk="0" hangingPunct="1">
+      <a:defRPr sz="1200" kern="1200">
+        <a:solidFill>
+          <a:schemeClr val="tx1"/>
+        </a:solidFill>
+        <a:latin typeface="+mn-lt"/>
+        <a:ea typeface="+mn-ea"/>
+        <a:cs typeface="+mn-cs"/>
+      </a:defRPr>
+    </a:lvl4pPr>
+    <a:lvl5pPr marL="1828800" algn="l" defTabSz="914400" rtl="0" eaLnBrk="1" latinLnBrk="0" hangingPunct="1">
+      <a:defRPr sz="1200" kern="1200">
+        <a:solidFill>
+          <a:schemeClr val="tx1"/>
+        </a:solidFill>
+        <a:latin typeface="+mn-lt"/>
+        <a:ea typeface="+mn-ea"/>
+        <a:cs typeface="+mn-cs"/>
+      </a:defRPr>
+    </a:lvl5pPr>
+    <a:lvl6pPr marL="2286000" algn="l" defTabSz="914400" rtl="0" eaLnBrk="1" latinLnBrk="0" hangingPunct="1">
+      <a:defRPr sz="1200" kern="1200">
+        <a:solidFill>
+          <a:schemeClr val="tx1"/>
+        </a:solidFill>
+        <a:latin typeface="+mn-lt"/>
+        <a:ea typeface="+mn-ea"/>
+        <a:cs typeface="+mn-cs"/>
+      </a:defRPr>
+    </a:lvl6pPr>
+    <a:lvl7pPr marL="2743200" algn="l" defTabSz="914400" rtl="0" eaLnBrk="1" latinLnBrk="0" hangingPunct="1">
+      <a:defRPr sz="1200" kern="1200">
+        <a:solidFill>
+          <a:schemeClr val="tx1"/>
+        </a:solidFill>
+        <a:latin typeface="+mn-lt"/>
+        <a:ea typeface="+mn-ea"/>
+        <a:cs typeface="+mn-cs"/>
+      </a:defRPr>
+    </a:lvl7pPr>
+    <a:lvl8pPr marL="3200400" algn="l" defTabSz="914400" rtl="0" eaLnBrk="1" latinLnBrk="0" hangingPunct="1">
+      <a:defRPr sz="1200" kern="1200">
+        <a:solidFill>
+          <a:schemeClr val="tx1"/>
+        </a:solidFill>
+        <a:latin typeface="+mn-lt"/>
+        <a:ea typeface="+mn-ea"/>
+        <a:cs typeface="+mn-cs"/>
+      </a:defRPr>
+    </a:lvl8pPr>
+    <a:lvl9pPr marL="3657600" algn="l" defTabSz="914400" rtl="0" eaLnBrk="1" latinLnBrk="0" hangingPunct="1">
+      <a:defRPr sz="1200" kern="1200">
+        <a:solidFill>
+          <a:schemeClr val="tx1"/>
+        </a:solidFill>
+        <a:latin typeface="+mn-lt"/>
+        <a:ea typeface="+mn-ea"/>
+        <a:cs typeface="+mn-cs"/>
+      </a:defRPr>
+    </a:lvl9pPr>
+  </p:notesStyle>
+</p:notesMaster>
+</file>
+
+<file path=ppt/notesSlides/notesSlide1.xml><?xml version="1.0" encoding="utf-8"?>
+<p:notes xmlns:a="http://schemas.openxmlformats.org/drawingml/2006/main" xmlns:r="http://schemas.openxmlformats.org/officeDocument/2006/relationships" xmlns:p="http://schemas.openxmlformats.org/presentationml/2006/main">
+  <p:cSld>
+    <p:spTree>
+      <p:nvGrpSpPr>
+        <p:cNvPr id="1" name=""/>
+        <p:cNvGrpSpPr/>
+        <p:nvPr/>
+      </p:nvGrpSpPr>
+      <p:grpSpPr>
+        <a:xfrm>
+          <a:off x="0" y="0"/>
+          <a:ext cx="0" cy="0"/>
+          <a:chOff x="0" y="0"/>
+          <a:chExt cx="0" cy="0"/>
+        </a:xfrm>
+      </p:grpSpPr>
+      <p:sp>
+        <p:nvSpPr>
+          <p:cNvPr id="2" name="Slide Image Placeholder 1"/>
+          <p:cNvSpPr>
+            <a:spLocks noGrp="1" noRot="1" noChangeAspect="1"/>
+          </p:cNvSpPr>
+          <p:nvPr>
+            <p:ph type="sldImg"/>
+          </p:nvPr>
+        </p:nvSpPr>
+        <p:spPr/>
+      </p:sp>
+      <p:sp>
+        <p:nvSpPr>
+          <p:cNvPr id="3" name="Notes Placeholder 2"/>
+          <p:cNvSpPr>
+            <a:spLocks noGrp="1"/>
+          </p:cNvSpPr>
+          <p:nvPr>
+            <p:ph type="body" idx="1"/>
+          </p:nvPr>
+        </p:nvSpPr>
+        <p:spPr/>
+        <p:txBody>
+          <a:bodyPr/>
+          <a:lstStyle/>
+          <a:p>
+            <a:r>
+              <a:rPr lang="nl-NL" smtClean="0"/>
+              <a:t>Please replace the …</a:t>
+            </a:r>
+            <a:r>
+              <a:rPr lang="nl-NL" baseline="0" smtClean="0"/>
+              <a:t> with your own name. I would really like it if you left the bottom line intact though, as a way of thanking me. That’s really all I’m asking for, the rest of the workshop is yours to butcher (erm, improve).</a:t>
+            </a:r>
+            <a:endParaRPr lang="nl-NL"/>
+          </a:p>
+        </p:txBody>
+      </p:sp>
+      <p:sp>
+        <p:nvSpPr>
+          <p:cNvPr id="4" name="Slide Number Placeholder 3"/>
+          <p:cNvSpPr>
+            <a:spLocks noGrp="1"/>
+          </p:cNvSpPr>
+          <p:nvPr>
+            <p:ph type="sldNum" sz="quarter" idx="10"/>
+          </p:nvPr>
+        </p:nvSpPr>
+        <p:spPr/>
+        <p:txBody>
+          <a:bodyPr/>
+          <a:lstStyle/>
+          <a:p>
+            <a:fld id="{33F4B397-60AF-45DE-B029-C9C003EF5310}" type="slidenum">
+              <a:rPr lang="nl-NL" smtClean="0"/>
+              <a:t>1</a:t>
+            </a:fld>
+            <a:endParaRPr lang="nl-NL"/>
+          </a:p>
+        </p:txBody>
+      </p:sp>
+    </p:spTree>
+    <p:extLst>
+      <p:ext uri="{BB962C8B-B14F-4D97-AF65-F5344CB8AC3E}">
+        <p14:creationId xmlns:p14="http://schemas.microsoft.com/office/powerpoint/2010/main" val="3506149484"/>
+      </p:ext>
+    </p:extLst>
+  </p:cSld>
+  <p:clrMapOvr>
+    <a:masterClrMapping/>
+  </p:clrMapOvr>
+</p:notes>
+</file>
+
+<file path=ppt/notesSlides/notesSlide10.xml><?xml version="1.0" encoding="utf-8"?>
+<p:notes xmlns:a="http://schemas.openxmlformats.org/drawingml/2006/main" xmlns:r="http://schemas.openxmlformats.org/officeDocument/2006/relationships" xmlns:p="http://schemas.openxmlformats.org/presentationml/2006/main">
+  <p:cSld>
+    <p:spTree>
+      <p:nvGrpSpPr>
+        <p:cNvPr id="1" name=""/>
+        <p:cNvGrpSpPr/>
+        <p:nvPr/>
+      </p:nvGrpSpPr>
+      <p:grpSpPr>
+        <a:xfrm>
+          <a:off x="0" y="0"/>
+          <a:ext cx="0" cy="0"/>
+          <a:chOff x="0" y="0"/>
+          <a:chExt cx="0" cy="0"/>
+        </a:xfrm>
+      </p:grpSpPr>
+      <p:sp>
+        <p:nvSpPr>
+          <p:cNvPr id="2" name="Slide Image Placeholder 1"/>
+          <p:cNvSpPr>
+            <a:spLocks noGrp="1" noRot="1" noChangeAspect="1"/>
+          </p:cNvSpPr>
+          <p:nvPr>
+            <p:ph type="sldImg"/>
+          </p:nvPr>
+        </p:nvSpPr>
+        <p:spPr/>
+      </p:sp>
+      <p:sp>
+        <p:nvSpPr>
+          <p:cNvPr id="3" name="Notes Placeholder 2"/>
+          <p:cNvSpPr>
+            <a:spLocks noGrp="1"/>
+          </p:cNvSpPr>
+          <p:nvPr>
+            <p:ph type="body" idx="1"/>
+          </p:nvPr>
+        </p:nvSpPr>
+        <p:spPr/>
+        <p:txBody>
+          <a:bodyPr/>
+          <a:lstStyle/>
+          <a:p>
+            <a:r>
+              <a:rPr lang="nl-NL" smtClean="0"/>
+              <a:t>Explain</a:t>
+            </a:r>
+            <a:r>
+              <a:rPr lang="nl-NL" baseline="0" smtClean="0"/>
+              <a:t> what REST Assured is and why it was written</a:t>
+            </a:r>
+          </a:p>
+          <a:p>
+            <a:endParaRPr lang="nl-NL" baseline="0" smtClean="0"/>
+          </a:p>
+          <a:p>
+            <a:r>
+              <a:rPr lang="nl-NL" baseline="0" smtClean="0"/>
+              <a:t>Explain how REST Assured can easily be made part of a bigger testing framework covering everything from unit to end-to-end and user interface testing</a:t>
+            </a:r>
+            <a:endParaRPr lang="nl-NL"/>
+          </a:p>
+        </p:txBody>
+      </p:sp>
+      <p:sp>
+        <p:nvSpPr>
+          <p:cNvPr id="4" name="Slide Number Placeholder 3"/>
+          <p:cNvSpPr>
+            <a:spLocks noGrp="1"/>
+          </p:cNvSpPr>
+          <p:nvPr>
+            <p:ph type="sldNum" sz="quarter" idx="10"/>
+          </p:nvPr>
+        </p:nvSpPr>
+        <p:spPr/>
+        <p:txBody>
+          <a:bodyPr/>
+          <a:lstStyle/>
+          <a:p>
+            <a:fld id="{33F4B397-60AF-45DE-B029-C9C003EF5310}" type="slidenum">
+              <a:rPr lang="nl-NL" smtClean="0"/>
+              <a:t>10</a:t>
+            </a:fld>
+            <a:endParaRPr lang="nl-NL"/>
+          </a:p>
+        </p:txBody>
+      </p:sp>
+    </p:spTree>
+    <p:extLst>
+      <p:ext uri="{BB962C8B-B14F-4D97-AF65-F5344CB8AC3E}">
+        <p14:creationId xmlns:p14="http://schemas.microsoft.com/office/powerpoint/2010/main" val="50365248"/>
+      </p:ext>
+    </p:extLst>
+  </p:cSld>
+  <p:clrMapOvr>
+    <a:masterClrMapping/>
+  </p:clrMapOvr>
+</p:notes>
+</file>
+
+<file path=ppt/notesSlides/notesSlide11.xml><?xml version="1.0" encoding="utf-8"?>
+<p:notes xmlns:a="http://schemas.openxmlformats.org/drawingml/2006/main" xmlns:r="http://schemas.openxmlformats.org/officeDocument/2006/relationships" xmlns:p="http://schemas.openxmlformats.org/presentationml/2006/main">
+  <p:cSld>
+    <p:spTree>
+      <p:nvGrpSpPr>
+        <p:cNvPr id="1" name=""/>
+        <p:cNvGrpSpPr/>
+        <p:nvPr/>
+      </p:nvGrpSpPr>
+      <p:grpSpPr>
+        <a:xfrm>
+          <a:off x="0" y="0"/>
+          <a:ext cx="0" cy="0"/>
+          <a:chOff x="0" y="0"/>
+          <a:chExt cx="0" cy="0"/>
+        </a:xfrm>
+      </p:grpSpPr>
+      <p:sp>
+        <p:nvSpPr>
+          <p:cNvPr id="2" name="Slide Image Placeholder 1"/>
+          <p:cNvSpPr>
+            <a:spLocks noGrp="1" noRot="1" noChangeAspect="1"/>
+          </p:cNvSpPr>
+          <p:nvPr>
+            <p:ph type="sldImg"/>
+          </p:nvPr>
+        </p:nvSpPr>
+        <p:spPr/>
+      </p:sp>
+      <p:sp>
+        <p:nvSpPr>
+          <p:cNvPr id="3" name="Notes Placeholder 2"/>
+          <p:cNvSpPr>
+            <a:spLocks noGrp="1"/>
+          </p:cNvSpPr>
+          <p:nvPr>
+            <p:ph type="body" idx="1"/>
+          </p:nvPr>
+        </p:nvSpPr>
+        <p:spPr/>
+        <p:txBody>
+          <a:bodyPr/>
+          <a:lstStyle/>
+          <a:p>
+            <a:r>
+              <a:rPr lang="nl-NL" smtClean="0"/>
+              <a:t>Briefly discuss</a:t>
+            </a:r>
+            <a:r>
+              <a:rPr lang="nl-NL" baseline="0" smtClean="0"/>
+              <a:t> the options available for installing and configuring REST Assured (this should be trivial for anybody with a bit of Java development experience)</a:t>
+            </a:r>
+            <a:endParaRPr lang="nl-NL"/>
+          </a:p>
+        </p:txBody>
+      </p:sp>
+      <p:sp>
+        <p:nvSpPr>
+          <p:cNvPr id="4" name="Slide Number Placeholder 3"/>
+          <p:cNvSpPr>
+            <a:spLocks noGrp="1"/>
+          </p:cNvSpPr>
+          <p:nvPr>
+            <p:ph type="sldNum" sz="quarter" idx="10"/>
+          </p:nvPr>
+        </p:nvSpPr>
+        <p:spPr/>
+        <p:txBody>
+          <a:bodyPr/>
+          <a:lstStyle/>
+          <a:p>
+            <a:fld id="{33F4B397-60AF-45DE-B029-C9C003EF5310}" type="slidenum">
+              <a:rPr lang="nl-NL" smtClean="0"/>
+              <a:t>11</a:t>
+            </a:fld>
+            <a:endParaRPr lang="nl-NL"/>
+          </a:p>
+        </p:txBody>
+      </p:sp>
+    </p:spTree>
+    <p:extLst>
+      <p:ext uri="{BB962C8B-B14F-4D97-AF65-F5344CB8AC3E}">
+        <p14:creationId xmlns:p14="http://schemas.microsoft.com/office/powerpoint/2010/main" val="3798267659"/>
+      </p:ext>
+    </p:extLst>
+  </p:cSld>
+  <p:clrMapOvr>
+    <a:masterClrMapping/>
+  </p:clrMapOvr>
+</p:notes>
+</file>
+
+<file path=ppt/notesSlides/notesSlide12.xml><?xml version="1.0" encoding="utf-8"?>
+<p:notes xmlns:a="http://schemas.openxmlformats.org/drawingml/2006/main" xmlns:r="http://schemas.openxmlformats.org/officeDocument/2006/relationships" xmlns:p="http://schemas.openxmlformats.org/presentationml/2006/main">
+  <p:cSld>
+    <p:spTree>
+      <p:nvGrpSpPr>
+        <p:cNvPr id="1" name=""/>
+        <p:cNvGrpSpPr/>
+        <p:nvPr/>
+      </p:nvGrpSpPr>
+      <p:grpSpPr>
+        <a:xfrm>
+          <a:off x="0" y="0"/>
+          <a:ext cx="0" cy="0"/>
+          <a:chOff x="0" y="0"/>
+          <a:chExt cx="0" cy="0"/>
+        </a:xfrm>
+      </p:grpSpPr>
+      <p:sp>
+        <p:nvSpPr>
+          <p:cNvPr id="2" name="Slide Image Placeholder 1"/>
+          <p:cNvSpPr>
+            <a:spLocks noGrp="1" noRot="1" noChangeAspect="1"/>
+          </p:cNvSpPr>
+          <p:nvPr>
+            <p:ph type="sldImg"/>
+          </p:nvPr>
+        </p:nvSpPr>
+        <p:spPr/>
+      </p:sp>
+      <p:sp>
+        <p:nvSpPr>
+          <p:cNvPr id="3" name="Notes Placeholder 2"/>
+          <p:cNvSpPr>
+            <a:spLocks noGrp="1"/>
+          </p:cNvSpPr>
+          <p:nvPr>
+            <p:ph type="body" idx="1"/>
+          </p:nvPr>
+        </p:nvSpPr>
+        <p:spPr/>
+        <p:txBody>
+          <a:bodyPr/>
+          <a:lstStyle/>
+          <a:p>
+            <a:r>
+              <a:rPr lang="nl-NL" smtClean="0"/>
+              <a:t>Notes on where to find additional information on REST Assured</a:t>
+            </a:r>
+            <a:endParaRPr lang="nl-NL"/>
+          </a:p>
+        </p:txBody>
+      </p:sp>
+      <p:sp>
+        <p:nvSpPr>
+          <p:cNvPr id="4" name="Slide Number Placeholder 3"/>
+          <p:cNvSpPr>
+            <a:spLocks noGrp="1"/>
+          </p:cNvSpPr>
+          <p:nvPr>
+            <p:ph type="sldNum" sz="quarter" idx="10"/>
+          </p:nvPr>
+        </p:nvSpPr>
+        <p:spPr/>
+        <p:txBody>
+          <a:bodyPr/>
+          <a:lstStyle/>
+          <a:p>
+            <a:fld id="{33F4B397-60AF-45DE-B029-C9C003EF5310}" type="slidenum">
+              <a:rPr lang="nl-NL" smtClean="0"/>
+              <a:t>12</a:t>
+            </a:fld>
+            <a:endParaRPr lang="nl-NL"/>
+          </a:p>
+        </p:txBody>
+      </p:sp>
+    </p:spTree>
+    <p:extLst>
+      <p:ext uri="{BB962C8B-B14F-4D97-AF65-F5344CB8AC3E}">
+        <p14:creationId xmlns:p14="http://schemas.microsoft.com/office/powerpoint/2010/main" val="789970150"/>
+      </p:ext>
+    </p:extLst>
+  </p:cSld>
+  <p:clrMapOvr>
+    <a:masterClrMapping/>
+  </p:clrMapOvr>
+</p:notes>
+</file>
+
+<file path=ppt/notesSlides/notesSlide13.xml><?xml version="1.0" encoding="utf-8"?>
+<p:notes xmlns:a="http://schemas.openxmlformats.org/drawingml/2006/main" xmlns:r="http://schemas.openxmlformats.org/officeDocument/2006/relationships" xmlns:p="http://schemas.openxmlformats.org/presentationml/2006/main">
+  <p:cSld>
+    <p:spTree>
+      <p:nvGrpSpPr>
+        <p:cNvPr id="1" name=""/>
+        <p:cNvGrpSpPr/>
+        <p:nvPr/>
+      </p:nvGrpSpPr>
+      <p:grpSpPr>
+        <a:xfrm>
+          <a:off x="0" y="0"/>
+          <a:ext cx="0" cy="0"/>
+          <a:chOff x="0" y="0"/>
+          <a:chExt cx="0" cy="0"/>
+        </a:xfrm>
+      </p:grpSpPr>
+      <p:sp>
+        <p:nvSpPr>
+          <p:cNvPr id="2" name="Slide Image Placeholder 1"/>
+          <p:cNvSpPr>
+            <a:spLocks noGrp="1" noRot="1" noChangeAspect="1"/>
+          </p:cNvSpPr>
+          <p:nvPr>
+            <p:ph type="sldImg"/>
+          </p:nvPr>
+        </p:nvSpPr>
+        <p:spPr/>
+      </p:sp>
+      <p:sp>
+        <p:nvSpPr>
+          <p:cNvPr id="3" name="Notes Placeholder 2"/>
+          <p:cNvSpPr>
+            <a:spLocks noGrp="1"/>
+          </p:cNvSpPr>
+          <p:nvPr>
+            <p:ph type="body" idx="1"/>
+          </p:nvPr>
+        </p:nvSpPr>
+        <p:spPr/>
+        <p:txBody>
+          <a:bodyPr/>
+          <a:lstStyle/>
+          <a:p>
+            <a:r>
+              <a:rPr lang="nl-NL" smtClean="0"/>
+              <a:t>Demonstrate how easy it is to write a fully functional</a:t>
+            </a:r>
+            <a:r>
+              <a:rPr lang="nl-NL" baseline="0" smtClean="0"/>
+              <a:t> test on a RESTful web service with REST Assured. This is the only code you need. And it’s readable too!</a:t>
+            </a:r>
+            <a:endParaRPr lang="nl-NL"/>
+          </a:p>
+        </p:txBody>
+      </p:sp>
+      <p:sp>
+        <p:nvSpPr>
+          <p:cNvPr id="4" name="Slide Number Placeholder 3"/>
+          <p:cNvSpPr>
+            <a:spLocks noGrp="1"/>
+          </p:cNvSpPr>
+          <p:nvPr>
+            <p:ph type="sldNum" sz="quarter" idx="10"/>
+          </p:nvPr>
+        </p:nvSpPr>
+        <p:spPr/>
+        <p:txBody>
+          <a:bodyPr/>
+          <a:lstStyle/>
+          <a:p>
+            <a:fld id="{33F4B397-60AF-45DE-B029-C9C003EF5310}" type="slidenum">
+              <a:rPr lang="nl-NL" smtClean="0"/>
+              <a:t>13</a:t>
+            </a:fld>
+            <a:endParaRPr lang="nl-NL"/>
+          </a:p>
+        </p:txBody>
+      </p:sp>
+    </p:spTree>
+    <p:extLst>
+      <p:ext uri="{BB962C8B-B14F-4D97-AF65-F5344CB8AC3E}">
+        <p14:creationId xmlns:p14="http://schemas.microsoft.com/office/powerpoint/2010/main" val="3972935678"/>
+      </p:ext>
+    </p:extLst>
+  </p:cSld>
+  <p:clrMapOvr>
+    <a:masterClrMapping/>
+  </p:clrMapOvr>
+</p:notes>
+</file>
+
+<file path=ppt/notesSlides/notesSlide14.xml><?xml version="1.0" encoding="utf-8"?>
+<p:notes xmlns:a="http://schemas.openxmlformats.org/drawingml/2006/main" xmlns:r="http://schemas.openxmlformats.org/officeDocument/2006/relationships" xmlns:p="http://schemas.openxmlformats.org/presentationml/2006/main">
+  <p:cSld>
+    <p:spTree>
+      <p:nvGrpSpPr>
+        <p:cNvPr id="1" name=""/>
+        <p:cNvGrpSpPr/>
+        <p:nvPr/>
+      </p:nvGrpSpPr>
+      <p:grpSpPr>
+        <a:xfrm>
+          <a:off x="0" y="0"/>
+          <a:ext cx="0" cy="0"/>
+          <a:chOff x="0" y="0"/>
+          <a:chExt cx="0" cy="0"/>
+        </a:xfrm>
+      </p:grpSpPr>
+      <p:sp>
+        <p:nvSpPr>
+          <p:cNvPr id="2" name="Slide Image Placeholder 1"/>
+          <p:cNvSpPr>
+            <a:spLocks noGrp="1" noRot="1" noChangeAspect="1"/>
+          </p:cNvSpPr>
+          <p:nvPr>
+            <p:ph type="sldImg"/>
+          </p:nvPr>
+        </p:nvSpPr>
+        <p:spPr/>
+      </p:sp>
+      <p:sp>
+        <p:nvSpPr>
+          <p:cNvPr id="3" name="Notes Placeholder 2"/>
+          <p:cNvSpPr>
+            <a:spLocks noGrp="1"/>
+          </p:cNvSpPr>
+          <p:nvPr>
+            <p:ph type="body" idx="1"/>
+          </p:nvPr>
+        </p:nvSpPr>
+        <p:spPr/>
+        <p:txBody>
+          <a:bodyPr/>
+          <a:lstStyle/>
+          <a:p>
+            <a:r>
+              <a:rPr lang="nl-NL" smtClean="0"/>
+              <a:t>Using the example</a:t>
+            </a:r>
+            <a:r>
+              <a:rPr lang="nl-NL" baseline="0" smtClean="0"/>
+              <a:t> from the previous sheet, introduce some of the basic REST Assured features</a:t>
+            </a:r>
+            <a:endParaRPr lang="nl-NL"/>
+          </a:p>
+        </p:txBody>
+      </p:sp>
+      <p:sp>
+        <p:nvSpPr>
+          <p:cNvPr id="4" name="Slide Number Placeholder 3"/>
+          <p:cNvSpPr>
+            <a:spLocks noGrp="1"/>
+          </p:cNvSpPr>
+          <p:nvPr>
+            <p:ph type="sldNum" sz="quarter" idx="10"/>
+          </p:nvPr>
+        </p:nvSpPr>
+        <p:spPr/>
+        <p:txBody>
+          <a:bodyPr/>
+          <a:lstStyle/>
+          <a:p>
+            <a:fld id="{33F4B397-60AF-45DE-B029-C9C003EF5310}" type="slidenum">
+              <a:rPr lang="nl-NL" smtClean="0"/>
+              <a:t>14</a:t>
+            </a:fld>
+            <a:endParaRPr lang="nl-NL"/>
+          </a:p>
+        </p:txBody>
+      </p:sp>
+    </p:spTree>
+    <p:extLst>
+      <p:ext uri="{BB962C8B-B14F-4D97-AF65-F5344CB8AC3E}">
+        <p14:creationId xmlns:p14="http://schemas.microsoft.com/office/powerpoint/2010/main" val="70844874"/>
+      </p:ext>
+    </p:extLst>
+  </p:cSld>
+  <p:clrMapOvr>
+    <a:masterClrMapping/>
+  </p:clrMapOvr>
+</p:notes>
+</file>
+
+<file path=ppt/notesSlides/notesSlide15.xml><?xml version="1.0" encoding="utf-8"?>
+<p:notes xmlns:a="http://schemas.openxmlformats.org/drawingml/2006/main" xmlns:r="http://schemas.openxmlformats.org/officeDocument/2006/relationships" xmlns:p="http://schemas.openxmlformats.org/presentationml/2006/main">
+  <p:cSld>
+    <p:spTree>
+      <p:nvGrpSpPr>
+        <p:cNvPr id="1" name=""/>
+        <p:cNvGrpSpPr/>
+        <p:nvPr/>
+      </p:nvGrpSpPr>
+      <p:grpSpPr>
+        <a:xfrm>
+          <a:off x="0" y="0"/>
+          <a:ext cx="0" cy="0"/>
+          <a:chOff x="0" y="0"/>
+          <a:chExt cx="0" cy="0"/>
+        </a:xfrm>
+      </p:grpSpPr>
+      <p:sp>
+        <p:nvSpPr>
+          <p:cNvPr id="2" name="Slide Image Placeholder 1"/>
+          <p:cNvSpPr>
+            <a:spLocks noGrp="1" noRot="1" noChangeAspect="1"/>
+          </p:cNvSpPr>
+          <p:nvPr>
+            <p:ph type="sldImg"/>
+          </p:nvPr>
+        </p:nvSpPr>
+        <p:spPr/>
+      </p:sp>
+      <p:sp>
+        <p:nvSpPr>
+          <p:cNvPr id="3" name="Notes Placeholder 2"/>
+          <p:cNvSpPr>
+            <a:spLocks noGrp="1"/>
+          </p:cNvSpPr>
+          <p:nvPr>
+            <p:ph type="body" idx="1"/>
+          </p:nvPr>
+        </p:nvSpPr>
+        <p:spPr/>
+        <p:txBody>
+          <a:bodyPr/>
+          <a:lstStyle/>
+          <a:p>
+            <a:r>
+              <a:rPr lang="nl-NL" smtClean="0"/>
+              <a:t>Go into a little more detail</a:t>
+            </a:r>
+            <a:r>
+              <a:rPr lang="nl-NL" baseline="0" smtClean="0"/>
+              <a:t> with regards to Hamcrest matchers – readable matchers for creating checks</a:t>
+            </a:r>
+            <a:endParaRPr lang="nl-NL"/>
+          </a:p>
+        </p:txBody>
+      </p:sp>
+      <p:sp>
+        <p:nvSpPr>
+          <p:cNvPr id="4" name="Slide Number Placeholder 3"/>
+          <p:cNvSpPr>
+            <a:spLocks noGrp="1"/>
+          </p:cNvSpPr>
+          <p:nvPr>
+            <p:ph type="sldNum" sz="quarter" idx="10"/>
+          </p:nvPr>
+        </p:nvSpPr>
+        <p:spPr/>
+        <p:txBody>
+          <a:bodyPr/>
+          <a:lstStyle/>
+          <a:p>
+            <a:fld id="{33F4B397-60AF-45DE-B029-C9C003EF5310}" type="slidenum">
+              <a:rPr lang="nl-NL" smtClean="0"/>
+              <a:t>15</a:t>
+            </a:fld>
+            <a:endParaRPr lang="nl-NL"/>
+          </a:p>
+        </p:txBody>
+      </p:sp>
+    </p:spTree>
+    <p:extLst>
+      <p:ext uri="{BB962C8B-B14F-4D97-AF65-F5344CB8AC3E}">
+        <p14:creationId xmlns:p14="http://schemas.microsoft.com/office/powerpoint/2010/main" val="4104242692"/>
+      </p:ext>
+    </p:extLst>
+  </p:cSld>
+  <p:clrMapOvr>
+    <a:masterClrMapping/>
+  </p:clrMapOvr>
+</p:notes>
+</file>
+
+<file path=ppt/notesSlides/notesSlide16.xml><?xml version="1.0" encoding="utf-8"?>
+<p:notes xmlns:a="http://schemas.openxmlformats.org/drawingml/2006/main" xmlns:r="http://schemas.openxmlformats.org/officeDocument/2006/relationships" xmlns:p="http://schemas.openxmlformats.org/presentationml/2006/main">
+  <p:cSld>
+    <p:spTree>
+      <p:nvGrpSpPr>
+        <p:cNvPr id="1" name=""/>
+        <p:cNvGrpSpPr/>
+        <p:nvPr/>
+      </p:nvGrpSpPr>
+      <p:grpSpPr>
+        <a:xfrm>
+          <a:off x="0" y="0"/>
+          <a:ext cx="0" cy="0"/>
+          <a:chOff x="0" y="0"/>
+          <a:chExt cx="0" cy="0"/>
+        </a:xfrm>
+      </p:grpSpPr>
+      <p:sp>
+        <p:nvSpPr>
+          <p:cNvPr id="2" name="Slide Image Placeholder 1"/>
+          <p:cNvSpPr>
+            <a:spLocks noGrp="1" noRot="1" noChangeAspect="1"/>
+          </p:cNvSpPr>
+          <p:nvPr>
+            <p:ph type="sldImg"/>
+          </p:nvPr>
+        </p:nvSpPr>
+        <p:spPr/>
+      </p:sp>
+      <p:sp>
+        <p:nvSpPr>
+          <p:cNvPr id="3" name="Notes Placeholder 2"/>
+          <p:cNvSpPr>
+            <a:spLocks noGrp="1"/>
+          </p:cNvSpPr>
+          <p:nvPr>
+            <p:ph type="body" idx="1"/>
+          </p:nvPr>
+        </p:nvSpPr>
+        <p:spPr/>
+        <p:txBody>
+          <a:bodyPr/>
+          <a:lstStyle/>
+          <a:p>
+            <a:pPr marL="0" marR="0" indent="0" algn="l" defTabSz="914400" rtl="0" eaLnBrk="1" fontAlgn="auto" latinLnBrk="0" hangingPunct="1">
+              <a:lnSpc>
+                <a:spcPct val="100000"/>
+              </a:lnSpc>
+              <a:spcBef>
+                <a:spcPts val="0"/>
+              </a:spcBef>
+              <a:spcAft>
+                <a:spcPts val="0"/>
+              </a:spcAft>
+              <a:buClrTx/>
+              <a:buSzTx/>
+              <a:buFontTx/>
+              <a:buNone/>
+              <a:tabLst/>
+              <a:defRPr/>
+            </a:pPr>
+            <a:r>
+              <a:rPr lang="nl-NL" smtClean="0"/>
+              <a:t>Go into a little more detail</a:t>
+            </a:r>
+            <a:r>
+              <a:rPr lang="nl-NL" baseline="0" smtClean="0"/>
+              <a:t> with regards to Gpath for effective selection of elements from XML and JSON responses</a:t>
+            </a:r>
+            <a:endParaRPr lang="nl-NL" smtClean="0"/>
+          </a:p>
+        </p:txBody>
+      </p:sp>
+      <p:sp>
+        <p:nvSpPr>
+          <p:cNvPr id="4" name="Slide Number Placeholder 3"/>
+          <p:cNvSpPr>
+            <a:spLocks noGrp="1"/>
+          </p:cNvSpPr>
+          <p:nvPr>
+            <p:ph type="sldNum" sz="quarter" idx="10"/>
+          </p:nvPr>
+        </p:nvSpPr>
+        <p:spPr/>
+        <p:txBody>
+          <a:bodyPr/>
+          <a:lstStyle/>
+          <a:p>
+            <a:fld id="{33F4B397-60AF-45DE-B029-C9C003EF5310}" type="slidenum">
+              <a:rPr lang="nl-NL" smtClean="0"/>
+              <a:t>16</a:t>
+            </a:fld>
+            <a:endParaRPr lang="nl-NL"/>
+          </a:p>
+        </p:txBody>
+      </p:sp>
+    </p:spTree>
+    <p:extLst>
+      <p:ext uri="{BB962C8B-B14F-4D97-AF65-F5344CB8AC3E}">
+        <p14:creationId xmlns:p14="http://schemas.microsoft.com/office/powerpoint/2010/main" val="1527326816"/>
+      </p:ext>
+    </p:extLst>
+  </p:cSld>
+  <p:clrMapOvr>
+    <a:masterClrMapping/>
+  </p:clrMapOvr>
+</p:notes>
+</file>
+
+<file path=ppt/notesSlides/notesSlide17.xml><?xml version="1.0" encoding="utf-8"?>
+<p:notes xmlns:a="http://schemas.openxmlformats.org/drawingml/2006/main" xmlns:r="http://schemas.openxmlformats.org/officeDocument/2006/relationships" xmlns:p="http://schemas.openxmlformats.org/presentationml/2006/main">
+  <p:cSld>
+    <p:spTree>
+      <p:nvGrpSpPr>
+        <p:cNvPr id="1" name=""/>
+        <p:cNvGrpSpPr/>
+        <p:nvPr/>
+      </p:nvGrpSpPr>
+      <p:grpSpPr>
+        <a:xfrm>
+          <a:off x="0" y="0"/>
+          <a:ext cx="0" cy="0"/>
+          <a:chOff x="0" y="0"/>
+          <a:chExt cx="0" cy="0"/>
+        </a:xfrm>
+      </p:grpSpPr>
+      <p:sp>
+        <p:nvSpPr>
+          <p:cNvPr id="2" name="Slide Image Placeholder 1"/>
+          <p:cNvSpPr>
+            <a:spLocks noGrp="1" noRot="1" noChangeAspect="1"/>
+          </p:cNvSpPr>
+          <p:nvPr>
+            <p:ph type="sldImg"/>
+          </p:nvPr>
+        </p:nvSpPr>
+        <p:spPr/>
+      </p:sp>
+      <p:sp>
+        <p:nvSpPr>
+          <p:cNvPr id="3" name="Notes Placeholder 2"/>
+          <p:cNvSpPr>
+            <a:spLocks noGrp="1"/>
+          </p:cNvSpPr>
+          <p:nvPr>
+            <p:ph type="body" idx="1"/>
+          </p:nvPr>
+        </p:nvSpPr>
+        <p:spPr/>
+        <p:txBody>
+          <a:bodyPr/>
+          <a:lstStyle/>
+          <a:p>
+            <a:r>
+              <a:rPr lang="nl-NL" smtClean="0"/>
+              <a:t>Example –</a:t>
+            </a:r>
+            <a:r>
+              <a:rPr lang="nl-NL" baseline="0" smtClean="0"/>
+              <a:t> also explain the [0] needed since we’re dealing with a collection of Circuits here</a:t>
+            </a:r>
+            <a:endParaRPr lang="nl-NL"/>
+          </a:p>
+        </p:txBody>
+      </p:sp>
+      <p:sp>
+        <p:nvSpPr>
+          <p:cNvPr id="4" name="Slide Number Placeholder 3"/>
+          <p:cNvSpPr>
+            <a:spLocks noGrp="1"/>
+          </p:cNvSpPr>
+          <p:nvPr>
+            <p:ph type="sldNum" sz="quarter" idx="10"/>
+          </p:nvPr>
+        </p:nvSpPr>
+        <p:spPr/>
+        <p:txBody>
+          <a:bodyPr/>
+          <a:lstStyle/>
+          <a:p>
+            <a:fld id="{33F4B397-60AF-45DE-B029-C9C003EF5310}" type="slidenum">
+              <a:rPr lang="nl-NL" smtClean="0"/>
+              <a:t>17</a:t>
+            </a:fld>
+            <a:endParaRPr lang="nl-NL"/>
+          </a:p>
+        </p:txBody>
+      </p:sp>
+    </p:spTree>
+    <p:extLst>
+      <p:ext uri="{BB962C8B-B14F-4D97-AF65-F5344CB8AC3E}">
+        <p14:creationId xmlns:p14="http://schemas.microsoft.com/office/powerpoint/2010/main" val="2223783144"/>
+      </p:ext>
+    </p:extLst>
+  </p:cSld>
+  <p:clrMapOvr>
+    <a:masterClrMapping/>
+  </p:clrMapOvr>
+</p:notes>
+</file>
+
+<file path=ppt/notesSlides/notesSlide18.xml><?xml version="1.0" encoding="utf-8"?>
+<p:notes xmlns:a="http://schemas.openxmlformats.org/drawingml/2006/main" xmlns:r="http://schemas.openxmlformats.org/officeDocument/2006/relationships" xmlns:p="http://schemas.openxmlformats.org/presentationml/2006/main">
+  <p:cSld>
+    <p:spTree>
+      <p:nvGrpSpPr>
+        <p:cNvPr id="1" name=""/>
+        <p:cNvGrpSpPr/>
+        <p:nvPr/>
+      </p:nvGrpSpPr>
+      <p:grpSpPr>
+        <a:xfrm>
+          <a:off x="0" y="0"/>
+          <a:ext cx="0" cy="0"/>
+          <a:chOff x="0" y="0"/>
+          <a:chExt cx="0" cy="0"/>
+        </a:xfrm>
+      </p:grpSpPr>
+      <p:sp>
+        <p:nvSpPr>
+          <p:cNvPr id="2" name="Slide Image Placeholder 1"/>
+          <p:cNvSpPr>
+            <a:spLocks noGrp="1" noRot="1" noChangeAspect="1"/>
+          </p:cNvSpPr>
+          <p:nvPr>
+            <p:ph type="sldImg"/>
+          </p:nvPr>
+        </p:nvSpPr>
+        <p:spPr/>
+      </p:sp>
+      <p:sp>
+        <p:nvSpPr>
+          <p:cNvPr id="3" name="Notes Placeholder 2"/>
+          <p:cNvSpPr>
+            <a:spLocks noGrp="1"/>
+          </p:cNvSpPr>
+          <p:nvPr>
+            <p:ph type="body" idx="1"/>
+          </p:nvPr>
+        </p:nvSpPr>
+        <p:spPr/>
+        <p:txBody>
+          <a:bodyPr/>
+          <a:lstStyle/>
+          <a:p>
+            <a:r>
+              <a:rPr lang="nl-NL" smtClean="0"/>
+              <a:t>Explain</a:t>
+            </a:r>
+            <a:r>
+              <a:rPr lang="nl-NL" baseline="0" smtClean="0"/>
+              <a:t> how you can not only perform validations on response content, but also on response headers.</a:t>
+            </a:r>
+            <a:endParaRPr lang="nl-NL"/>
+          </a:p>
+        </p:txBody>
+      </p:sp>
+      <p:sp>
+        <p:nvSpPr>
+          <p:cNvPr id="4" name="Slide Number Placeholder 3"/>
+          <p:cNvSpPr>
+            <a:spLocks noGrp="1"/>
+          </p:cNvSpPr>
+          <p:nvPr>
+            <p:ph type="sldNum" sz="quarter" idx="10"/>
+          </p:nvPr>
+        </p:nvSpPr>
+        <p:spPr/>
+        <p:txBody>
+          <a:bodyPr/>
+          <a:lstStyle/>
+          <a:p>
+            <a:fld id="{33F4B397-60AF-45DE-B029-C9C003EF5310}" type="slidenum">
+              <a:rPr lang="nl-NL" smtClean="0"/>
+              <a:t>18</a:t>
+            </a:fld>
+            <a:endParaRPr lang="nl-NL"/>
+          </a:p>
+        </p:txBody>
+      </p:sp>
+    </p:spTree>
+    <p:extLst>
+      <p:ext uri="{BB962C8B-B14F-4D97-AF65-F5344CB8AC3E}">
+        <p14:creationId xmlns:p14="http://schemas.microsoft.com/office/powerpoint/2010/main" val="1540249183"/>
+      </p:ext>
+    </p:extLst>
+  </p:cSld>
+  <p:clrMapOvr>
+    <a:masterClrMapping/>
+  </p:clrMapOvr>
+</p:notes>
+</file>
+
+<file path=ppt/notesSlides/notesSlide19.xml><?xml version="1.0" encoding="utf-8"?>
+<p:notes xmlns:a="http://schemas.openxmlformats.org/drawingml/2006/main" xmlns:r="http://schemas.openxmlformats.org/officeDocument/2006/relationships" xmlns:p="http://schemas.openxmlformats.org/presentationml/2006/main">
+  <p:cSld>
+    <p:spTree>
+      <p:nvGrpSpPr>
+        <p:cNvPr id="1" name=""/>
+        <p:cNvGrpSpPr/>
+        <p:nvPr/>
+      </p:nvGrpSpPr>
+      <p:grpSpPr>
+        <a:xfrm>
+          <a:off x="0" y="0"/>
+          <a:ext cx="0" cy="0"/>
+          <a:chOff x="0" y="0"/>
+          <a:chExt cx="0" cy="0"/>
+        </a:xfrm>
+      </p:grpSpPr>
+      <p:sp>
+        <p:nvSpPr>
+          <p:cNvPr id="2" name="Slide Image Placeholder 1"/>
+          <p:cNvSpPr>
+            <a:spLocks noGrp="1" noRot="1" noChangeAspect="1"/>
+          </p:cNvSpPr>
+          <p:nvPr>
+            <p:ph type="sldImg"/>
+          </p:nvPr>
+        </p:nvSpPr>
+        <p:spPr/>
+      </p:sp>
+      <p:sp>
+        <p:nvSpPr>
+          <p:cNvPr id="3" name="Notes Placeholder 2"/>
+          <p:cNvSpPr>
+            <a:spLocks noGrp="1"/>
+          </p:cNvSpPr>
+          <p:nvPr>
+            <p:ph type="body" idx="1"/>
+          </p:nvPr>
+        </p:nvSpPr>
+        <p:spPr/>
+        <p:txBody>
+          <a:bodyPr/>
+          <a:lstStyle/>
+          <a:p>
+            <a:r>
+              <a:rPr lang="nl-NL" smtClean="0"/>
+              <a:t>Explain</a:t>
+            </a:r>
+            <a:r>
+              <a:rPr lang="nl-NL" baseline="0" smtClean="0"/>
+              <a:t> why this API was chosen (simple, lots of features, very ‘real’ data, something lots of people can relate to)</a:t>
+            </a:r>
+          </a:p>
+          <a:p>
+            <a:endParaRPr lang="nl-NL" baseline="0" smtClean="0"/>
+          </a:p>
+          <a:p>
+            <a:r>
+              <a:rPr lang="nl-NL" baseline="0" smtClean="0"/>
+              <a:t>Alternatively, you can always use your own API of course!</a:t>
+            </a:r>
+            <a:endParaRPr lang="nl-NL"/>
+          </a:p>
+        </p:txBody>
+      </p:sp>
+      <p:sp>
+        <p:nvSpPr>
+          <p:cNvPr id="4" name="Slide Number Placeholder 3"/>
+          <p:cNvSpPr>
+            <a:spLocks noGrp="1"/>
+          </p:cNvSpPr>
+          <p:nvPr>
+            <p:ph type="sldNum" sz="quarter" idx="10"/>
+          </p:nvPr>
+        </p:nvSpPr>
+        <p:spPr/>
+        <p:txBody>
+          <a:bodyPr/>
+          <a:lstStyle/>
+          <a:p>
+            <a:fld id="{33F4B397-60AF-45DE-B029-C9C003EF5310}" type="slidenum">
+              <a:rPr lang="nl-NL" smtClean="0"/>
+              <a:t>19</a:t>
+            </a:fld>
+            <a:endParaRPr lang="nl-NL"/>
+          </a:p>
+        </p:txBody>
+      </p:sp>
+    </p:spTree>
+    <p:extLst>
+      <p:ext uri="{BB962C8B-B14F-4D97-AF65-F5344CB8AC3E}">
+        <p14:creationId xmlns:p14="http://schemas.microsoft.com/office/powerpoint/2010/main" val="3201419691"/>
+      </p:ext>
+    </p:extLst>
+  </p:cSld>
+  <p:clrMapOvr>
+    <a:masterClrMapping/>
+  </p:clrMapOvr>
+</p:notes>
+</file>
+
+<file path=ppt/notesSlides/notesSlide2.xml><?xml version="1.0" encoding="utf-8"?>
+<p:notes xmlns:a="http://schemas.openxmlformats.org/drawingml/2006/main" xmlns:r="http://schemas.openxmlformats.org/officeDocument/2006/relationships" xmlns:p="http://schemas.openxmlformats.org/presentationml/2006/main">
+  <p:cSld>
+    <p:spTree>
+      <p:nvGrpSpPr>
+        <p:cNvPr id="1" name=""/>
+        <p:cNvGrpSpPr/>
+        <p:nvPr/>
+      </p:nvGrpSpPr>
+      <p:grpSpPr>
+        <a:xfrm>
+          <a:off x="0" y="0"/>
+          <a:ext cx="0" cy="0"/>
+          <a:chOff x="0" y="0"/>
+          <a:chExt cx="0" cy="0"/>
+        </a:xfrm>
+      </p:grpSpPr>
+      <p:sp>
+        <p:nvSpPr>
+          <p:cNvPr id="2" name="Slide Image Placeholder 1"/>
+          <p:cNvSpPr>
+            <a:spLocks noGrp="1" noRot="1" noChangeAspect="1"/>
+          </p:cNvSpPr>
+          <p:nvPr>
+            <p:ph type="sldImg"/>
+          </p:nvPr>
+        </p:nvSpPr>
+        <p:spPr/>
+      </p:sp>
+      <p:sp>
+        <p:nvSpPr>
+          <p:cNvPr id="3" name="Notes Placeholder 2"/>
+          <p:cNvSpPr>
+            <a:spLocks noGrp="1"/>
+          </p:cNvSpPr>
+          <p:nvPr>
+            <p:ph type="body" idx="1"/>
+          </p:nvPr>
+        </p:nvSpPr>
+        <p:spPr/>
+        <p:txBody>
+          <a:bodyPr/>
+          <a:lstStyle/>
+          <a:p>
+            <a:r>
+              <a:rPr lang="nl-NL" smtClean="0"/>
+              <a:t>First:</a:t>
+            </a:r>
+            <a:r>
+              <a:rPr lang="nl-NL" baseline="0" smtClean="0"/>
+              <a:t> an introduction to RESTful web services, how they work and where they are used</a:t>
+            </a:r>
+          </a:p>
+          <a:p>
+            <a:r>
+              <a:rPr lang="nl-NL" baseline="0" smtClean="0"/>
+              <a:t>Then: an introduction to REST Assured, a Java library that can be used to write tests for RESTful web services</a:t>
+            </a:r>
+          </a:p>
+          <a:p>
+            <a:r>
+              <a:rPr lang="nl-NL" baseline="0" smtClean="0"/>
+              <a:t>But most importantly: you are going to have to do some work yourself! There’s not better way to learn than by doing.</a:t>
+            </a:r>
+            <a:endParaRPr lang="nl-NL"/>
+          </a:p>
+        </p:txBody>
+      </p:sp>
+      <p:sp>
+        <p:nvSpPr>
+          <p:cNvPr id="4" name="Slide Number Placeholder 3"/>
+          <p:cNvSpPr>
+            <a:spLocks noGrp="1"/>
+          </p:cNvSpPr>
+          <p:nvPr>
+            <p:ph type="sldNum" sz="quarter" idx="10"/>
+          </p:nvPr>
+        </p:nvSpPr>
+        <p:spPr/>
+        <p:txBody>
+          <a:bodyPr/>
+          <a:lstStyle/>
+          <a:p>
+            <a:fld id="{33F4B397-60AF-45DE-B029-C9C003EF5310}" type="slidenum">
+              <a:rPr lang="nl-NL" smtClean="0"/>
+              <a:t>2</a:t>
+            </a:fld>
+            <a:endParaRPr lang="nl-NL"/>
+          </a:p>
+        </p:txBody>
+      </p:sp>
+    </p:spTree>
+    <p:extLst>
+      <p:ext uri="{BB962C8B-B14F-4D97-AF65-F5344CB8AC3E}">
+        <p14:creationId xmlns:p14="http://schemas.microsoft.com/office/powerpoint/2010/main" val="917285630"/>
+      </p:ext>
+    </p:extLst>
+  </p:cSld>
+  <p:clrMapOvr>
+    <a:masterClrMapping/>
+  </p:clrMapOvr>
+</p:notes>
+</file>
+
+<file path=ppt/notesSlides/notesSlide20.xml><?xml version="1.0" encoding="utf-8"?>
+<p:notes xmlns:a="http://schemas.openxmlformats.org/drawingml/2006/main" xmlns:r="http://schemas.openxmlformats.org/officeDocument/2006/relationships" xmlns:p="http://schemas.openxmlformats.org/presentationml/2006/main">
+  <p:cSld>
+    <p:spTree>
+      <p:nvGrpSpPr>
+        <p:cNvPr id="1" name=""/>
+        <p:cNvGrpSpPr/>
+        <p:nvPr/>
+      </p:nvGrpSpPr>
+      <p:grpSpPr>
+        <a:xfrm>
+          <a:off x="0" y="0"/>
+          <a:ext cx="0" cy="0"/>
+          <a:chOff x="0" y="0"/>
+          <a:chExt cx="0" cy="0"/>
+        </a:xfrm>
+      </p:grpSpPr>
+      <p:sp>
+        <p:nvSpPr>
+          <p:cNvPr id="2" name="Slide Image Placeholder 1"/>
+          <p:cNvSpPr>
+            <a:spLocks noGrp="1" noRot="1" noChangeAspect="1"/>
+          </p:cNvSpPr>
+          <p:nvPr>
+            <p:ph type="sldImg"/>
+          </p:nvPr>
+        </p:nvSpPr>
+        <p:spPr/>
+      </p:sp>
+      <p:sp>
+        <p:nvSpPr>
+          <p:cNvPr id="3" name="Notes Placeholder 2"/>
+          <p:cNvSpPr>
+            <a:spLocks noGrp="1"/>
+          </p:cNvSpPr>
+          <p:nvPr>
+            <p:ph type="body" idx="1"/>
+          </p:nvPr>
+        </p:nvSpPr>
+        <p:spPr/>
+        <p:txBody>
+          <a:bodyPr/>
+          <a:lstStyle/>
+          <a:p>
+            <a:r>
+              <a:rPr lang="nl-NL" smtClean="0"/>
+              <a:t>Some basic examples on how</a:t>
+            </a:r>
+            <a:r>
+              <a:rPr lang="nl-NL" baseline="0" smtClean="0"/>
+              <a:t> to retrieve data from the API</a:t>
+            </a:r>
+            <a:endParaRPr lang="nl-NL"/>
+          </a:p>
+        </p:txBody>
+      </p:sp>
+      <p:sp>
+        <p:nvSpPr>
+          <p:cNvPr id="4" name="Slide Number Placeholder 3"/>
+          <p:cNvSpPr>
+            <a:spLocks noGrp="1"/>
+          </p:cNvSpPr>
+          <p:nvPr>
+            <p:ph type="sldNum" sz="quarter" idx="10"/>
+          </p:nvPr>
+        </p:nvSpPr>
+        <p:spPr/>
+        <p:txBody>
+          <a:bodyPr/>
+          <a:lstStyle/>
+          <a:p>
+            <a:fld id="{33F4B397-60AF-45DE-B029-C9C003EF5310}" type="slidenum">
+              <a:rPr lang="nl-NL" smtClean="0"/>
+              <a:t>20</a:t>
+            </a:fld>
+            <a:endParaRPr lang="nl-NL"/>
+          </a:p>
+        </p:txBody>
+      </p:sp>
+    </p:spTree>
+    <p:extLst>
+      <p:ext uri="{BB962C8B-B14F-4D97-AF65-F5344CB8AC3E}">
+        <p14:creationId xmlns:p14="http://schemas.microsoft.com/office/powerpoint/2010/main" val="3934551432"/>
+      </p:ext>
+    </p:extLst>
+  </p:cSld>
+  <p:clrMapOvr>
+    <a:masterClrMapping/>
+  </p:clrMapOvr>
+</p:notes>
+</file>
+
+<file path=ppt/notesSlides/notesSlide21.xml><?xml version="1.0" encoding="utf-8"?>
+<p:notes xmlns:a="http://schemas.openxmlformats.org/drawingml/2006/main" xmlns:r="http://schemas.openxmlformats.org/officeDocument/2006/relationships" xmlns:p="http://schemas.openxmlformats.org/presentationml/2006/main">
+  <p:cSld>
+    <p:spTree>
+      <p:nvGrpSpPr>
+        <p:cNvPr id="1" name=""/>
+        <p:cNvGrpSpPr/>
+        <p:nvPr/>
+      </p:nvGrpSpPr>
+      <p:grpSpPr>
+        <a:xfrm>
+          <a:off x="0" y="0"/>
+          <a:ext cx="0" cy="0"/>
+          <a:chOff x="0" y="0"/>
+          <a:chExt cx="0" cy="0"/>
+        </a:xfrm>
+      </p:grpSpPr>
+      <p:sp>
+        <p:nvSpPr>
+          <p:cNvPr id="2" name="Slide Image Placeholder 1"/>
+          <p:cNvSpPr>
+            <a:spLocks noGrp="1" noRot="1" noChangeAspect="1"/>
+          </p:cNvSpPr>
+          <p:nvPr>
+            <p:ph type="sldImg"/>
+          </p:nvPr>
+        </p:nvSpPr>
+        <p:spPr/>
+      </p:sp>
+      <p:sp>
+        <p:nvSpPr>
+          <p:cNvPr id="3" name="Notes Placeholder 2"/>
+          <p:cNvSpPr>
+            <a:spLocks noGrp="1"/>
+          </p:cNvSpPr>
+          <p:nvPr>
+            <p:ph type="body" idx="1"/>
+          </p:nvPr>
+        </p:nvSpPr>
+        <p:spPr/>
+        <p:txBody>
+          <a:bodyPr/>
+          <a:lstStyle/>
+          <a:p>
+            <a:r>
+              <a:rPr lang="nl-NL" smtClean="0"/>
+              <a:t>A quick demo before the participants start with the first series of exercises might be helpful to ensure they’ve understood</a:t>
+            </a:r>
+            <a:r>
+              <a:rPr lang="nl-NL" baseline="0" smtClean="0"/>
+              <a:t> everything so far and are ready to go.</a:t>
+            </a:r>
+            <a:endParaRPr lang="nl-NL"/>
+          </a:p>
+        </p:txBody>
+      </p:sp>
+      <p:sp>
+        <p:nvSpPr>
+          <p:cNvPr id="4" name="Slide Number Placeholder 3"/>
+          <p:cNvSpPr>
+            <a:spLocks noGrp="1"/>
+          </p:cNvSpPr>
+          <p:nvPr>
+            <p:ph type="sldNum" sz="quarter" idx="10"/>
+          </p:nvPr>
+        </p:nvSpPr>
+        <p:spPr/>
+        <p:txBody>
+          <a:bodyPr/>
+          <a:lstStyle/>
+          <a:p>
+            <a:fld id="{33F4B397-60AF-45DE-B029-C9C003EF5310}" type="slidenum">
+              <a:rPr lang="nl-NL" smtClean="0"/>
+              <a:t>21</a:t>
+            </a:fld>
+            <a:endParaRPr lang="nl-NL"/>
+          </a:p>
+        </p:txBody>
+      </p:sp>
+    </p:spTree>
+    <p:extLst>
+      <p:ext uri="{BB962C8B-B14F-4D97-AF65-F5344CB8AC3E}">
+        <p14:creationId xmlns:p14="http://schemas.microsoft.com/office/powerpoint/2010/main" val="4044066351"/>
+      </p:ext>
+    </p:extLst>
+  </p:cSld>
+  <p:clrMapOvr>
+    <a:masterClrMapping/>
+  </p:clrMapOvr>
+</p:notes>
+</file>
+
+<file path=ppt/notesSlides/notesSlide22.xml><?xml version="1.0" encoding="utf-8"?>
+<p:notes xmlns:a="http://schemas.openxmlformats.org/drawingml/2006/main" xmlns:r="http://schemas.openxmlformats.org/officeDocument/2006/relationships" xmlns:p="http://schemas.openxmlformats.org/presentationml/2006/main">
+  <p:cSld>
+    <p:spTree>
+      <p:nvGrpSpPr>
+        <p:cNvPr id="1" name=""/>
+        <p:cNvGrpSpPr/>
+        <p:nvPr/>
+      </p:nvGrpSpPr>
+      <p:grpSpPr>
+        <a:xfrm>
+          <a:off x="0" y="0"/>
+          <a:ext cx="0" cy="0"/>
+          <a:chOff x="0" y="0"/>
+          <a:chExt cx="0" cy="0"/>
+        </a:xfrm>
+      </p:grpSpPr>
+      <p:sp>
+        <p:nvSpPr>
+          <p:cNvPr id="2" name="Slide Image Placeholder 1"/>
+          <p:cNvSpPr>
+            <a:spLocks noGrp="1" noRot="1" noChangeAspect="1"/>
+          </p:cNvSpPr>
+          <p:nvPr>
+            <p:ph type="sldImg"/>
+          </p:nvPr>
+        </p:nvSpPr>
+        <p:spPr/>
+      </p:sp>
+      <p:sp>
+        <p:nvSpPr>
+          <p:cNvPr id="3" name="Notes Placeholder 2"/>
+          <p:cNvSpPr>
+            <a:spLocks noGrp="1"/>
+          </p:cNvSpPr>
+          <p:nvPr>
+            <p:ph type="body" idx="1"/>
+          </p:nvPr>
+        </p:nvSpPr>
+        <p:spPr/>
+        <p:txBody>
+          <a:bodyPr/>
+          <a:lstStyle/>
+          <a:p>
+            <a:r>
+              <a:rPr lang="nl-NL" smtClean="0"/>
+              <a:t>Speaks for itself, I think.</a:t>
+            </a:r>
+            <a:endParaRPr lang="nl-NL"/>
+          </a:p>
+        </p:txBody>
+      </p:sp>
+      <p:sp>
+        <p:nvSpPr>
+          <p:cNvPr id="4" name="Slide Number Placeholder 3"/>
+          <p:cNvSpPr>
+            <a:spLocks noGrp="1"/>
+          </p:cNvSpPr>
+          <p:nvPr>
+            <p:ph type="sldNum" sz="quarter" idx="10"/>
+          </p:nvPr>
+        </p:nvSpPr>
+        <p:spPr/>
+        <p:txBody>
+          <a:bodyPr/>
+          <a:lstStyle/>
+          <a:p>
+            <a:fld id="{33F4B397-60AF-45DE-B029-C9C003EF5310}" type="slidenum">
+              <a:rPr lang="nl-NL" smtClean="0"/>
+              <a:t>22</a:t>
+            </a:fld>
+            <a:endParaRPr lang="nl-NL"/>
+          </a:p>
+        </p:txBody>
+      </p:sp>
+    </p:spTree>
+    <p:extLst>
+      <p:ext uri="{BB962C8B-B14F-4D97-AF65-F5344CB8AC3E}">
+        <p14:creationId xmlns:p14="http://schemas.microsoft.com/office/powerpoint/2010/main" val="1682465943"/>
+      </p:ext>
+    </p:extLst>
+  </p:cSld>
+  <p:clrMapOvr>
+    <a:masterClrMapping/>
+  </p:clrMapOvr>
+</p:notes>
+</file>
+
+<file path=ppt/notesSlides/notesSlide23.xml><?xml version="1.0" encoding="utf-8"?>
+<p:notes xmlns:a="http://schemas.openxmlformats.org/drawingml/2006/main" xmlns:r="http://schemas.openxmlformats.org/officeDocument/2006/relationships" xmlns:p="http://schemas.openxmlformats.org/presentationml/2006/main">
+  <p:cSld>
+    <p:spTree>
+      <p:nvGrpSpPr>
+        <p:cNvPr id="1" name=""/>
+        <p:cNvGrpSpPr/>
+        <p:nvPr/>
+      </p:nvGrpSpPr>
+      <p:grpSpPr>
+        <a:xfrm>
+          <a:off x="0" y="0"/>
+          <a:ext cx="0" cy="0"/>
+          <a:chOff x="0" y="0"/>
+          <a:chExt cx="0" cy="0"/>
+        </a:xfrm>
+      </p:grpSpPr>
+      <p:sp>
+        <p:nvSpPr>
+          <p:cNvPr id="2" name="Slide Image Placeholder 1"/>
+          <p:cNvSpPr>
+            <a:spLocks noGrp="1" noRot="1" noChangeAspect="1"/>
+          </p:cNvSpPr>
+          <p:nvPr>
+            <p:ph type="sldImg"/>
+          </p:nvPr>
+        </p:nvSpPr>
+        <p:spPr/>
+      </p:sp>
+      <p:sp>
+        <p:nvSpPr>
+          <p:cNvPr id="3" name="Notes Placeholder 2"/>
+          <p:cNvSpPr>
+            <a:spLocks noGrp="1"/>
+          </p:cNvSpPr>
+          <p:nvPr>
+            <p:ph type="body" idx="1"/>
+          </p:nvPr>
+        </p:nvSpPr>
+        <p:spPr/>
+        <p:txBody>
+          <a:bodyPr/>
+          <a:lstStyle/>
+          <a:p>
+            <a:r>
+              <a:rPr lang="nl-NL" smtClean="0"/>
+              <a:t>Explain the difference between path and query string parameters in RESTful</a:t>
+            </a:r>
+            <a:r>
+              <a:rPr lang="nl-NL" baseline="0" smtClean="0"/>
+              <a:t> web services</a:t>
+            </a:r>
+            <a:endParaRPr lang="nl-NL"/>
+          </a:p>
+        </p:txBody>
+      </p:sp>
+      <p:sp>
+        <p:nvSpPr>
+          <p:cNvPr id="4" name="Slide Number Placeholder 3"/>
+          <p:cNvSpPr>
+            <a:spLocks noGrp="1"/>
+          </p:cNvSpPr>
+          <p:nvPr>
+            <p:ph type="sldNum" sz="quarter" idx="10"/>
+          </p:nvPr>
+        </p:nvSpPr>
+        <p:spPr/>
+        <p:txBody>
+          <a:bodyPr/>
+          <a:lstStyle/>
+          <a:p>
+            <a:fld id="{33F4B397-60AF-45DE-B029-C9C003EF5310}" type="slidenum">
+              <a:rPr lang="nl-NL" smtClean="0"/>
+              <a:t>23</a:t>
+            </a:fld>
+            <a:endParaRPr lang="nl-NL"/>
+          </a:p>
+        </p:txBody>
+      </p:sp>
+    </p:spTree>
+    <p:extLst>
+      <p:ext uri="{BB962C8B-B14F-4D97-AF65-F5344CB8AC3E}">
+        <p14:creationId xmlns:p14="http://schemas.microsoft.com/office/powerpoint/2010/main" val="1103701742"/>
+      </p:ext>
+    </p:extLst>
+  </p:cSld>
+  <p:clrMapOvr>
+    <a:masterClrMapping/>
+  </p:clrMapOvr>
+</p:notes>
+</file>
+
+<file path=ppt/notesSlides/notesSlide24.xml><?xml version="1.0" encoding="utf-8"?>
+<p:notes xmlns:a="http://schemas.openxmlformats.org/drawingml/2006/main" xmlns:r="http://schemas.openxmlformats.org/officeDocument/2006/relationships" xmlns:p="http://schemas.openxmlformats.org/presentationml/2006/main">
+  <p:cSld>
+    <p:spTree>
+      <p:nvGrpSpPr>
+        <p:cNvPr id="1" name=""/>
+        <p:cNvGrpSpPr/>
+        <p:nvPr/>
+      </p:nvGrpSpPr>
+      <p:grpSpPr>
+        <a:xfrm>
+          <a:off x="0" y="0"/>
+          <a:ext cx="0" cy="0"/>
+          <a:chOff x="0" y="0"/>
+          <a:chExt cx="0" cy="0"/>
+        </a:xfrm>
+      </p:grpSpPr>
+      <p:sp>
+        <p:nvSpPr>
+          <p:cNvPr id="2" name="Slide Image Placeholder 1"/>
+          <p:cNvSpPr>
+            <a:spLocks noGrp="1" noRot="1" noChangeAspect="1"/>
+          </p:cNvSpPr>
+          <p:nvPr>
+            <p:ph type="sldImg"/>
+          </p:nvPr>
+        </p:nvSpPr>
+        <p:spPr/>
+      </p:sp>
+      <p:sp>
+        <p:nvSpPr>
+          <p:cNvPr id="3" name="Notes Placeholder 2"/>
+          <p:cNvSpPr>
+            <a:spLocks noGrp="1"/>
+          </p:cNvSpPr>
+          <p:nvPr>
+            <p:ph type="body" idx="1"/>
+          </p:nvPr>
+        </p:nvSpPr>
+        <p:spPr/>
+        <p:txBody>
+          <a:bodyPr/>
+          <a:lstStyle/>
+          <a:p>
+            <a:r>
+              <a:rPr lang="nl-NL" smtClean="0"/>
+              <a:t>Explain</a:t>
+            </a:r>
+            <a:r>
+              <a:rPr lang="nl-NL" baseline="0" smtClean="0"/>
+              <a:t> how you define query string parameters to be used when calling a service in REST Assured (using params() )</a:t>
+            </a:r>
+            <a:endParaRPr lang="nl-NL"/>
+          </a:p>
+        </p:txBody>
+      </p:sp>
+      <p:sp>
+        <p:nvSpPr>
+          <p:cNvPr id="4" name="Slide Number Placeholder 3"/>
+          <p:cNvSpPr>
+            <a:spLocks noGrp="1"/>
+          </p:cNvSpPr>
+          <p:nvPr>
+            <p:ph type="sldNum" sz="quarter" idx="10"/>
+          </p:nvPr>
+        </p:nvSpPr>
+        <p:spPr/>
+        <p:txBody>
+          <a:bodyPr/>
+          <a:lstStyle/>
+          <a:p>
+            <a:fld id="{33F4B397-60AF-45DE-B029-C9C003EF5310}" type="slidenum">
+              <a:rPr lang="nl-NL" smtClean="0"/>
+              <a:t>24</a:t>
+            </a:fld>
+            <a:endParaRPr lang="nl-NL"/>
+          </a:p>
+        </p:txBody>
+      </p:sp>
+    </p:spTree>
+    <p:extLst>
+      <p:ext uri="{BB962C8B-B14F-4D97-AF65-F5344CB8AC3E}">
+        <p14:creationId xmlns:p14="http://schemas.microsoft.com/office/powerpoint/2010/main" val="1014712350"/>
+      </p:ext>
+    </p:extLst>
+  </p:cSld>
+  <p:clrMapOvr>
+    <a:masterClrMapping/>
+  </p:clrMapOvr>
+</p:notes>
+</file>
+
+<file path=ppt/notesSlides/notesSlide25.xml><?xml version="1.0" encoding="utf-8"?>
+<p:notes xmlns:a="http://schemas.openxmlformats.org/drawingml/2006/main" xmlns:r="http://schemas.openxmlformats.org/officeDocument/2006/relationships" xmlns:p="http://schemas.openxmlformats.org/presentationml/2006/main">
+  <p:cSld>
+    <p:spTree>
+      <p:nvGrpSpPr>
+        <p:cNvPr id="1" name=""/>
+        <p:cNvGrpSpPr/>
+        <p:nvPr/>
+      </p:nvGrpSpPr>
+      <p:grpSpPr>
+        <a:xfrm>
+          <a:off x="0" y="0"/>
+          <a:ext cx="0" cy="0"/>
+          <a:chOff x="0" y="0"/>
+          <a:chExt cx="0" cy="0"/>
+        </a:xfrm>
+      </p:grpSpPr>
+      <p:sp>
+        <p:nvSpPr>
+          <p:cNvPr id="2" name="Slide Image Placeholder 1"/>
+          <p:cNvSpPr>
+            <a:spLocks noGrp="1" noRot="1" noChangeAspect="1"/>
+          </p:cNvSpPr>
+          <p:nvPr>
+            <p:ph type="sldImg"/>
+          </p:nvPr>
+        </p:nvSpPr>
+        <p:spPr/>
+      </p:sp>
+      <p:sp>
+        <p:nvSpPr>
+          <p:cNvPr id="3" name="Notes Placeholder 2"/>
+          <p:cNvSpPr>
+            <a:spLocks noGrp="1"/>
+          </p:cNvSpPr>
+          <p:nvPr>
+            <p:ph type="body" idx="1"/>
+          </p:nvPr>
+        </p:nvSpPr>
+        <p:spPr/>
+        <p:txBody>
+          <a:bodyPr/>
+          <a:lstStyle/>
+          <a:p>
+            <a:pPr marL="0" marR="0" indent="0" algn="l" defTabSz="914400" rtl="0" eaLnBrk="1" fontAlgn="auto" latinLnBrk="0" hangingPunct="1">
+              <a:lnSpc>
+                <a:spcPct val="100000"/>
+              </a:lnSpc>
+              <a:spcBef>
+                <a:spcPts val="0"/>
+              </a:spcBef>
+              <a:spcAft>
+                <a:spcPts val="0"/>
+              </a:spcAft>
+              <a:buClrTx/>
+              <a:buSzTx/>
+              <a:buFontTx/>
+              <a:buNone/>
+              <a:tabLst/>
+              <a:defRPr/>
+            </a:pPr>
+            <a:r>
+              <a:rPr lang="nl-NL" smtClean="0"/>
+              <a:t>Explain</a:t>
+            </a:r>
+            <a:r>
+              <a:rPr lang="nl-NL" baseline="0" smtClean="0"/>
+              <a:t> how you define path parameters to be used when calling a service in REST Assured (using pathParam() )</a:t>
+            </a:r>
+            <a:endParaRPr lang="nl-NL" smtClean="0"/>
+          </a:p>
+          <a:p>
+            <a:endParaRPr lang="nl-NL"/>
+          </a:p>
+        </p:txBody>
+      </p:sp>
+      <p:sp>
+        <p:nvSpPr>
+          <p:cNvPr id="4" name="Slide Number Placeholder 3"/>
+          <p:cNvSpPr>
+            <a:spLocks noGrp="1"/>
+          </p:cNvSpPr>
+          <p:nvPr>
+            <p:ph type="sldNum" sz="quarter" idx="10"/>
+          </p:nvPr>
+        </p:nvSpPr>
+        <p:spPr/>
+        <p:txBody>
+          <a:bodyPr/>
+          <a:lstStyle/>
+          <a:p>
+            <a:fld id="{33F4B397-60AF-45DE-B029-C9C003EF5310}" type="slidenum">
+              <a:rPr lang="nl-NL" smtClean="0"/>
+              <a:t>25</a:t>
+            </a:fld>
+            <a:endParaRPr lang="nl-NL"/>
+          </a:p>
+        </p:txBody>
+      </p:sp>
+    </p:spTree>
+    <p:extLst>
+      <p:ext uri="{BB962C8B-B14F-4D97-AF65-F5344CB8AC3E}">
+        <p14:creationId xmlns:p14="http://schemas.microsoft.com/office/powerpoint/2010/main" val="3621533957"/>
+      </p:ext>
+    </p:extLst>
+  </p:cSld>
+  <p:clrMapOvr>
+    <a:masterClrMapping/>
+  </p:clrMapOvr>
+</p:notes>
+</file>
+
+<file path=ppt/notesSlides/notesSlide26.xml><?xml version="1.0" encoding="utf-8"?>
+<p:notes xmlns:a="http://schemas.openxmlformats.org/drawingml/2006/main" xmlns:r="http://schemas.openxmlformats.org/officeDocument/2006/relationships" xmlns:p="http://schemas.openxmlformats.org/presentationml/2006/main">
+  <p:cSld>
+    <p:spTree>
+      <p:nvGrpSpPr>
+        <p:cNvPr id="1" name=""/>
+        <p:cNvGrpSpPr/>
+        <p:nvPr/>
+      </p:nvGrpSpPr>
+      <p:grpSpPr>
+        <a:xfrm>
+          <a:off x="0" y="0"/>
+          <a:ext cx="0" cy="0"/>
+          <a:chOff x="0" y="0"/>
+          <a:chExt cx="0" cy="0"/>
+        </a:xfrm>
+      </p:grpSpPr>
+      <p:sp>
+        <p:nvSpPr>
+          <p:cNvPr id="2" name="Slide Image Placeholder 1"/>
+          <p:cNvSpPr>
+            <a:spLocks noGrp="1" noRot="1" noChangeAspect="1"/>
+          </p:cNvSpPr>
+          <p:nvPr>
+            <p:ph type="sldImg"/>
+          </p:nvPr>
+        </p:nvSpPr>
+        <p:spPr/>
+      </p:sp>
+      <p:sp>
+        <p:nvSpPr>
+          <p:cNvPr id="3" name="Notes Placeholder 2"/>
+          <p:cNvSpPr>
+            <a:spLocks noGrp="1"/>
+          </p:cNvSpPr>
+          <p:nvPr>
+            <p:ph type="body" idx="1"/>
+          </p:nvPr>
+        </p:nvSpPr>
+        <p:spPr/>
+        <p:txBody>
+          <a:bodyPr/>
+          <a:lstStyle/>
+          <a:p>
+            <a:r>
+              <a:rPr lang="nl-NL" smtClean="0"/>
+              <a:t>Explain how to</a:t>
+            </a:r>
+            <a:r>
+              <a:rPr lang="nl-NL" baseline="0" smtClean="0"/>
+              <a:t> create data driven tests using the TestNG @DataProvider and (path or query string) parameters</a:t>
+            </a:r>
+            <a:endParaRPr lang="nl-NL"/>
+          </a:p>
+        </p:txBody>
+      </p:sp>
+      <p:sp>
+        <p:nvSpPr>
+          <p:cNvPr id="4" name="Slide Number Placeholder 3"/>
+          <p:cNvSpPr>
+            <a:spLocks noGrp="1"/>
+          </p:cNvSpPr>
+          <p:nvPr>
+            <p:ph type="sldNum" sz="quarter" idx="10"/>
+          </p:nvPr>
+        </p:nvSpPr>
+        <p:spPr/>
+        <p:txBody>
+          <a:bodyPr/>
+          <a:lstStyle/>
+          <a:p>
+            <a:fld id="{33F4B397-60AF-45DE-B029-C9C003EF5310}" type="slidenum">
+              <a:rPr lang="nl-NL" smtClean="0"/>
+              <a:t>26</a:t>
+            </a:fld>
+            <a:endParaRPr lang="nl-NL"/>
+          </a:p>
+        </p:txBody>
+      </p:sp>
+    </p:spTree>
+    <p:extLst>
+      <p:ext uri="{BB962C8B-B14F-4D97-AF65-F5344CB8AC3E}">
+        <p14:creationId xmlns:p14="http://schemas.microsoft.com/office/powerpoint/2010/main" val="1633112632"/>
+      </p:ext>
+    </p:extLst>
+  </p:cSld>
+  <p:clrMapOvr>
+    <a:masterClrMapping/>
+  </p:clrMapOvr>
+</p:notes>
+</file>
+
+<file path=ppt/notesSlides/notesSlide27.xml><?xml version="1.0" encoding="utf-8"?>
+<p:notes xmlns:a="http://schemas.openxmlformats.org/drawingml/2006/main" xmlns:r="http://schemas.openxmlformats.org/officeDocument/2006/relationships" xmlns:p="http://schemas.openxmlformats.org/presentationml/2006/main">
+  <p:cSld>
+    <p:spTree>
+      <p:nvGrpSpPr>
+        <p:cNvPr id="1" name=""/>
+        <p:cNvGrpSpPr/>
+        <p:nvPr/>
+      </p:nvGrpSpPr>
+      <p:grpSpPr>
+        <a:xfrm>
+          <a:off x="0" y="0"/>
+          <a:ext cx="0" cy="0"/>
+          <a:chOff x="0" y="0"/>
+          <a:chExt cx="0" cy="0"/>
+        </a:xfrm>
+      </p:grpSpPr>
+      <p:sp>
+        <p:nvSpPr>
+          <p:cNvPr id="2" name="Slide Image Placeholder 1"/>
+          <p:cNvSpPr>
+            <a:spLocks noGrp="1" noRot="1" noChangeAspect="1"/>
+          </p:cNvSpPr>
+          <p:nvPr>
+            <p:ph type="sldImg"/>
+          </p:nvPr>
+        </p:nvSpPr>
+        <p:spPr/>
+      </p:sp>
+      <p:sp>
+        <p:nvSpPr>
+          <p:cNvPr id="3" name="Notes Placeholder 2"/>
+          <p:cNvSpPr>
+            <a:spLocks noGrp="1"/>
+          </p:cNvSpPr>
+          <p:nvPr>
+            <p:ph type="body" idx="1"/>
+          </p:nvPr>
+        </p:nvSpPr>
+        <p:spPr/>
+        <p:txBody>
+          <a:bodyPr/>
+          <a:lstStyle/>
+          <a:p>
+            <a:r>
+              <a:rPr lang="nl-NL" smtClean="0"/>
+              <a:t>Explain why web services</a:t>
+            </a:r>
+            <a:r>
+              <a:rPr lang="nl-NL" baseline="0" smtClean="0"/>
+              <a:t> sometimes need to be secured and introduce the different authentication options for RESTful web services</a:t>
+            </a:r>
+            <a:endParaRPr lang="nl-NL"/>
+          </a:p>
+        </p:txBody>
+      </p:sp>
+      <p:sp>
+        <p:nvSpPr>
+          <p:cNvPr id="4" name="Slide Number Placeholder 3"/>
+          <p:cNvSpPr>
+            <a:spLocks noGrp="1"/>
+          </p:cNvSpPr>
+          <p:nvPr>
+            <p:ph type="sldNum" sz="quarter" idx="10"/>
+          </p:nvPr>
+        </p:nvSpPr>
+        <p:spPr/>
+        <p:txBody>
+          <a:bodyPr/>
+          <a:lstStyle/>
+          <a:p>
+            <a:fld id="{33F4B397-60AF-45DE-B029-C9C003EF5310}" type="slidenum">
+              <a:rPr lang="nl-NL" smtClean="0"/>
+              <a:t>28</a:t>
+            </a:fld>
+            <a:endParaRPr lang="nl-NL"/>
+          </a:p>
+        </p:txBody>
+      </p:sp>
+    </p:spTree>
+    <p:extLst>
+      <p:ext uri="{BB962C8B-B14F-4D97-AF65-F5344CB8AC3E}">
+        <p14:creationId xmlns:p14="http://schemas.microsoft.com/office/powerpoint/2010/main" val="83162098"/>
+      </p:ext>
+    </p:extLst>
+  </p:cSld>
+  <p:clrMapOvr>
+    <a:masterClrMapping/>
+  </p:clrMapOvr>
+</p:notes>
+</file>
+
+<file path=ppt/notesSlides/notesSlide28.xml><?xml version="1.0" encoding="utf-8"?>
+<p:notes xmlns:a="http://schemas.openxmlformats.org/drawingml/2006/main" xmlns:r="http://schemas.openxmlformats.org/officeDocument/2006/relationships" xmlns:p="http://schemas.openxmlformats.org/presentationml/2006/main">
+  <p:cSld>
+    <p:spTree>
+      <p:nvGrpSpPr>
+        <p:cNvPr id="1" name=""/>
+        <p:cNvGrpSpPr/>
+        <p:nvPr/>
+      </p:nvGrpSpPr>
+      <p:grpSpPr>
+        <a:xfrm>
+          <a:off x="0" y="0"/>
+          <a:ext cx="0" cy="0"/>
+          <a:chOff x="0" y="0"/>
+          <a:chExt cx="0" cy="0"/>
+        </a:xfrm>
+      </p:grpSpPr>
+      <p:sp>
+        <p:nvSpPr>
+          <p:cNvPr id="2" name="Slide Image Placeholder 1"/>
+          <p:cNvSpPr>
+            <a:spLocks noGrp="1" noRot="1" noChangeAspect="1"/>
+          </p:cNvSpPr>
+          <p:nvPr>
+            <p:ph type="sldImg"/>
+          </p:nvPr>
+        </p:nvSpPr>
+        <p:spPr/>
+      </p:sp>
+      <p:sp>
+        <p:nvSpPr>
+          <p:cNvPr id="3" name="Notes Placeholder 2"/>
+          <p:cNvSpPr>
+            <a:spLocks noGrp="1"/>
+          </p:cNvSpPr>
+          <p:nvPr>
+            <p:ph type="body" idx="1"/>
+          </p:nvPr>
+        </p:nvSpPr>
+        <p:spPr/>
+        <p:txBody>
+          <a:bodyPr/>
+          <a:lstStyle/>
+          <a:p>
+            <a:r>
+              <a:rPr lang="nl-NL" smtClean="0"/>
+              <a:t>Explain Basic (username / password) authentication</a:t>
+            </a:r>
+            <a:endParaRPr lang="nl-NL"/>
+          </a:p>
+        </p:txBody>
+      </p:sp>
+      <p:sp>
+        <p:nvSpPr>
+          <p:cNvPr id="4" name="Slide Number Placeholder 3"/>
+          <p:cNvSpPr>
+            <a:spLocks noGrp="1"/>
+          </p:cNvSpPr>
+          <p:nvPr>
+            <p:ph type="sldNum" sz="quarter" idx="10"/>
+          </p:nvPr>
+        </p:nvSpPr>
+        <p:spPr/>
+        <p:txBody>
+          <a:bodyPr/>
+          <a:lstStyle/>
+          <a:p>
+            <a:fld id="{33F4B397-60AF-45DE-B029-C9C003EF5310}" type="slidenum">
+              <a:rPr lang="nl-NL" smtClean="0"/>
+              <a:t>29</a:t>
+            </a:fld>
+            <a:endParaRPr lang="nl-NL"/>
+          </a:p>
+        </p:txBody>
+      </p:sp>
+    </p:spTree>
+    <p:extLst>
+      <p:ext uri="{BB962C8B-B14F-4D97-AF65-F5344CB8AC3E}">
+        <p14:creationId xmlns:p14="http://schemas.microsoft.com/office/powerpoint/2010/main" val="2173316363"/>
+      </p:ext>
+    </p:extLst>
+  </p:cSld>
+  <p:clrMapOvr>
+    <a:masterClrMapping/>
+  </p:clrMapOvr>
+</p:notes>
+</file>
+
+<file path=ppt/notesSlides/notesSlide29.xml><?xml version="1.0" encoding="utf-8"?>
+<p:notes xmlns:a="http://schemas.openxmlformats.org/drawingml/2006/main" xmlns:r="http://schemas.openxmlformats.org/officeDocument/2006/relationships" xmlns:p="http://schemas.openxmlformats.org/presentationml/2006/main">
+  <p:cSld>
+    <p:spTree>
+      <p:nvGrpSpPr>
+        <p:cNvPr id="1" name=""/>
+        <p:cNvGrpSpPr/>
+        <p:nvPr/>
+      </p:nvGrpSpPr>
+      <p:grpSpPr>
+        <a:xfrm>
+          <a:off x="0" y="0"/>
+          <a:ext cx="0" cy="0"/>
+          <a:chOff x="0" y="0"/>
+          <a:chExt cx="0" cy="0"/>
+        </a:xfrm>
+      </p:grpSpPr>
+      <p:sp>
+        <p:nvSpPr>
+          <p:cNvPr id="2" name="Slide Image Placeholder 1"/>
+          <p:cNvSpPr>
+            <a:spLocks noGrp="1" noRot="1" noChangeAspect="1"/>
+          </p:cNvSpPr>
+          <p:nvPr>
+            <p:ph type="sldImg"/>
+          </p:nvPr>
+        </p:nvSpPr>
+        <p:spPr/>
+      </p:sp>
+      <p:sp>
+        <p:nvSpPr>
+          <p:cNvPr id="3" name="Notes Placeholder 2"/>
+          <p:cNvSpPr>
+            <a:spLocks noGrp="1"/>
+          </p:cNvSpPr>
+          <p:nvPr>
+            <p:ph type="body" idx="1"/>
+          </p:nvPr>
+        </p:nvSpPr>
+        <p:spPr/>
+        <p:txBody>
+          <a:bodyPr/>
+          <a:lstStyle/>
+          <a:p>
+            <a:r>
+              <a:rPr lang="nl-NL" smtClean="0"/>
+              <a:t>Explain Oauth</a:t>
+            </a:r>
+          </a:p>
+          <a:p>
+            <a:pPr marL="228600" indent="-228600">
+              <a:buAutoNum type="arabicPeriod"/>
+            </a:pPr>
+            <a:r>
+              <a:rPr lang="nl-NL" smtClean="0"/>
+              <a:t>Retrieve access token by calling endpoint (mostly</a:t>
+            </a:r>
+            <a:r>
+              <a:rPr lang="nl-NL" baseline="0" smtClean="0"/>
+              <a:t> secured using Basic authentication)</a:t>
+            </a:r>
+          </a:p>
+          <a:p>
+            <a:pPr marL="228600" indent="-228600">
+              <a:buAutoNum type="arabicPeriod"/>
+            </a:pPr>
+            <a:r>
+              <a:rPr lang="nl-NL" baseline="0" smtClean="0"/>
+              <a:t>Include obtained authentication token in the header of all subsequent requests</a:t>
+            </a:r>
+          </a:p>
+          <a:p>
+            <a:pPr marL="228600" indent="-228600">
+              <a:buAutoNum type="arabicPeriod"/>
+            </a:pPr>
+            <a:endParaRPr lang="nl-NL" baseline="0" smtClean="0"/>
+          </a:p>
+          <a:p>
+            <a:pPr marL="0" indent="0">
+              <a:buNone/>
+            </a:pPr>
+            <a:r>
+              <a:rPr lang="nl-NL" baseline="0" smtClean="0"/>
+              <a:t>Explain that authentication token is tied to a specific user and that it has an expiration time (after which a new token needs to be requested)</a:t>
+            </a:r>
+            <a:endParaRPr lang="nl-NL"/>
+          </a:p>
+        </p:txBody>
+      </p:sp>
+      <p:sp>
+        <p:nvSpPr>
+          <p:cNvPr id="4" name="Slide Number Placeholder 3"/>
+          <p:cNvSpPr>
+            <a:spLocks noGrp="1"/>
+          </p:cNvSpPr>
+          <p:nvPr>
+            <p:ph type="sldNum" sz="quarter" idx="10"/>
+          </p:nvPr>
+        </p:nvSpPr>
+        <p:spPr/>
+        <p:txBody>
+          <a:bodyPr/>
+          <a:lstStyle/>
+          <a:p>
+            <a:fld id="{33F4B397-60AF-45DE-B029-C9C003EF5310}" type="slidenum">
+              <a:rPr lang="nl-NL" smtClean="0"/>
+              <a:t>30</a:t>
+            </a:fld>
+            <a:endParaRPr lang="nl-NL"/>
+          </a:p>
+        </p:txBody>
+      </p:sp>
+    </p:spTree>
+    <p:extLst>
+      <p:ext uri="{BB962C8B-B14F-4D97-AF65-F5344CB8AC3E}">
+        <p14:creationId xmlns:p14="http://schemas.microsoft.com/office/powerpoint/2010/main" val="1424595705"/>
+      </p:ext>
+    </p:extLst>
+  </p:cSld>
+  <p:clrMapOvr>
+    <a:masterClrMapping/>
+  </p:clrMapOvr>
+</p:notes>
+</file>
+
+<file path=ppt/notesSlides/notesSlide3.xml><?xml version="1.0" encoding="utf-8"?>
+<p:notes xmlns:a="http://schemas.openxmlformats.org/drawingml/2006/main" xmlns:r="http://schemas.openxmlformats.org/officeDocument/2006/relationships" xmlns:p="http://schemas.openxmlformats.org/presentationml/2006/main">
+  <p:cSld>
+    <p:spTree>
+      <p:nvGrpSpPr>
+        <p:cNvPr id="1" name=""/>
+        <p:cNvGrpSpPr/>
+        <p:nvPr/>
+      </p:nvGrpSpPr>
+      <p:grpSpPr>
+        <a:xfrm>
+          <a:off x="0" y="0"/>
+          <a:ext cx="0" cy="0"/>
+          <a:chOff x="0" y="0"/>
+          <a:chExt cx="0" cy="0"/>
+        </a:xfrm>
+      </p:grpSpPr>
+      <p:sp>
+        <p:nvSpPr>
+          <p:cNvPr id="2" name="Slide Image Placeholder 1"/>
+          <p:cNvSpPr>
+            <a:spLocks noGrp="1" noRot="1" noChangeAspect="1"/>
+          </p:cNvSpPr>
+          <p:nvPr>
+            <p:ph type="sldImg"/>
+          </p:nvPr>
+        </p:nvSpPr>
+        <p:spPr/>
+      </p:sp>
+      <p:sp>
+        <p:nvSpPr>
+          <p:cNvPr id="3" name="Notes Placeholder 2"/>
+          <p:cNvSpPr>
+            <a:spLocks noGrp="1"/>
+          </p:cNvSpPr>
+          <p:nvPr>
+            <p:ph type="body" idx="1"/>
+          </p:nvPr>
+        </p:nvSpPr>
+        <p:spPr/>
+        <p:txBody>
+          <a:bodyPr/>
+          <a:lstStyle/>
+          <a:p>
+            <a:r>
+              <a:rPr lang="nl-NL" smtClean="0"/>
+              <a:t>Depending</a:t>
+            </a:r>
+            <a:r>
+              <a:rPr lang="nl-NL" baseline="0" smtClean="0"/>
+              <a:t> on the way you deliver this workshop, this sheet can be altered or even removed. When I delivered it, I had participants bring in their own laptop and asked them to follow installation instructions. I only provided them for Eclipse and mentioned that whenever they wanted to use a different IDE, they were allowed to do so. I wanted to keep things simple and therefore did not provide installation instructions for other IDEs.</a:t>
+            </a:r>
+            <a:endParaRPr lang="nl-NL"/>
+          </a:p>
+        </p:txBody>
+      </p:sp>
+      <p:sp>
+        <p:nvSpPr>
+          <p:cNvPr id="4" name="Slide Number Placeholder 3"/>
+          <p:cNvSpPr>
+            <a:spLocks noGrp="1"/>
+          </p:cNvSpPr>
+          <p:nvPr>
+            <p:ph type="sldNum" sz="quarter" idx="10"/>
+          </p:nvPr>
+        </p:nvSpPr>
+        <p:spPr/>
+        <p:txBody>
+          <a:bodyPr/>
+          <a:lstStyle/>
+          <a:p>
+            <a:fld id="{33F4B397-60AF-45DE-B029-C9C003EF5310}" type="slidenum">
+              <a:rPr lang="nl-NL" smtClean="0"/>
+              <a:t>3</a:t>
+            </a:fld>
+            <a:endParaRPr lang="nl-NL"/>
+          </a:p>
+        </p:txBody>
+      </p:sp>
+    </p:spTree>
+    <p:extLst>
+      <p:ext uri="{BB962C8B-B14F-4D97-AF65-F5344CB8AC3E}">
+        <p14:creationId xmlns:p14="http://schemas.microsoft.com/office/powerpoint/2010/main" val="3610210516"/>
+      </p:ext>
+    </p:extLst>
+  </p:cSld>
+  <p:clrMapOvr>
+    <a:masterClrMapping/>
+  </p:clrMapOvr>
+</p:notes>
+</file>
+
+<file path=ppt/notesSlides/notesSlide30.xml><?xml version="1.0" encoding="utf-8"?>
+<p:notes xmlns:a="http://schemas.openxmlformats.org/drawingml/2006/main" xmlns:r="http://schemas.openxmlformats.org/officeDocument/2006/relationships" xmlns:p="http://schemas.openxmlformats.org/presentationml/2006/main">
+  <p:cSld>
+    <p:spTree>
+      <p:nvGrpSpPr>
+        <p:cNvPr id="1" name=""/>
+        <p:cNvGrpSpPr/>
+        <p:nvPr/>
+      </p:nvGrpSpPr>
+      <p:grpSpPr>
+        <a:xfrm>
+          <a:off x="0" y="0"/>
+          <a:ext cx="0" cy="0"/>
+          <a:chOff x="0" y="0"/>
+          <a:chExt cx="0" cy="0"/>
+        </a:xfrm>
+      </p:grpSpPr>
+      <p:sp>
+        <p:nvSpPr>
+          <p:cNvPr id="2" name="Slide Image Placeholder 1"/>
+          <p:cNvSpPr>
+            <a:spLocks noGrp="1" noRot="1" noChangeAspect="1"/>
+          </p:cNvSpPr>
+          <p:nvPr>
+            <p:ph type="sldImg"/>
+          </p:nvPr>
+        </p:nvSpPr>
+        <p:spPr/>
+      </p:sp>
+      <p:sp>
+        <p:nvSpPr>
+          <p:cNvPr id="3" name="Notes Placeholder 2"/>
+          <p:cNvSpPr>
+            <a:spLocks noGrp="1"/>
+          </p:cNvSpPr>
+          <p:nvPr>
+            <p:ph type="body" idx="1"/>
+          </p:nvPr>
+        </p:nvSpPr>
+        <p:spPr/>
+        <p:txBody>
+          <a:bodyPr/>
+          <a:lstStyle/>
+          <a:p>
+            <a:r>
+              <a:rPr lang="nl-NL" smtClean="0"/>
+              <a:t>REST Assured can also measure very</a:t>
+            </a:r>
+            <a:r>
+              <a:rPr lang="nl-NL" baseline="0" smtClean="0"/>
+              <a:t> basic response times. This is in no way equal to a full-blown performance test, but it can be a rough indication for potential performance issues. For REAL validation of performance requirements, an actual performance test should be set up, using a dedicated performance test tool such as Apache JMeter</a:t>
+            </a:r>
+            <a:endParaRPr lang="nl-NL"/>
+          </a:p>
+        </p:txBody>
+      </p:sp>
+      <p:sp>
+        <p:nvSpPr>
+          <p:cNvPr id="4" name="Slide Number Placeholder 3"/>
+          <p:cNvSpPr>
+            <a:spLocks noGrp="1"/>
+          </p:cNvSpPr>
+          <p:nvPr>
+            <p:ph type="sldNum" sz="quarter" idx="10"/>
+          </p:nvPr>
+        </p:nvSpPr>
+        <p:spPr/>
+        <p:txBody>
+          <a:bodyPr/>
+          <a:lstStyle/>
+          <a:p>
+            <a:fld id="{33F4B397-60AF-45DE-B029-C9C003EF5310}" type="slidenum">
+              <a:rPr lang="nl-NL" smtClean="0"/>
+              <a:t>31</a:t>
+            </a:fld>
+            <a:endParaRPr lang="nl-NL"/>
+          </a:p>
+        </p:txBody>
+      </p:sp>
+    </p:spTree>
+    <p:extLst>
+      <p:ext uri="{BB962C8B-B14F-4D97-AF65-F5344CB8AC3E}">
+        <p14:creationId xmlns:p14="http://schemas.microsoft.com/office/powerpoint/2010/main" val="121311479"/>
+      </p:ext>
+    </p:extLst>
+  </p:cSld>
+  <p:clrMapOvr>
+    <a:masterClrMapping/>
+  </p:clrMapOvr>
+</p:notes>
+</file>
+
+<file path=ppt/notesSlides/notesSlide31.xml><?xml version="1.0" encoding="utf-8"?>
+<p:notes xmlns:a="http://schemas.openxmlformats.org/drawingml/2006/main" xmlns:r="http://schemas.openxmlformats.org/officeDocument/2006/relationships" xmlns:p="http://schemas.openxmlformats.org/presentationml/2006/main">
+  <p:cSld>
+    <p:spTree>
+      <p:nvGrpSpPr>
+        <p:cNvPr id="1" name=""/>
+        <p:cNvGrpSpPr/>
+        <p:nvPr/>
+      </p:nvGrpSpPr>
+      <p:grpSpPr>
+        <a:xfrm>
+          <a:off x="0" y="0"/>
+          <a:ext cx="0" cy="0"/>
+          <a:chOff x="0" y="0"/>
+          <a:chExt cx="0" cy="0"/>
+        </a:xfrm>
+      </p:grpSpPr>
+      <p:sp>
+        <p:nvSpPr>
+          <p:cNvPr id="2" name="Slide Image Placeholder 1"/>
+          <p:cNvSpPr>
+            <a:spLocks noGrp="1" noRot="1" noChangeAspect="1"/>
+          </p:cNvSpPr>
+          <p:nvPr>
+            <p:ph type="sldImg"/>
+          </p:nvPr>
+        </p:nvSpPr>
+        <p:spPr/>
+      </p:sp>
+      <p:sp>
+        <p:nvSpPr>
+          <p:cNvPr id="3" name="Notes Placeholder 2"/>
+          <p:cNvSpPr>
+            <a:spLocks noGrp="1"/>
+          </p:cNvSpPr>
+          <p:nvPr>
+            <p:ph type="body" idx="1"/>
+          </p:nvPr>
+        </p:nvSpPr>
+        <p:spPr/>
+        <p:txBody>
+          <a:bodyPr/>
+          <a:lstStyle/>
+          <a:p>
+            <a:r>
+              <a:rPr lang="nl-NL" smtClean="0"/>
+              <a:t>Here’s an example of</a:t>
+            </a:r>
+            <a:r>
+              <a:rPr lang="nl-NL" baseline="0" smtClean="0"/>
+              <a:t> how to define a response time threshold and the error generated when the actual response time exceeds this threshold</a:t>
+            </a:r>
+            <a:endParaRPr lang="nl-NL"/>
+          </a:p>
+        </p:txBody>
+      </p:sp>
+      <p:sp>
+        <p:nvSpPr>
+          <p:cNvPr id="4" name="Slide Number Placeholder 3"/>
+          <p:cNvSpPr>
+            <a:spLocks noGrp="1"/>
+          </p:cNvSpPr>
+          <p:nvPr>
+            <p:ph type="sldNum" sz="quarter" idx="10"/>
+          </p:nvPr>
+        </p:nvSpPr>
+        <p:spPr/>
+        <p:txBody>
+          <a:bodyPr/>
+          <a:lstStyle/>
+          <a:p>
+            <a:fld id="{33F4B397-60AF-45DE-B029-C9C003EF5310}" type="slidenum">
+              <a:rPr lang="nl-NL" smtClean="0"/>
+              <a:t>32</a:t>
+            </a:fld>
+            <a:endParaRPr lang="nl-NL"/>
+          </a:p>
+        </p:txBody>
+      </p:sp>
+    </p:spTree>
+    <p:extLst>
+      <p:ext uri="{BB962C8B-B14F-4D97-AF65-F5344CB8AC3E}">
+        <p14:creationId xmlns:p14="http://schemas.microsoft.com/office/powerpoint/2010/main" val="1371767148"/>
+      </p:ext>
+    </p:extLst>
+  </p:cSld>
+  <p:clrMapOvr>
+    <a:masterClrMapping/>
+  </p:clrMapOvr>
+</p:notes>
+</file>
+
+<file path=ppt/notesSlides/notesSlide32.xml><?xml version="1.0" encoding="utf-8"?>
+<p:notes xmlns:a="http://schemas.openxmlformats.org/drawingml/2006/main" xmlns:r="http://schemas.openxmlformats.org/officeDocument/2006/relationships" xmlns:p="http://schemas.openxmlformats.org/presentationml/2006/main">
+  <p:cSld>
+    <p:spTree>
+      <p:nvGrpSpPr>
+        <p:cNvPr id="1" name=""/>
+        <p:cNvGrpSpPr/>
+        <p:nvPr/>
+      </p:nvGrpSpPr>
+      <p:grpSpPr>
+        <a:xfrm>
+          <a:off x="0" y="0"/>
+          <a:ext cx="0" cy="0"/>
+          <a:chOff x="0" y="0"/>
+          <a:chExt cx="0" cy="0"/>
+        </a:xfrm>
+      </p:grpSpPr>
+      <p:sp>
+        <p:nvSpPr>
+          <p:cNvPr id="2" name="Slide Image Placeholder 1"/>
+          <p:cNvSpPr>
+            <a:spLocks noGrp="1" noRot="1" noChangeAspect="1"/>
+          </p:cNvSpPr>
+          <p:nvPr>
+            <p:ph type="sldImg"/>
+          </p:nvPr>
+        </p:nvSpPr>
+        <p:spPr/>
+      </p:sp>
+      <p:sp>
+        <p:nvSpPr>
+          <p:cNvPr id="3" name="Notes Placeholder 2"/>
+          <p:cNvSpPr>
+            <a:spLocks noGrp="1"/>
+          </p:cNvSpPr>
+          <p:nvPr>
+            <p:ph type="body" idx="1"/>
+          </p:nvPr>
+        </p:nvSpPr>
+        <p:spPr/>
+        <p:txBody>
+          <a:bodyPr/>
+          <a:lstStyle/>
+          <a:p>
+            <a:r>
+              <a:rPr lang="nl-NL" smtClean="0"/>
+              <a:t>Refer</a:t>
+            </a:r>
+            <a:r>
+              <a:rPr lang="nl-NL" baseline="0" smtClean="0"/>
+              <a:t> to the exercise where you needed to manually copy and paste the OAuth authentication token. This is cumbersome, especially when you want to have your tests run unattended (which you want to ;). To be able to do so, you need a way to extract response values from a certain request (in this case the authentication token) and reuse it in subsequent tests.</a:t>
+            </a:r>
+            <a:endParaRPr lang="nl-NL"/>
+          </a:p>
+        </p:txBody>
+      </p:sp>
+      <p:sp>
+        <p:nvSpPr>
+          <p:cNvPr id="4" name="Slide Number Placeholder 3"/>
+          <p:cNvSpPr>
+            <a:spLocks noGrp="1"/>
+          </p:cNvSpPr>
+          <p:nvPr>
+            <p:ph type="sldNum" sz="quarter" idx="10"/>
+          </p:nvPr>
+        </p:nvSpPr>
+        <p:spPr/>
+        <p:txBody>
+          <a:bodyPr/>
+          <a:lstStyle/>
+          <a:p>
+            <a:fld id="{33F4B397-60AF-45DE-B029-C9C003EF5310}" type="slidenum">
+              <a:rPr lang="nl-NL" smtClean="0"/>
+              <a:t>34</a:t>
+            </a:fld>
+            <a:endParaRPr lang="nl-NL"/>
+          </a:p>
+        </p:txBody>
+      </p:sp>
+    </p:spTree>
+    <p:extLst>
+      <p:ext uri="{BB962C8B-B14F-4D97-AF65-F5344CB8AC3E}">
+        <p14:creationId xmlns:p14="http://schemas.microsoft.com/office/powerpoint/2010/main" val="1877322605"/>
+      </p:ext>
+    </p:extLst>
+  </p:cSld>
+  <p:clrMapOvr>
+    <a:masterClrMapping/>
+  </p:clrMapOvr>
+</p:notes>
+</file>
+
+<file path=ppt/notesSlides/notesSlide33.xml><?xml version="1.0" encoding="utf-8"?>
+<p:notes xmlns:a="http://schemas.openxmlformats.org/drawingml/2006/main" xmlns:r="http://schemas.openxmlformats.org/officeDocument/2006/relationships" xmlns:p="http://schemas.openxmlformats.org/presentationml/2006/main">
+  <p:cSld>
+    <p:spTree>
+      <p:nvGrpSpPr>
+        <p:cNvPr id="1" name=""/>
+        <p:cNvGrpSpPr/>
+        <p:nvPr/>
+      </p:nvGrpSpPr>
+      <p:grpSpPr>
+        <a:xfrm>
+          <a:off x="0" y="0"/>
+          <a:ext cx="0" cy="0"/>
+          <a:chOff x="0" y="0"/>
+          <a:chExt cx="0" cy="0"/>
+        </a:xfrm>
+      </p:grpSpPr>
+      <p:sp>
+        <p:nvSpPr>
+          <p:cNvPr id="2" name="Slide Image Placeholder 1"/>
+          <p:cNvSpPr>
+            <a:spLocks noGrp="1" noRot="1" noChangeAspect="1"/>
+          </p:cNvSpPr>
+          <p:nvPr>
+            <p:ph type="sldImg"/>
+          </p:nvPr>
+        </p:nvSpPr>
+        <p:spPr/>
+      </p:sp>
+      <p:sp>
+        <p:nvSpPr>
+          <p:cNvPr id="3" name="Notes Placeholder 2"/>
+          <p:cNvSpPr>
+            <a:spLocks noGrp="1"/>
+          </p:cNvSpPr>
+          <p:nvPr>
+            <p:ph type="body" idx="1"/>
+          </p:nvPr>
+        </p:nvSpPr>
+        <p:spPr/>
+        <p:txBody>
+          <a:bodyPr/>
+          <a:lstStyle/>
+          <a:p>
+            <a:r>
+              <a:rPr lang="nl-NL" smtClean="0"/>
+              <a:t>Explain the REST Assured extract() feature, which you can use (using GPath) to extract certain values from a response for later reuse.</a:t>
+            </a:r>
+            <a:endParaRPr lang="nl-NL"/>
+          </a:p>
+        </p:txBody>
+      </p:sp>
+      <p:sp>
+        <p:nvSpPr>
+          <p:cNvPr id="4" name="Slide Number Placeholder 3"/>
+          <p:cNvSpPr>
+            <a:spLocks noGrp="1"/>
+          </p:cNvSpPr>
+          <p:nvPr>
+            <p:ph type="sldNum" sz="quarter" idx="10"/>
+          </p:nvPr>
+        </p:nvSpPr>
+        <p:spPr/>
+        <p:txBody>
+          <a:bodyPr/>
+          <a:lstStyle/>
+          <a:p>
+            <a:fld id="{33F4B397-60AF-45DE-B029-C9C003EF5310}" type="slidenum">
+              <a:rPr lang="nl-NL" smtClean="0"/>
+              <a:t>35</a:t>
+            </a:fld>
+            <a:endParaRPr lang="nl-NL"/>
+          </a:p>
+        </p:txBody>
+      </p:sp>
+    </p:spTree>
+    <p:extLst>
+      <p:ext uri="{BB962C8B-B14F-4D97-AF65-F5344CB8AC3E}">
+        <p14:creationId xmlns:p14="http://schemas.microsoft.com/office/powerpoint/2010/main" val="456228414"/>
+      </p:ext>
+    </p:extLst>
+  </p:cSld>
+  <p:clrMapOvr>
+    <a:masterClrMapping/>
+  </p:clrMapOvr>
+</p:notes>
+</file>
+
+<file path=ppt/notesSlides/notesSlide34.xml><?xml version="1.0" encoding="utf-8"?>
+<p:notes xmlns:a="http://schemas.openxmlformats.org/drawingml/2006/main" xmlns:r="http://schemas.openxmlformats.org/officeDocument/2006/relationships" xmlns:p="http://schemas.openxmlformats.org/presentationml/2006/main">
+  <p:cSld>
+    <p:spTree>
+      <p:nvGrpSpPr>
+        <p:cNvPr id="1" name=""/>
+        <p:cNvGrpSpPr/>
+        <p:nvPr/>
+      </p:nvGrpSpPr>
+      <p:grpSpPr>
+        <a:xfrm>
+          <a:off x="0" y="0"/>
+          <a:ext cx="0" cy="0"/>
+          <a:chOff x="0" y="0"/>
+          <a:chExt cx="0" cy="0"/>
+        </a:xfrm>
+      </p:grpSpPr>
+      <p:sp>
+        <p:nvSpPr>
+          <p:cNvPr id="2" name="Slide Image Placeholder 1"/>
+          <p:cNvSpPr>
+            <a:spLocks noGrp="1" noRot="1" noChangeAspect="1"/>
+          </p:cNvSpPr>
+          <p:nvPr>
+            <p:ph type="sldImg"/>
+          </p:nvPr>
+        </p:nvSpPr>
+        <p:spPr/>
+      </p:sp>
+      <p:sp>
+        <p:nvSpPr>
+          <p:cNvPr id="3" name="Notes Placeholder 2"/>
+          <p:cNvSpPr>
+            <a:spLocks noGrp="1"/>
+          </p:cNvSpPr>
+          <p:nvPr>
+            <p:ph type="body" idx="1"/>
+          </p:nvPr>
+        </p:nvSpPr>
+        <p:spPr/>
+        <p:txBody>
+          <a:bodyPr/>
+          <a:lstStyle/>
+          <a:p>
+            <a:endParaRPr lang="nl-NL"/>
+          </a:p>
+        </p:txBody>
+      </p:sp>
+      <p:sp>
+        <p:nvSpPr>
+          <p:cNvPr id="4" name="Slide Number Placeholder 3"/>
+          <p:cNvSpPr>
+            <a:spLocks noGrp="1"/>
+          </p:cNvSpPr>
+          <p:nvPr>
+            <p:ph type="sldNum" sz="quarter" idx="10"/>
+          </p:nvPr>
+        </p:nvSpPr>
+        <p:spPr/>
+        <p:txBody>
+          <a:bodyPr/>
+          <a:lstStyle/>
+          <a:p>
+            <a:fld id="{33F4B397-60AF-45DE-B029-C9C003EF5310}" type="slidenum">
+              <a:rPr lang="nl-NL" smtClean="0"/>
+              <a:t>36</a:t>
+            </a:fld>
+            <a:endParaRPr lang="nl-NL"/>
+          </a:p>
+        </p:txBody>
+      </p:sp>
+    </p:spTree>
+    <p:extLst>
+      <p:ext uri="{BB962C8B-B14F-4D97-AF65-F5344CB8AC3E}">
+        <p14:creationId xmlns:p14="http://schemas.microsoft.com/office/powerpoint/2010/main" val="3986343956"/>
+      </p:ext>
+    </p:extLst>
+  </p:cSld>
+  <p:clrMapOvr>
+    <a:masterClrMapping/>
+  </p:clrMapOvr>
+</p:notes>
+</file>
+
+<file path=ppt/notesSlides/notesSlide35.xml><?xml version="1.0" encoding="utf-8"?>
+<p:notes xmlns:a="http://schemas.openxmlformats.org/drawingml/2006/main" xmlns:r="http://schemas.openxmlformats.org/officeDocument/2006/relationships" xmlns:p="http://schemas.openxmlformats.org/presentationml/2006/main">
+  <p:cSld>
+    <p:spTree>
+      <p:nvGrpSpPr>
+        <p:cNvPr id="1" name=""/>
+        <p:cNvGrpSpPr/>
+        <p:nvPr/>
+      </p:nvGrpSpPr>
+      <p:grpSpPr>
+        <a:xfrm>
+          <a:off x="0" y="0"/>
+          <a:ext cx="0" cy="0"/>
+          <a:chOff x="0" y="0"/>
+          <a:chExt cx="0" cy="0"/>
+        </a:xfrm>
+      </p:grpSpPr>
+      <p:sp>
+        <p:nvSpPr>
+          <p:cNvPr id="2" name="Slide Image Placeholder 1"/>
+          <p:cNvSpPr>
+            <a:spLocks noGrp="1" noRot="1" noChangeAspect="1"/>
+          </p:cNvSpPr>
+          <p:nvPr>
+            <p:ph type="sldImg"/>
+          </p:nvPr>
+        </p:nvSpPr>
+        <p:spPr/>
+      </p:sp>
+      <p:sp>
+        <p:nvSpPr>
+          <p:cNvPr id="3" name="Notes Placeholder 2"/>
+          <p:cNvSpPr>
+            <a:spLocks noGrp="1"/>
+          </p:cNvSpPr>
+          <p:nvPr>
+            <p:ph type="body" idx="1"/>
+          </p:nvPr>
+        </p:nvSpPr>
+        <p:spPr/>
+        <p:txBody>
+          <a:bodyPr/>
+          <a:lstStyle/>
+          <a:p>
+            <a:r>
+              <a:rPr lang="nl-NL" smtClean="0"/>
+              <a:t>The final part of this workshop</a:t>
+            </a:r>
+            <a:r>
+              <a:rPr lang="nl-NL" baseline="0" smtClean="0"/>
+              <a:t> is used to explain how you can integrate your REST Assured API-level tests in a Continuous Integration setting. For my workshop, I have set up a local Jenkins installation and created a simple job that executed the tests. I then showed the build result and the console output in Jenkins to prove that the tests were indeed executed.</a:t>
+            </a:r>
+            <a:endParaRPr lang="nl-NL"/>
+          </a:p>
+        </p:txBody>
+      </p:sp>
+      <p:sp>
+        <p:nvSpPr>
+          <p:cNvPr id="4" name="Slide Number Placeholder 3"/>
+          <p:cNvSpPr>
+            <a:spLocks noGrp="1"/>
+          </p:cNvSpPr>
+          <p:nvPr>
+            <p:ph type="sldNum" sz="quarter" idx="10"/>
+          </p:nvPr>
+        </p:nvSpPr>
+        <p:spPr/>
+        <p:txBody>
+          <a:bodyPr/>
+          <a:lstStyle/>
+          <a:p>
+            <a:fld id="{33F4B397-60AF-45DE-B029-C9C003EF5310}" type="slidenum">
+              <a:rPr lang="nl-NL" smtClean="0"/>
+              <a:t>37</a:t>
+            </a:fld>
+            <a:endParaRPr lang="nl-NL"/>
+          </a:p>
+        </p:txBody>
+      </p:sp>
+    </p:spTree>
+    <p:extLst>
+      <p:ext uri="{BB962C8B-B14F-4D97-AF65-F5344CB8AC3E}">
+        <p14:creationId xmlns:p14="http://schemas.microsoft.com/office/powerpoint/2010/main" val="3653683392"/>
+      </p:ext>
+    </p:extLst>
+  </p:cSld>
+  <p:clrMapOvr>
+    <a:masterClrMapping/>
+  </p:clrMapOvr>
+</p:notes>
+</file>
+
+<file path=ppt/notesSlides/notesSlide36.xml><?xml version="1.0" encoding="utf-8"?>
+<p:notes xmlns:a="http://schemas.openxmlformats.org/drawingml/2006/main" xmlns:r="http://schemas.openxmlformats.org/officeDocument/2006/relationships" xmlns:p="http://schemas.openxmlformats.org/presentationml/2006/main">
+  <p:cSld>
+    <p:spTree>
+      <p:nvGrpSpPr>
+        <p:cNvPr id="1" name=""/>
+        <p:cNvGrpSpPr/>
+        <p:nvPr/>
+      </p:nvGrpSpPr>
+      <p:grpSpPr>
+        <a:xfrm>
+          <a:off x="0" y="0"/>
+          <a:ext cx="0" cy="0"/>
+          <a:chOff x="0" y="0"/>
+          <a:chExt cx="0" cy="0"/>
+        </a:xfrm>
+      </p:grpSpPr>
+      <p:sp>
+        <p:nvSpPr>
+          <p:cNvPr id="2" name="Slide Image Placeholder 1"/>
+          <p:cNvSpPr>
+            <a:spLocks noGrp="1" noRot="1" noChangeAspect="1"/>
+          </p:cNvSpPr>
+          <p:nvPr>
+            <p:ph type="sldImg"/>
+          </p:nvPr>
+        </p:nvSpPr>
+        <p:spPr/>
+      </p:sp>
+      <p:sp>
+        <p:nvSpPr>
+          <p:cNvPr id="3" name="Notes Placeholder 2"/>
+          <p:cNvSpPr>
+            <a:spLocks noGrp="1"/>
+          </p:cNvSpPr>
+          <p:nvPr>
+            <p:ph type="body" idx="1"/>
+          </p:nvPr>
+        </p:nvSpPr>
+        <p:spPr/>
+        <p:txBody>
+          <a:bodyPr/>
+          <a:lstStyle/>
+          <a:p>
+            <a:r>
+              <a:rPr lang="nl-NL" smtClean="0"/>
+              <a:t>Any questions?</a:t>
+            </a:r>
+            <a:endParaRPr lang="nl-NL"/>
+          </a:p>
+        </p:txBody>
+      </p:sp>
+      <p:sp>
+        <p:nvSpPr>
+          <p:cNvPr id="4" name="Slide Number Placeholder 3"/>
+          <p:cNvSpPr>
+            <a:spLocks noGrp="1"/>
+          </p:cNvSpPr>
+          <p:nvPr>
+            <p:ph type="sldNum" sz="quarter" idx="10"/>
+          </p:nvPr>
+        </p:nvSpPr>
+        <p:spPr/>
+        <p:txBody>
+          <a:bodyPr/>
+          <a:lstStyle/>
+          <a:p>
+            <a:fld id="{33F4B397-60AF-45DE-B029-C9C003EF5310}" type="slidenum">
+              <a:rPr lang="nl-NL" smtClean="0"/>
+              <a:t>38</a:t>
+            </a:fld>
+            <a:endParaRPr lang="nl-NL"/>
+          </a:p>
+        </p:txBody>
+      </p:sp>
+    </p:spTree>
+    <p:extLst>
+      <p:ext uri="{BB962C8B-B14F-4D97-AF65-F5344CB8AC3E}">
+        <p14:creationId xmlns:p14="http://schemas.microsoft.com/office/powerpoint/2010/main" val="2472149520"/>
+      </p:ext>
+    </p:extLst>
+  </p:cSld>
+  <p:clrMapOvr>
+    <a:masterClrMapping/>
+  </p:clrMapOvr>
+</p:notes>
+</file>
+
+<file path=ppt/notesSlides/notesSlide37.xml><?xml version="1.0" encoding="utf-8"?>
+<p:notes xmlns:a="http://schemas.openxmlformats.org/drawingml/2006/main" xmlns:r="http://schemas.openxmlformats.org/officeDocument/2006/relationships" xmlns:p="http://schemas.openxmlformats.org/presentationml/2006/main">
+  <p:cSld>
+    <p:spTree>
+      <p:nvGrpSpPr>
+        <p:cNvPr id="1" name=""/>
+        <p:cNvGrpSpPr/>
+        <p:nvPr/>
+      </p:nvGrpSpPr>
+      <p:grpSpPr>
+        <a:xfrm>
+          <a:off x="0" y="0"/>
+          <a:ext cx="0" cy="0"/>
+          <a:chOff x="0" y="0"/>
+          <a:chExt cx="0" cy="0"/>
+        </a:xfrm>
+      </p:grpSpPr>
+      <p:sp>
+        <p:nvSpPr>
+          <p:cNvPr id="2" name="Slide Image Placeholder 1"/>
+          <p:cNvSpPr>
+            <a:spLocks noGrp="1" noRot="1" noChangeAspect="1"/>
+          </p:cNvSpPr>
+          <p:nvPr>
+            <p:ph type="sldImg"/>
+          </p:nvPr>
+        </p:nvSpPr>
+        <p:spPr/>
+      </p:sp>
+      <p:sp>
+        <p:nvSpPr>
+          <p:cNvPr id="3" name="Notes Placeholder 2"/>
+          <p:cNvSpPr>
+            <a:spLocks noGrp="1"/>
+          </p:cNvSpPr>
+          <p:nvPr>
+            <p:ph type="body" idx="1"/>
+          </p:nvPr>
+        </p:nvSpPr>
+        <p:spPr/>
+        <p:txBody>
+          <a:bodyPr/>
+          <a:lstStyle/>
+          <a:p>
+            <a:r>
+              <a:rPr lang="nl-NL" smtClean="0"/>
+              <a:t>Here’s the part where you can shamelessly promote</a:t>
+            </a:r>
+            <a:r>
+              <a:rPr lang="nl-NL" baseline="0" smtClean="0"/>
+              <a:t> yourself (or give the participants your contact details in case they want more information or have any other questions, of course…). Feel free to replace this with your own contact details, you’re the one delivering the workshop after all!</a:t>
+            </a:r>
+            <a:endParaRPr lang="nl-NL"/>
+          </a:p>
+        </p:txBody>
+      </p:sp>
+      <p:sp>
+        <p:nvSpPr>
+          <p:cNvPr id="4" name="Slide Number Placeholder 3"/>
+          <p:cNvSpPr>
+            <a:spLocks noGrp="1"/>
+          </p:cNvSpPr>
+          <p:nvPr>
+            <p:ph type="sldNum" sz="quarter" idx="10"/>
+          </p:nvPr>
+        </p:nvSpPr>
+        <p:spPr/>
+        <p:txBody>
+          <a:bodyPr/>
+          <a:lstStyle/>
+          <a:p>
+            <a:fld id="{33F4B397-60AF-45DE-B029-C9C003EF5310}" type="slidenum">
+              <a:rPr lang="nl-NL" smtClean="0"/>
+              <a:t>39</a:t>
+            </a:fld>
+            <a:endParaRPr lang="nl-NL"/>
+          </a:p>
+        </p:txBody>
+      </p:sp>
+    </p:spTree>
+    <p:extLst>
+      <p:ext uri="{BB962C8B-B14F-4D97-AF65-F5344CB8AC3E}">
+        <p14:creationId xmlns:p14="http://schemas.microsoft.com/office/powerpoint/2010/main" val="788510382"/>
+      </p:ext>
+    </p:extLst>
+  </p:cSld>
+  <p:clrMapOvr>
+    <a:masterClrMapping/>
+  </p:clrMapOvr>
+</p:notes>
+</file>
+
+<file path=ppt/notesSlides/notesSlide4.xml><?xml version="1.0" encoding="utf-8"?>
+<p:notes xmlns:a="http://schemas.openxmlformats.org/drawingml/2006/main" xmlns:r="http://schemas.openxmlformats.org/officeDocument/2006/relationships" xmlns:p="http://schemas.openxmlformats.org/presentationml/2006/main">
+  <p:cSld>
+    <p:spTree>
+      <p:nvGrpSpPr>
+        <p:cNvPr id="1" name=""/>
+        <p:cNvGrpSpPr/>
+        <p:nvPr/>
+      </p:nvGrpSpPr>
+      <p:grpSpPr>
+        <a:xfrm>
+          <a:off x="0" y="0"/>
+          <a:ext cx="0" cy="0"/>
+          <a:chOff x="0" y="0"/>
+          <a:chExt cx="0" cy="0"/>
+        </a:xfrm>
+      </p:grpSpPr>
+      <p:sp>
+        <p:nvSpPr>
+          <p:cNvPr id="2" name="Slide Image Placeholder 1"/>
+          <p:cNvSpPr>
+            <a:spLocks noGrp="1" noRot="1" noChangeAspect="1"/>
+          </p:cNvSpPr>
+          <p:nvPr>
+            <p:ph type="sldImg"/>
+          </p:nvPr>
+        </p:nvSpPr>
+        <p:spPr/>
+      </p:sp>
+      <p:sp>
+        <p:nvSpPr>
+          <p:cNvPr id="3" name="Notes Placeholder 2"/>
+          <p:cNvSpPr>
+            <a:spLocks noGrp="1"/>
+          </p:cNvSpPr>
+          <p:nvPr>
+            <p:ph type="body" idx="1"/>
+          </p:nvPr>
+        </p:nvSpPr>
+        <p:spPr/>
+        <p:txBody>
+          <a:bodyPr/>
+          <a:lstStyle/>
+          <a:p>
+            <a:r>
+              <a:rPr lang="nl-NL" smtClean="0"/>
+              <a:t>Explain the concept of RESTful web services</a:t>
+            </a:r>
+            <a:r>
+              <a:rPr lang="nl-NL" baseline="0" smtClean="0"/>
+              <a:t> and compare it to your browser retrieving web pages, images, etc. from a web server (or sending data back to it).</a:t>
+            </a:r>
+            <a:endParaRPr lang="nl-NL"/>
+          </a:p>
+        </p:txBody>
+      </p:sp>
+      <p:sp>
+        <p:nvSpPr>
+          <p:cNvPr id="4" name="Slide Number Placeholder 3"/>
+          <p:cNvSpPr>
+            <a:spLocks noGrp="1"/>
+          </p:cNvSpPr>
+          <p:nvPr>
+            <p:ph type="sldNum" sz="quarter" idx="10"/>
+          </p:nvPr>
+        </p:nvSpPr>
+        <p:spPr/>
+        <p:txBody>
+          <a:bodyPr/>
+          <a:lstStyle/>
+          <a:p>
+            <a:fld id="{33F4B397-60AF-45DE-B029-C9C003EF5310}" type="slidenum">
+              <a:rPr lang="nl-NL" smtClean="0"/>
+              <a:t>4</a:t>
+            </a:fld>
+            <a:endParaRPr lang="nl-NL"/>
+          </a:p>
+        </p:txBody>
+      </p:sp>
+    </p:spTree>
+    <p:extLst>
+      <p:ext uri="{BB962C8B-B14F-4D97-AF65-F5344CB8AC3E}">
+        <p14:creationId xmlns:p14="http://schemas.microsoft.com/office/powerpoint/2010/main" val="2200769650"/>
+      </p:ext>
+    </p:extLst>
+  </p:cSld>
+  <p:clrMapOvr>
+    <a:masterClrMapping/>
+  </p:clrMapOvr>
+</p:notes>
+</file>
+
+<file path=ppt/notesSlides/notesSlide5.xml><?xml version="1.0" encoding="utf-8"?>
+<p:notes xmlns:a="http://schemas.openxmlformats.org/drawingml/2006/main" xmlns:r="http://schemas.openxmlformats.org/officeDocument/2006/relationships" xmlns:p="http://schemas.openxmlformats.org/presentationml/2006/main">
+  <p:cSld>
+    <p:spTree>
+      <p:nvGrpSpPr>
+        <p:cNvPr id="1" name=""/>
+        <p:cNvGrpSpPr/>
+        <p:nvPr/>
+      </p:nvGrpSpPr>
+      <p:grpSpPr>
+        <a:xfrm>
+          <a:off x="0" y="0"/>
+          <a:ext cx="0" cy="0"/>
+          <a:chOff x="0" y="0"/>
+          <a:chExt cx="0" cy="0"/>
+        </a:xfrm>
+      </p:grpSpPr>
+      <p:sp>
+        <p:nvSpPr>
+          <p:cNvPr id="2" name="Slide Image Placeholder 1"/>
+          <p:cNvSpPr>
+            <a:spLocks noGrp="1" noRot="1" noChangeAspect="1"/>
+          </p:cNvSpPr>
+          <p:nvPr>
+            <p:ph type="sldImg"/>
+          </p:nvPr>
+        </p:nvSpPr>
+        <p:spPr/>
+      </p:sp>
+      <p:sp>
+        <p:nvSpPr>
+          <p:cNvPr id="3" name="Notes Placeholder 2"/>
+          <p:cNvSpPr>
+            <a:spLocks noGrp="1"/>
+          </p:cNvSpPr>
+          <p:nvPr>
+            <p:ph type="body" idx="1"/>
+          </p:nvPr>
+        </p:nvSpPr>
+        <p:spPr/>
+        <p:txBody>
+          <a:bodyPr/>
+          <a:lstStyle/>
+          <a:p>
+            <a:r>
+              <a:rPr lang="nl-NL" smtClean="0"/>
+              <a:t>A simple example. You could also perform this one live to show the participants how easy it is to invoke a RESTful</a:t>
+            </a:r>
+            <a:r>
+              <a:rPr lang="nl-NL" baseline="0" smtClean="0"/>
+              <a:t> </a:t>
+            </a:r>
+            <a:r>
+              <a:rPr lang="nl-NL" smtClean="0"/>
+              <a:t>web service using your browser</a:t>
+            </a:r>
+            <a:r>
+              <a:rPr lang="nl-NL" baseline="0" smtClean="0"/>
+              <a:t> (it really is no different from accessing a regular web page since it’s all done over HTTP)</a:t>
+            </a:r>
+            <a:endParaRPr lang="nl-NL"/>
+          </a:p>
+        </p:txBody>
+      </p:sp>
+      <p:sp>
+        <p:nvSpPr>
+          <p:cNvPr id="4" name="Slide Number Placeholder 3"/>
+          <p:cNvSpPr>
+            <a:spLocks noGrp="1"/>
+          </p:cNvSpPr>
+          <p:nvPr>
+            <p:ph type="sldNum" sz="quarter" idx="10"/>
+          </p:nvPr>
+        </p:nvSpPr>
+        <p:spPr/>
+        <p:txBody>
+          <a:bodyPr/>
+          <a:lstStyle/>
+          <a:p>
+            <a:fld id="{33F4B397-60AF-45DE-B029-C9C003EF5310}" type="slidenum">
+              <a:rPr lang="nl-NL" smtClean="0"/>
+              <a:t>5</a:t>
+            </a:fld>
+            <a:endParaRPr lang="nl-NL"/>
+          </a:p>
+        </p:txBody>
+      </p:sp>
+    </p:spTree>
+    <p:extLst>
+      <p:ext uri="{BB962C8B-B14F-4D97-AF65-F5344CB8AC3E}">
+        <p14:creationId xmlns:p14="http://schemas.microsoft.com/office/powerpoint/2010/main" val="795767911"/>
+      </p:ext>
+    </p:extLst>
+  </p:cSld>
+  <p:clrMapOvr>
+    <a:masterClrMapping/>
+  </p:clrMapOvr>
+</p:notes>
+</file>
+
+<file path=ppt/notesSlides/notesSlide6.xml><?xml version="1.0" encoding="utf-8"?>
+<p:notes xmlns:a="http://schemas.openxmlformats.org/drawingml/2006/main" xmlns:r="http://schemas.openxmlformats.org/officeDocument/2006/relationships" xmlns:p="http://schemas.openxmlformats.org/presentationml/2006/main">
+  <p:cSld>
+    <p:spTree>
+      <p:nvGrpSpPr>
+        <p:cNvPr id="1" name=""/>
+        <p:cNvGrpSpPr/>
+        <p:nvPr/>
+      </p:nvGrpSpPr>
+      <p:grpSpPr>
+        <a:xfrm>
+          <a:off x="0" y="0"/>
+          <a:ext cx="0" cy="0"/>
+          <a:chOff x="0" y="0"/>
+          <a:chExt cx="0" cy="0"/>
+        </a:xfrm>
+      </p:grpSpPr>
+      <p:sp>
+        <p:nvSpPr>
+          <p:cNvPr id="2" name="Slide Image Placeholder 1"/>
+          <p:cNvSpPr>
+            <a:spLocks noGrp="1" noRot="1" noChangeAspect="1"/>
+          </p:cNvSpPr>
+          <p:nvPr>
+            <p:ph type="sldImg"/>
+          </p:nvPr>
+        </p:nvSpPr>
+        <p:spPr/>
+      </p:sp>
+      <p:sp>
+        <p:nvSpPr>
+          <p:cNvPr id="3" name="Notes Placeholder 2"/>
+          <p:cNvSpPr>
+            <a:spLocks noGrp="1"/>
+          </p:cNvSpPr>
+          <p:nvPr>
+            <p:ph type="body" idx="1"/>
+          </p:nvPr>
+        </p:nvSpPr>
+        <p:spPr/>
+        <p:txBody>
+          <a:bodyPr/>
+          <a:lstStyle/>
+          <a:p>
+            <a:r>
+              <a:rPr lang="nl-NL" smtClean="0"/>
+              <a:t>Explain</a:t>
+            </a:r>
+            <a:r>
+              <a:rPr lang="nl-NL" baseline="0" smtClean="0"/>
+              <a:t> where RESTful web services are used.</a:t>
+            </a:r>
+          </a:p>
+          <a:p>
+            <a:endParaRPr lang="nl-NL" baseline="0" smtClean="0"/>
+          </a:p>
+          <a:p>
+            <a:r>
+              <a:rPr lang="nl-NL" baseline="0" smtClean="0"/>
+              <a:t>API Economy relates to software development exposing (parts of) their applications to the outside world through APIs, so that other developers can easily integrate their applications with it. For example: Google’s Gmail API, Maps API or the PayPal or LinkedIn APIs.</a:t>
+            </a:r>
+            <a:endParaRPr lang="nl-NL"/>
+          </a:p>
+        </p:txBody>
+      </p:sp>
+      <p:sp>
+        <p:nvSpPr>
+          <p:cNvPr id="4" name="Slide Number Placeholder 3"/>
+          <p:cNvSpPr>
+            <a:spLocks noGrp="1"/>
+          </p:cNvSpPr>
+          <p:nvPr>
+            <p:ph type="sldNum" sz="quarter" idx="10"/>
+          </p:nvPr>
+        </p:nvSpPr>
+        <p:spPr/>
+        <p:txBody>
+          <a:bodyPr/>
+          <a:lstStyle/>
+          <a:p>
+            <a:fld id="{33F4B397-60AF-45DE-B029-C9C003EF5310}" type="slidenum">
+              <a:rPr lang="nl-NL" smtClean="0"/>
+              <a:t>6</a:t>
+            </a:fld>
+            <a:endParaRPr lang="nl-NL"/>
+          </a:p>
+        </p:txBody>
+      </p:sp>
+    </p:spTree>
+    <p:extLst>
+      <p:ext uri="{BB962C8B-B14F-4D97-AF65-F5344CB8AC3E}">
+        <p14:creationId xmlns:p14="http://schemas.microsoft.com/office/powerpoint/2010/main" val="1777252153"/>
+      </p:ext>
+    </p:extLst>
+  </p:cSld>
+  <p:clrMapOvr>
+    <a:masterClrMapping/>
+  </p:clrMapOvr>
+</p:notes>
+</file>
+
+<file path=ppt/notesSlides/notesSlide7.xml><?xml version="1.0" encoding="utf-8"?>
+<p:notes xmlns:a="http://schemas.openxmlformats.org/drawingml/2006/main" xmlns:r="http://schemas.openxmlformats.org/officeDocument/2006/relationships" xmlns:p="http://schemas.openxmlformats.org/presentationml/2006/main">
+  <p:cSld>
+    <p:spTree>
+      <p:nvGrpSpPr>
+        <p:cNvPr id="1" name=""/>
+        <p:cNvGrpSpPr/>
+        <p:nvPr/>
+      </p:nvGrpSpPr>
+      <p:grpSpPr>
+        <a:xfrm>
+          <a:off x="0" y="0"/>
+          <a:ext cx="0" cy="0"/>
+          <a:chOff x="0" y="0"/>
+          <a:chExt cx="0" cy="0"/>
+        </a:xfrm>
+      </p:grpSpPr>
+      <p:sp>
+        <p:nvSpPr>
+          <p:cNvPr id="2" name="Slide Image Placeholder 1"/>
+          <p:cNvSpPr>
+            <a:spLocks noGrp="1" noRot="1" noChangeAspect="1"/>
+          </p:cNvSpPr>
+          <p:nvPr>
+            <p:ph type="sldImg"/>
+          </p:nvPr>
+        </p:nvSpPr>
+        <p:spPr/>
+      </p:sp>
+      <p:sp>
+        <p:nvSpPr>
+          <p:cNvPr id="3" name="Notes Placeholder 2"/>
+          <p:cNvSpPr>
+            <a:spLocks noGrp="1"/>
+          </p:cNvSpPr>
+          <p:nvPr>
+            <p:ph type="body" idx="1"/>
+          </p:nvPr>
+        </p:nvSpPr>
+        <p:spPr/>
+        <p:txBody>
+          <a:bodyPr/>
+          <a:lstStyle/>
+          <a:p>
+            <a:r>
+              <a:rPr lang="nl-NL" smtClean="0"/>
+              <a:t>Explain the reasons why REST is chosen over SOAP</a:t>
+            </a:r>
+            <a:endParaRPr lang="nl-NL"/>
+          </a:p>
+        </p:txBody>
+      </p:sp>
+      <p:sp>
+        <p:nvSpPr>
+          <p:cNvPr id="4" name="Slide Number Placeholder 3"/>
+          <p:cNvSpPr>
+            <a:spLocks noGrp="1"/>
+          </p:cNvSpPr>
+          <p:nvPr>
+            <p:ph type="sldNum" sz="quarter" idx="10"/>
+          </p:nvPr>
+        </p:nvSpPr>
+        <p:spPr/>
+        <p:txBody>
+          <a:bodyPr/>
+          <a:lstStyle/>
+          <a:p>
+            <a:fld id="{33F4B397-60AF-45DE-B029-C9C003EF5310}" type="slidenum">
+              <a:rPr lang="nl-NL" smtClean="0"/>
+              <a:t>7</a:t>
+            </a:fld>
+            <a:endParaRPr lang="nl-NL"/>
+          </a:p>
+        </p:txBody>
+      </p:sp>
+    </p:spTree>
+    <p:extLst>
+      <p:ext uri="{BB962C8B-B14F-4D97-AF65-F5344CB8AC3E}">
+        <p14:creationId xmlns:p14="http://schemas.microsoft.com/office/powerpoint/2010/main" val="3637600513"/>
+      </p:ext>
+    </p:extLst>
+  </p:cSld>
+  <p:clrMapOvr>
+    <a:masterClrMapping/>
+  </p:clrMapOvr>
+</p:notes>
+</file>
+
+<file path=ppt/notesSlides/notesSlide8.xml><?xml version="1.0" encoding="utf-8"?>
+<p:notes xmlns:a="http://schemas.openxmlformats.org/drawingml/2006/main" xmlns:r="http://schemas.openxmlformats.org/officeDocument/2006/relationships" xmlns:p="http://schemas.openxmlformats.org/presentationml/2006/main">
+  <p:cSld>
+    <p:spTree>
+      <p:nvGrpSpPr>
+        <p:cNvPr id="1" name=""/>
+        <p:cNvGrpSpPr/>
+        <p:nvPr/>
+      </p:nvGrpSpPr>
+      <p:grpSpPr>
+        <a:xfrm>
+          <a:off x="0" y="0"/>
+          <a:ext cx="0" cy="0"/>
+          <a:chOff x="0" y="0"/>
+          <a:chExt cx="0" cy="0"/>
+        </a:xfrm>
+      </p:grpSpPr>
+      <p:sp>
+        <p:nvSpPr>
+          <p:cNvPr id="2" name="Slide Image Placeholder 1"/>
+          <p:cNvSpPr>
+            <a:spLocks noGrp="1" noRot="1" noChangeAspect="1"/>
+          </p:cNvSpPr>
+          <p:nvPr>
+            <p:ph type="sldImg"/>
+          </p:nvPr>
+        </p:nvSpPr>
+        <p:spPr/>
+      </p:sp>
+      <p:sp>
+        <p:nvSpPr>
+          <p:cNvPr id="3" name="Notes Placeholder 2"/>
+          <p:cNvSpPr>
+            <a:spLocks noGrp="1"/>
+          </p:cNvSpPr>
+          <p:nvPr>
+            <p:ph type="body" idx="1"/>
+          </p:nvPr>
+        </p:nvSpPr>
+        <p:spPr/>
+        <p:txBody>
+          <a:bodyPr/>
+          <a:lstStyle/>
+          <a:p>
+            <a:r>
+              <a:rPr lang="nl-NL" smtClean="0"/>
+              <a:t>There are some cases where using SOAP instead</a:t>
+            </a:r>
+            <a:r>
+              <a:rPr lang="nl-NL" baseline="0" smtClean="0"/>
+              <a:t> of REST can be useful</a:t>
+            </a:r>
+            <a:endParaRPr lang="nl-NL"/>
+          </a:p>
+        </p:txBody>
+      </p:sp>
+      <p:sp>
+        <p:nvSpPr>
+          <p:cNvPr id="4" name="Slide Number Placeholder 3"/>
+          <p:cNvSpPr>
+            <a:spLocks noGrp="1"/>
+          </p:cNvSpPr>
+          <p:nvPr>
+            <p:ph type="sldNum" sz="quarter" idx="10"/>
+          </p:nvPr>
+        </p:nvSpPr>
+        <p:spPr/>
+        <p:txBody>
+          <a:bodyPr/>
+          <a:lstStyle/>
+          <a:p>
+            <a:fld id="{33F4B397-60AF-45DE-B029-C9C003EF5310}" type="slidenum">
+              <a:rPr lang="nl-NL" smtClean="0"/>
+              <a:t>8</a:t>
+            </a:fld>
+            <a:endParaRPr lang="nl-NL"/>
+          </a:p>
+        </p:txBody>
+      </p:sp>
+    </p:spTree>
+    <p:extLst>
+      <p:ext uri="{BB962C8B-B14F-4D97-AF65-F5344CB8AC3E}">
+        <p14:creationId xmlns:p14="http://schemas.microsoft.com/office/powerpoint/2010/main" val="1609703221"/>
+      </p:ext>
+    </p:extLst>
+  </p:cSld>
+  <p:clrMapOvr>
+    <a:masterClrMapping/>
+  </p:clrMapOvr>
+</p:notes>
+</file>
+
+<file path=ppt/notesSlides/notesSlide9.xml><?xml version="1.0" encoding="utf-8"?>
+<p:notes xmlns:a="http://schemas.openxmlformats.org/drawingml/2006/main" xmlns:r="http://schemas.openxmlformats.org/officeDocument/2006/relationships" xmlns:p="http://schemas.openxmlformats.org/presentationml/2006/main">
+  <p:cSld>
+    <p:spTree>
+      <p:nvGrpSpPr>
+        <p:cNvPr id="1" name=""/>
+        <p:cNvGrpSpPr/>
+        <p:nvPr/>
+      </p:nvGrpSpPr>
+      <p:grpSpPr>
+        <a:xfrm>
+          <a:off x="0" y="0"/>
+          <a:ext cx="0" cy="0"/>
+          <a:chOff x="0" y="0"/>
+          <a:chExt cx="0" cy="0"/>
+        </a:xfrm>
+      </p:grpSpPr>
+      <p:sp>
+        <p:nvSpPr>
+          <p:cNvPr id="2" name="Slide Image Placeholder 1"/>
+          <p:cNvSpPr>
+            <a:spLocks noGrp="1" noRot="1" noChangeAspect="1"/>
+          </p:cNvSpPr>
+          <p:nvPr>
+            <p:ph type="sldImg"/>
+          </p:nvPr>
+        </p:nvSpPr>
+        <p:spPr/>
+      </p:sp>
+      <p:sp>
+        <p:nvSpPr>
+          <p:cNvPr id="3" name="Notes Placeholder 2"/>
+          <p:cNvSpPr>
+            <a:spLocks noGrp="1"/>
+          </p:cNvSpPr>
+          <p:nvPr>
+            <p:ph type="body" idx="1"/>
+          </p:nvPr>
+        </p:nvSpPr>
+        <p:spPr/>
+        <p:txBody>
+          <a:bodyPr/>
+          <a:lstStyle/>
+          <a:p>
+            <a:r>
+              <a:rPr lang="nl-NL" smtClean="0"/>
+              <a:t>Three levels</a:t>
+            </a:r>
+            <a:r>
+              <a:rPr lang="nl-NL" baseline="0" smtClean="0"/>
+              <a:t> of tools, ranging from the very simple to the powerful and from the free to the commercial</a:t>
+            </a:r>
+            <a:endParaRPr lang="nl-NL"/>
+          </a:p>
+        </p:txBody>
+      </p:sp>
+      <p:sp>
+        <p:nvSpPr>
+          <p:cNvPr id="4" name="Slide Number Placeholder 3"/>
+          <p:cNvSpPr>
+            <a:spLocks noGrp="1"/>
+          </p:cNvSpPr>
+          <p:nvPr>
+            <p:ph type="sldNum" sz="quarter" idx="10"/>
+          </p:nvPr>
+        </p:nvSpPr>
+        <p:spPr/>
+        <p:txBody>
+          <a:bodyPr/>
+          <a:lstStyle/>
+          <a:p>
+            <a:fld id="{33F4B397-60AF-45DE-B029-C9C003EF5310}" type="slidenum">
+              <a:rPr lang="nl-NL" smtClean="0"/>
+              <a:t>9</a:t>
+            </a:fld>
+            <a:endParaRPr lang="nl-NL"/>
+          </a:p>
+        </p:txBody>
+      </p:sp>
+    </p:spTree>
+    <p:extLst>
+      <p:ext uri="{BB962C8B-B14F-4D97-AF65-F5344CB8AC3E}">
+        <p14:creationId xmlns:p14="http://schemas.microsoft.com/office/powerpoint/2010/main" val="4101774609"/>
+      </p:ext>
+    </p:extLst>
+  </p:cSld>
+  <p:clrMapOvr>
+    <a:masterClrMapping/>
+  </p:clrMapOvr>
+</p:notes>
+</file>
+
 <file path=ppt/slideLayouts/slideLayout1.xml><?xml version="1.0" encoding="utf-8"?>
 <p:sldLayout xmlns:a="http://schemas.openxmlformats.org/drawingml/2006/main" xmlns:r="http://schemas.openxmlformats.org/officeDocument/2006/relationships" xmlns:p="http://schemas.openxmlformats.org/presentationml/2006/main" type="title" preserve="1">
   <p:cSld name="Title Slide">
@@ -281,7 +4123,7 @@
           <a:p>
             <a:fld id="{EF2786E2-A2AD-407F-A096-CEC047B7C616}" type="datetimeFigureOut">
               <a:rPr lang="nl-NL" smtClean="0"/>
-              <a:t>6-6-2016</a:t>
+              <a:t>10-6-2016</a:t>
             </a:fld>
             <a:endParaRPr lang="nl-NL"/>
           </a:p>
@@ -451,7 +4293,7 @@
           <a:p>
             <a:fld id="{EF2786E2-A2AD-407F-A096-CEC047B7C616}" type="datetimeFigureOut">
               <a:rPr lang="nl-NL" smtClean="0"/>
-              <a:t>6-6-2016</a:t>
+              <a:t>10-6-2016</a:t>
             </a:fld>
             <a:endParaRPr lang="nl-NL"/>
           </a:p>
@@ -631,7 +4473,7 @@
           <a:p>
             <a:fld id="{EF2786E2-A2AD-407F-A096-CEC047B7C616}" type="datetimeFigureOut">
               <a:rPr lang="nl-NL" smtClean="0"/>
-              <a:t>6-6-2016</a:t>
+              <a:t>10-6-2016</a:t>
             </a:fld>
             <a:endParaRPr lang="nl-NL"/>
           </a:p>
@@ -801,7 +4643,7 @@
           <a:p>
             <a:fld id="{EF2786E2-A2AD-407F-A096-CEC047B7C616}" type="datetimeFigureOut">
               <a:rPr lang="nl-NL" smtClean="0"/>
-              <a:t>6-6-2016</a:t>
+              <a:t>10-6-2016</a:t>
             </a:fld>
             <a:endParaRPr lang="nl-NL"/>
           </a:p>
@@ -1047,7 +4889,7 @@
           <a:p>
             <a:fld id="{EF2786E2-A2AD-407F-A096-CEC047B7C616}" type="datetimeFigureOut">
               <a:rPr lang="nl-NL" smtClean="0"/>
-              <a:t>6-6-2016</a:t>
+              <a:t>10-6-2016</a:t>
             </a:fld>
             <a:endParaRPr lang="nl-NL"/>
           </a:p>
@@ -1279,7 +5121,7 @@
           <a:p>
             <a:fld id="{EF2786E2-A2AD-407F-A096-CEC047B7C616}" type="datetimeFigureOut">
               <a:rPr lang="nl-NL" smtClean="0"/>
-              <a:t>6-6-2016</a:t>
+              <a:t>10-6-2016</a:t>
             </a:fld>
             <a:endParaRPr lang="nl-NL"/>
           </a:p>
@@ -1646,7 +5488,7 @@
           <a:p>
             <a:fld id="{EF2786E2-A2AD-407F-A096-CEC047B7C616}" type="datetimeFigureOut">
               <a:rPr lang="nl-NL" smtClean="0"/>
-              <a:t>6-6-2016</a:t>
+              <a:t>10-6-2016</a:t>
             </a:fld>
             <a:endParaRPr lang="nl-NL"/>
           </a:p>
@@ -1764,7 +5606,7 @@
           <a:p>
             <a:fld id="{EF2786E2-A2AD-407F-A096-CEC047B7C616}" type="datetimeFigureOut">
               <a:rPr lang="nl-NL" smtClean="0"/>
-              <a:t>6-6-2016</a:t>
+              <a:t>10-6-2016</a:t>
             </a:fld>
             <a:endParaRPr lang="nl-NL"/>
           </a:p>
@@ -1859,7 +5701,7 @@
           <a:p>
             <a:fld id="{EF2786E2-A2AD-407F-A096-CEC047B7C616}" type="datetimeFigureOut">
               <a:rPr lang="nl-NL" smtClean="0"/>
-              <a:t>6-6-2016</a:t>
+              <a:t>10-6-2016</a:t>
             </a:fld>
             <a:endParaRPr lang="nl-NL"/>
           </a:p>
@@ -2136,7 +5978,7 @@
           <a:p>
             <a:fld id="{EF2786E2-A2AD-407F-A096-CEC047B7C616}" type="datetimeFigureOut">
               <a:rPr lang="nl-NL" smtClean="0"/>
-              <a:t>6-6-2016</a:t>
+              <a:t>10-6-2016</a:t>
             </a:fld>
             <a:endParaRPr lang="nl-NL"/>
           </a:p>
@@ -2389,7 +6231,7 @@
           <a:p>
             <a:fld id="{EF2786E2-A2AD-407F-A096-CEC047B7C616}" type="datetimeFigureOut">
               <a:rPr lang="nl-NL" smtClean="0"/>
-              <a:t>6-6-2016</a:t>
+              <a:t>10-6-2016</a:t>
             </a:fld>
             <a:endParaRPr lang="nl-NL"/>
           </a:p>
@@ -2602,7 +6444,7 @@
           <a:p>
             <a:fld id="{EF2786E2-A2AD-407F-A096-CEC047B7C616}" type="datetimeFigureOut">
               <a:rPr lang="nl-NL" smtClean="0"/>
-              <a:t>6-6-2016</a:t>
+              <a:t>10-6-2016</a:t>
             </a:fld>
             <a:endParaRPr lang="nl-NL"/>
           </a:p>
@@ -3045,37 +6887,7 @@
                 <a:latin typeface="Courier New" panose="02070309020205020404" pitchFamily="49" charset="0"/>
                 <a:cs typeface="Courier New" panose="02070309020205020404" pitchFamily="49" charset="0"/>
               </a:rPr>
-              <a:t>Test </a:t>
-            </a:r>
-            <a:r>
-              <a:rPr lang="nl-NL" smtClean="0">
-                <a:solidFill>
-                  <a:srgbClr val="00FF00"/>
-                </a:solidFill>
-                <a:latin typeface="Courier New" panose="02070309020205020404" pitchFamily="49" charset="0"/>
-                <a:cs typeface="Courier New" panose="02070309020205020404" pitchFamily="49" charset="0"/>
-              </a:rPr>
-              <a:t>the</a:t>
-            </a:r>
-            <a:r>
-              <a:rPr lang="nl-NL" smtClean="0">
-                <a:solidFill>
-                  <a:srgbClr val="00FF00"/>
-                </a:solidFill>
-                <a:latin typeface="Courier New" panose="02070309020205020404" pitchFamily="49" charset="0"/>
-                <a:cs typeface="Courier New" panose="02070309020205020404" pitchFamily="49" charset="0"/>
-              </a:rPr>
-              <a:t> </a:t>
-            </a:r>
-            <a:r>
-              <a:rPr lang="nl-NL" smtClean="0">
-                <a:solidFill>
-                  <a:srgbClr val="00FF00"/>
-                </a:solidFill>
-                <a:latin typeface="Courier New" panose="02070309020205020404" pitchFamily="49" charset="0"/>
-                <a:cs typeface="Courier New" panose="02070309020205020404" pitchFamily="49" charset="0"/>
-              </a:rPr>
-              <a:t>REST</a:t>
+              <a:t>Test the REST</a:t>
             </a:r>
             <a:endParaRPr lang="nl-NL">
               <a:solidFill>
@@ -3323,27 +7135,7 @@
                 <a:latin typeface="Courier New" panose="02070309020205020404" pitchFamily="49" charset="0"/>
                 <a:cs typeface="Courier New" panose="02070309020205020404" pitchFamily="49" charset="0"/>
               </a:rPr>
-              <a:t>Java library </a:t>
-            </a:r>
-            <a:r>
-              <a:rPr lang="nl-NL" smtClean="0">
-                <a:solidFill>
-                  <a:srgbClr val="00FF00"/>
-                </a:solidFill>
-                <a:latin typeface="Courier New" panose="02070309020205020404" pitchFamily="49" charset="0"/>
-                <a:cs typeface="Courier New" panose="02070309020205020404" pitchFamily="49" charset="0"/>
-              </a:rPr>
-              <a:t>for writing tests for RESTful </a:t>
-            </a:r>
-            <a:r>
-              <a:rPr lang="nl-NL" smtClean="0">
-                <a:solidFill>
-                  <a:srgbClr val="00FF00"/>
-                </a:solidFill>
-                <a:latin typeface="Courier New" panose="02070309020205020404" pitchFamily="49" charset="0"/>
-                <a:cs typeface="Courier New" panose="02070309020205020404" pitchFamily="49" charset="0"/>
-              </a:rPr>
-              <a:t>web services</a:t>
+              <a:t>Java library for writing tests for RESTful web services</a:t>
             </a:r>
           </a:p>
           <a:p>
@@ -3374,13 +7166,6 @@
               </a:rPr>
               <a:t>Removes a lot of boilerplate code</a:t>
             </a:r>
-            <a:endParaRPr lang="nl-NL" smtClean="0">
-              <a:solidFill>
-                <a:srgbClr val="00FF00"/>
-              </a:solidFill>
-              <a:latin typeface="Courier New" panose="02070309020205020404" pitchFamily="49" charset="0"/>
-              <a:cs typeface="Courier New" panose="02070309020205020404" pitchFamily="49" charset="0"/>
-            </a:endParaRPr>
           </a:p>
           <a:p>
             <a:pPr>
@@ -3410,13 +7195,6 @@
               </a:rPr>
               <a:t>Integrates seamlessly with existing Java-based testing frameworks</a:t>
             </a:r>
-            <a:endParaRPr lang="nl-NL" smtClean="0">
-              <a:solidFill>
-                <a:srgbClr val="00FF00"/>
-              </a:solidFill>
-              <a:latin typeface="Courier New" panose="02070309020205020404" pitchFamily="49" charset="0"/>
-              <a:cs typeface="Courier New" panose="02070309020205020404" pitchFamily="49" charset="0"/>
-            </a:endParaRPr>
           </a:p>
           <a:p>
             <a:pPr lvl="1">
@@ -3552,17 +7330,7 @@
                 <a:latin typeface="Courier New" panose="02070309020205020404" pitchFamily="49" charset="0"/>
                 <a:cs typeface="Courier New" panose="02070309020205020404" pitchFamily="49" charset="0"/>
               </a:rPr>
-              <a:t>Configuring </a:t>
-            </a:r>
-            <a:r>
-              <a:rPr lang="nl-NL" smtClean="0">
-                <a:solidFill>
-                  <a:srgbClr val="00FF00"/>
-                </a:solidFill>
-                <a:latin typeface="Courier New" panose="02070309020205020404" pitchFamily="49" charset="0"/>
-                <a:cs typeface="Courier New" panose="02070309020205020404" pitchFamily="49" charset="0"/>
-              </a:rPr>
-              <a:t>REST Assured</a:t>
+              <a:t>Configuring REST Assured</a:t>
             </a:r>
             <a:endParaRPr lang="nl-NL">
               <a:solidFill>
@@ -3601,27 +7369,7 @@
                 <a:latin typeface="Courier New" panose="02070309020205020404" pitchFamily="49" charset="0"/>
                 <a:cs typeface="Courier New" panose="02070309020205020404" pitchFamily="49" charset="0"/>
               </a:rPr>
-              <a:t>Download </a:t>
-            </a:r>
-            <a:r>
-              <a:rPr lang="nl-NL" smtClean="0">
-                <a:solidFill>
-                  <a:srgbClr val="00FF00"/>
-                </a:solidFill>
-                <a:latin typeface="Courier New" panose="02070309020205020404" pitchFamily="49" charset="0"/>
-                <a:cs typeface="Courier New" panose="02070309020205020404" pitchFamily="49" charset="0"/>
-              </a:rPr>
-              <a:t>from http</a:t>
-            </a:r>
-            <a:r>
-              <a:rPr lang="nl-NL" smtClean="0">
-                <a:solidFill>
-                  <a:srgbClr val="00FF00"/>
-                </a:solidFill>
-                <a:latin typeface="Courier New" panose="02070309020205020404" pitchFamily="49" charset="0"/>
-                <a:cs typeface="Courier New" panose="02070309020205020404" pitchFamily="49" charset="0"/>
-              </a:rPr>
-              <a:t>://rest-assured.io</a:t>
+              <a:t>Download from http://rest-assured.io</a:t>
             </a:r>
           </a:p>
           <a:p>
@@ -3652,13 +7400,6 @@
               </a:rPr>
               <a:t>Add as a dependency to your project</a:t>
             </a:r>
-            <a:endParaRPr lang="nl-NL" smtClean="0">
-              <a:solidFill>
-                <a:srgbClr val="00FF00"/>
-              </a:solidFill>
-              <a:latin typeface="Courier New" panose="02070309020205020404" pitchFamily="49" charset="0"/>
-              <a:cs typeface="Courier New" panose="02070309020205020404" pitchFamily="49" charset="0"/>
-            </a:endParaRPr>
           </a:p>
           <a:p>
             <a:pPr>
@@ -3765,7 +7506,7 @@
           <p:nvPr/>
         </p:nvPicPr>
         <p:blipFill>
-          <a:blip r:embed="rId2"/>
+          <a:blip r:embed="rId3"/>
           <a:stretch>
             <a:fillRect/>
           </a:stretch>
@@ -4173,7 +7914,7 @@
           <p:nvPr/>
         </p:nvPicPr>
         <p:blipFill>
-          <a:blip r:embed="rId2"/>
+          <a:blip r:embed="rId3"/>
           <a:stretch>
             <a:fillRect/>
           </a:stretch>
@@ -4288,103 +8029,53 @@
                 <a:latin typeface="Courier New" panose="02070309020205020404" pitchFamily="49" charset="0"/>
                 <a:cs typeface="Courier New" panose="02070309020205020404" pitchFamily="49" charset="0"/>
               </a:rPr>
-              <a:t>Support for HTTP </a:t>
-            </a:r>
-            <a:r>
-              <a:rPr lang="nl-NL" smtClean="0">
-                <a:solidFill>
-                  <a:srgbClr val="00FF00"/>
-                </a:solidFill>
-                <a:latin typeface="Courier New" panose="02070309020205020404" pitchFamily="49" charset="0"/>
-                <a:cs typeface="Courier New" panose="02070309020205020404" pitchFamily="49" charset="0"/>
-              </a:rPr>
-              <a:t>methods (GET, POST, PUT, …)</a:t>
-            </a:r>
-            <a:endParaRPr lang="nl-NL">
-              <a:solidFill>
-                <a:srgbClr val="00FF00"/>
-              </a:solidFill>
-              <a:latin typeface="Courier New" panose="02070309020205020404" pitchFamily="49" charset="0"/>
-              <a:cs typeface="Courier New" panose="02070309020205020404" pitchFamily="49" charset="0"/>
-            </a:endParaRPr>
-          </a:p>
-          <a:p>
-            <a:pPr>
-              <a:buFont typeface="Courier New" panose="02070309020205020404" pitchFamily="49" charset="0"/>
-              <a:buChar char="_"/>
-            </a:pPr>
-            <a:r>
-              <a:rPr lang="nl-NL" smtClean="0">
-                <a:solidFill>
-                  <a:srgbClr val="00FF00"/>
-                </a:solidFill>
-                <a:latin typeface="Courier New" panose="02070309020205020404" pitchFamily="49" charset="0"/>
-                <a:cs typeface="Courier New" panose="02070309020205020404" pitchFamily="49" charset="0"/>
-              </a:rPr>
-              <a:t>Support for BDD </a:t>
-            </a:r>
-            <a:r>
-              <a:rPr lang="nl-NL" smtClean="0">
-                <a:solidFill>
-                  <a:srgbClr val="00FF00"/>
-                </a:solidFill>
-                <a:latin typeface="Courier New" panose="02070309020205020404" pitchFamily="49" charset="0"/>
-                <a:cs typeface="Courier New" panose="02070309020205020404" pitchFamily="49" charset="0"/>
-              </a:rPr>
-              <a:t>/ Gherkin (Given/When/Then)</a:t>
-            </a:r>
-            <a:endParaRPr lang="nl-NL">
-              <a:solidFill>
-                <a:srgbClr val="00FF00"/>
-              </a:solidFill>
-              <a:latin typeface="Courier New" panose="02070309020205020404" pitchFamily="49" charset="0"/>
-              <a:cs typeface="Courier New" panose="02070309020205020404" pitchFamily="49" charset="0"/>
-            </a:endParaRPr>
-          </a:p>
-          <a:p>
-            <a:pPr>
-              <a:buFont typeface="Courier New" panose="02070309020205020404" pitchFamily="49" charset="0"/>
-              <a:buChar char="_"/>
-            </a:pPr>
-            <a:r>
-              <a:rPr lang="nl-NL" smtClean="0">
-                <a:solidFill>
-                  <a:srgbClr val="00FF00"/>
-                </a:solidFill>
-                <a:latin typeface="Courier New" panose="02070309020205020404" pitchFamily="49" charset="0"/>
-                <a:cs typeface="Courier New" panose="02070309020205020404" pitchFamily="49" charset="0"/>
-              </a:rPr>
-              <a:t>Use of Hamcrest </a:t>
-            </a:r>
-            <a:r>
-              <a:rPr lang="nl-NL" smtClean="0">
-                <a:solidFill>
-                  <a:srgbClr val="00FF00"/>
-                </a:solidFill>
-                <a:latin typeface="Courier New" panose="02070309020205020404" pitchFamily="49" charset="0"/>
-                <a:cs typeface="Courier New" panose="02070309020205020404" pitchFamily="49" charset="0"/>
-              </a:rPr>
-              <a:t>matchers </a:t>
-            </a:r>
-            <a:r>
-              <a:rPr lang="nl-NL" smtClean="0">
-                <a:solidFill>
-                  <a:srgbClr val="00FF00"/>
-                </a:solidFill>
-                <a:latin typeface="Courier New" panose="02070309020205020404" pitchFamily="49" charset="0"/>
-                <a:cs typeface="Courier New" panose="02070309020205020404" pitchFamily="49" charset="0"/>
-              </a:rPr>
-              <a:t>for checks </a:t>
-            </a:r>
-            <a:r>
-              <a:rPr lang="nl-NL" smtClean="0">
-                <a:solidFill>
-                  <a:srgbClr val="00FF00"/>
-                </a:solidFill>
-                <a:latin typeface="Courier New" panose="02070309020205020404" pitchFamily="49" charset="0"/>
-                <a:cs typeface="Courier New" panose="02070309020205020404" pitchFamily="49" charset="0"/>
-              </a:rPr>
-              <a:t>(equalTo)</a:t>
+              <a:t>Support for HTTP methods (GET, POST, PUT, …)</a:t>
+            </a:r>
+            <a:endParaRPr lang="nl-NL">
+              <a:solidFill>
+                <a:srgbClr val="00FF00"/>
+              </a:solidFill>
+              <a:latin typeface="Courier New" panose="02070309020205020404" pitchFamily="49" charset="0"/>
+              <a:cs typeface="Courier New" panose="02070309020205020404" pitchFamily="49" charset="0"/>
+            </a:endParaRPr>
+          </a:p>
+          <a:p>
+            <a:pPr>
+              <a:buFont typeface="Courier New" panose="02070309020205020404" pitchFamily="49" charset="0"/>
+              <a:buChar char="_"/>
+            </a:pPr>
+            <a:r>
+              <a:rPr lang="nl-NL" smtClean="0">
+                <a:solidFill>
+                  <a:srgbClr val="00FF00"/>
+                </a:solidFill>
+                <a:latin typeface="Courier New" panose="02070309020205020404" pitchFamily="49" charset="0"/>
+                <a:cs typeface="Courier New" panose="02070309020205020404" pitchFamily="49" charset="0"/>
+              </a:rPr>
+              <a:t>Support for BDD / Gherkin (Given/When/Then)</a:t>
+            </a:r>
+            <a:endParaRPr lang="nl-NL">
+              <a:solidFill>
+                <a:srgbClr val="00FF00"/>
+              </a:solidFill>
+              <a:latin typeface="Courier New" panose="02070309020205020404" pitchFamily="49" charset="0"/>
+              <a:cs typeface="Courier New" panose="02070309020205020404" pitchFamily="49" charset="0"/>
+            </a:endParaRPr>
+          </a:p>
+          <a:p>
+            <a:pPr>
+              <a:buFont typeface="Courier New" panose="02070309020205020404" pitchFamily="49" charset="0"/>
+              <a:buChar char="_"/>
+            </a:pPr>
+            <a:r>
+              <a:rPr lang="nl-NL" smtClean="0">
+                <a:solidFill>
+                  <a:srgbClr val="00FF00"/>
+                </a:solidFill>
+                <a:latin typeface="Courier New" panose="02070309020205020404" pitchFamily="49" charset="0"/>
+                <a:cs typeface="Courier New" panose="02070309020205020404" pitchFamily="49" charset="0"/>
+              </a:rPr>
+              <a:t>Use of Hamcrest matchers for checks (equalTo)</a:t>
             </a:r>
           </a:p>
           <a:p>
@@ -4447,7 +8138,7 @@
           <p:nvPr/>
         </p:nvPicPr>
         <p:blipFill>
-          <a:blip r:embed="rId2"/>
+          <a:blip r:embed="rId3"/>
           <a:stretch>
             <a:fillRect/>
           </a:stretch>
@@ -4523,17 +8214,7 @@
                 <a:latin typeface="Courier New" panose="02070309020205020404" pitchFamily="49" charset="0"/>
                 <a:cs typeface="Courier New" panose="02070309020205020404" pitchFamily="49" charset="0"/>
               </a:rPr>
-              <a:t>About Hamcrest </a:t>
-            </a:r>
-            <a:r>
-              <a:rPr lang="nl-NL" smtClean="0">
-                <a:solidFill>
-                  <a:srgbClr val="00FF00"/>
-                </a:solidFill>
-                <a:latin typeface="Courier New" panose="02070309020205020404" pitchFamily="49" charset="0"/>
-                <a:cs typeface="Courier New" panose="02070309020205020404" pitchFamily="49" charset="0"/>
-              </a:rPr>
-              <a:t>matchers</a:t>
+              <a:t>About Hamcrest matchers</a:t>
             </a:r>
             <a:endParaRPr lang="nl-NL">
               <a:solidFill>
@@ -4574,13 +8255,6 @@
               </a:rPr>
               <a:t>Express expectations in natural language</a:t>
             </a:r>
-            <a:endParaRPr lang="nl-NL" smtClean="0">
-              <a:solidFill>
-                <a:srgbClr val="00FF00"/>
-              </a:solidFill>
-              <a:latin typeface="Courier New" panose="02070309020205020404" pitchFamily="49" charset="0"/>
-              <a:cs typeface="Courier New" panose="02070309020205020404" pitchFamily="49" charset="0"/>
-            </a:endParaRPr>
           </a:p>
           <a:p>
             <a:pPr>
@@ -4610,13 +8284,6 @@
               </a:rPr>
               <a:t>Examples:</a:t>
             </a:r>
-            <a:endParaRPr lang="nl-NL" smtClean="0">
-              <a:solidFill>
-                <a:srgbClr val="00FF00"/>
-              </a:solidFill>
-              <a:latin typeface="Courier New" panose="02070309020205020404" pitchFamily="49" charset="0"/>
-              <a:cs typeface="Courier New" panose="02070309020205020404" pitchFamily="49" charset="0"/>
-            </a:endParaRPr>
           </a:p>
           <a:p>
             <a:pPr marL="0" indent="0">
@@ -4803,17 +8470,7 @@
                           <a:latin typeface="Courier New" panose="02070309020205020404" pitchFamily="49" charset="0"/>
                           <a:cs typeface="Courier New" panose="02070309020205020404" pitchFamily="49" charset="0"/>
                         </a:rPr>
-                        <a:t>Does the object equal X</a:t>
-                      </a:r>
-                      <a:r>
-                        <a:rPr lang="nl-NL" smtClean="0">
-                          <a:solidFill>
-                            <a:srgbClr val="00FF00"/>
-                          </a:solidFill>
-                          <a:latin typeface="Courier New" panose="02070309020205020404" pitchFamily="49" charset="0"/>
-                          <a:cs typeface="Courier New" panose="02070309020205020404" pitchFamily="49" charset="0"/>
-                        </a:rPr>
-                        <a:t>?</a:t>
+                        <a:t>Does the object equal X?</a:t>
                       </a:r>
                       <a:endParaRPr lang="nl-NL">
                         <a:solidFill>
@@ -5093,17 +8750,7 @@
                           <a:latin typeface="Courier New" panose="02070309020205020404" pitchFamily="49" charset="0"/>
                           <a:cs typeface="Courier New" panose="02070309020205020404" pitchFamily="49" charset="0"/>
                         </a:rPr>
-                        <a:t> size of the collection equal 3</a:t>
-                      </a:r>
-                      <a:r>
-                        <a:rPr lang="nl-NL" baseline="0" smtClean="0">
-                          <a:solidFill>
-                            <a:srgbClr val="00FF00"/>
-                          </a:solidFill>
-                          <a:latin typeface="Courier New" panose="02070309020205020404" pitchFamily="49" charset="0"/>
-                          <a:cs typeface="Courier New" panose="02070309020205020404" pitchFamily="49" charset="0"/>
-                        </a:rPr>
-                        <a:t>?</a:t>
+                        <a:t> size of the collection equal 3?</a:t>
                       </a:r>
                       <a:endParaRPr lang="nl-NL">
                         <a:solidFill>
@@ -5243,17 +8890,7 @@
                           <a:latin typeface="Courier New" panose="02070309020205020404" pitchFamily="49" charset="0"/>
                           <a:cs typeface="Courier New" panose="02070309020205020404" pitchFamily="49" charset="0"/>
                         </a:rPr>
-                        <a:t> matcher </a:t>
-                      </a:r>
-                      <a:r>
-                        <a:rPr lang="nl-NL" baseline="0" smtClean="0">
-                          <a:solidFill>
-                            <a:srgbClr val="00FF00"/>
-                          </a:solidFill>
-                          <a:latin typeface="Courier New" panose="02070309020205020404" pitchFamily="49" charset="0"/>
-                          <a:cs typeface="Courier New" panose="02070309020205020404" pitchFamily="49" charset="0"/>
-                        </a:rPr>
-                        <a:t>equalTo()</a:t>
+                        <a:t> matcher equalTo()</a:t>
                       </a:r>
                       <a:endParaRPr lang="nl-NL">
                         <a:solidFill>
@@ -5647,7 +9284,7 @@
           <p:nvPr/>
         </p:nvPicPr>
         <p:blipFill>
-          <a:blip r:embed="rId2"/>
+          <a:blip r:embed="rId3"/>
           <a:stretch>
             <a:fillRect/>
           </a:stretch>
@@ -5671,7 +9308,7 @@
           <p:nvPr/>
         </p:nvPicPr>
         <p:blipFill>
-          <a:blip r:embed="rId3"/>
+          <a:blip r:embed="rId4"/>
           <a:stretch>
             <a:fillRect/>
           </a:stretch>
@@ -5834,117 +9471,66 @@
                 <a:latin typeface="Courier New" panose="02070309020205020404" pitchFamily="49" charset="0"/>
                 <a:cs typeface="Courier New" panose="02070309020205020404" pitchFamily="49" charset="0"/>
               </a:rPr>
-              <a:t>HTTP </a:t>
-            </a:r>
-            <a:r>
-              <a:rPr lang="nl-NL" smtClean="0">
-                <a:solidFill>
-                  <a:srgbClr val="00FF00"/>
-                </a:solidFill>
-                <a:latin typeface="Courier New" panose="02070309020205020404" pitchFamily="49" charset="0"/>
-                <a:cs typeface="Courier New" panose="02070309020205020404" pitchFamily="49" charset="0"/>
-              </a:rPr>
-              <a:t>status code</a:t>
-            </a:r>
-            <a:endParaRPr lang="nl-NL" smtClean="0">
-              <a:solidFill>
-                <a:srgbClr val="00FF00"/>
-              </a:solidFill>
-              <a:latin typeface="Courier New" panose="02070309020205020404" pitchFamily="49" charset="0"/>
-              <a:cs typeface="Courier New" panose="02070309020205020404" pitchFamily="49" charset="0"/>
-            </a:endParaRPr>
-          </a:p>
-          <a:p>
-            <a:pPr>
-              <a:buFont typeface="Courier New" panose="02070309020205020404" pitchFamily="49" charset="0"/>
-              <a:buChar char="_"/>
-            </a:pPr>
-            <a:endParaRPr lang="nl-NL">
-              <a:solidFill>
-                <a:srgbClr val="00FF00"/>
-              </a:solidFill>
-              <a:latin typeface="Courier New" panose="02070309020205020404" pitchFamily="49" charset="0"/>
-              <a:cs typeface="Courier New" panose="02070309020205020404" pitchFamily="49" charset="0"/>
-            </a:endParaRPr>
-          </a:p>
-          <a:p>
-            <a:pPr>
-              <a:buFont typeface="Courier New" panose="02070309020205020404" pitchFamily="49" charset="0"/>
-              <a:buChar char="_"/>
-            </a:pPr>
-            <a:r>
-              <a:rPr lang="nl-NL" smtClean="0">
-                <a:solidFill>
-                  <a:srgbClr val="00FF00"/>
-                </a:solidFill>
-                <a:latin typeface="Courier New" panose="02070309020205020404" pitchFamily="49" charset="0"/>
-                <a:cs typeface="Courier New" panose="02070309020205020404" pitchFamily="49" charset="0"/>
-              </a:rPr>
-              <a:t>MIME-type </a:t>
-            </a:r>
-            <a:r>
-              <a:rPr lang="nl-NL" smtClean="0">
-                <a:solidFill>
-                  <a:srgbClr val="00FF00"/>
-                </a:solidFill>
-                <a:latin typeface="Courier New" panose="02070309020205020404" pitchFamily="49" charset="0"/>
-                <a:cs typeface="Courier New" panose="02070309020205020404" pitchFamily="49" charset="0"/>
-              </a:rPr>
-              <a:t>of received responses</a:t>
-            </a:r>
-            <a:endParaRPr lang="nl-NL" smtClean="0">
-              <a:solidFill>
-                <a:srgbClr val="00FF00"/>
-              </a:solidFill>
-              <a:latin typeface="Courier New" panose="02070309020205020404" pitchFamily="49" charset="0"/>
-              <a:cs typeface="Courier New" panose="02070309020205020404" pitchFamily="49" charset="0"/>
-            </a:endParaRPr>
-          </a:p>
-          <a:p>
-            <a:pPr>
-              <a:buFont typeface="Courier New" panose="02070309020205020404" pitchFamily="49" charset="0"/>
-              <a:buChar char="_"/>
-            </a:pPr>
-            <a:endParaRPr lang="nl-NL">
-              <a:solidFill>
-                <a:srgbClr val="00FF00"/>
-              </a:solidFill>
-              <a:latin typeface="Courier New" panose="02070309020205020404" pitchFamily="49" charset="0"/>
-              <a:cs typeface="Courier New" panose="02070309020205020404" pitchFamily="49" charset="0"/>
-            </a:endParaRPr>
-          </a:p>
-          <a:p>
-            <a:pPr>
-              <a:buFont typeface="Courier New" panose="02070309020205020404" pitchFamily="49" charset="0"/>
-              <a:buChar char="_"/>
-            </a:pPr>
-            <a:r>
-              <a:rPr lang="nl-NL" smtClean="0">
-                <a:solidFill>
-                  <a:srgbClr val="00FF00"/>
-                </a:solidFill>
-                <a:latin typeface="Courier New" panose="02070309020205020404" pitchFamily="49" charset="0"/>
-                <a:cs typeface="Courier New" panose="02070309020205020404" pitchFamily="49" charset="0"/>
-              </a:rPr>
-              <a:t>Cookies </a:t>
-            </a:r>
-            <a:r>
-              <a:rPr lang="nl-NL" smtClean="0">
-                <a:solidFill>
-                  <a:srgbClr val="00FF00"/>
-                </a:solidFill>
-                <a:latin typeface="Courier New" panose="02070309020205020404" pitchFamily="49" charset="0"/>
-                <a:cs typeface="Courier New" panose="02070309020205020404" pitchFamily="49" charset="0"/>
-              </a:rPr>
-              <a:t>and their value</a:t>
-            </a:r>
-            <a:endParaRPr lang="nl-NL" smtClean="0">
-              <a:solidFill>
-                <a:srgbClr val="00FF00"/>
-              </a:solidFill>
-              <a:latin typeface="Courier New" panose="02070309020205020404" pitchFamily="49" charset="0"/>
-              <a:cs typeface="Courier New" panose="02070309020205020404" pitchFamily="49" charset="0"/>
-            </a:endParaRPr>
+              <a:t>HTTP status code</a:t>
+            </a:r>
+          </a:p>
+          <a:p>
+            <a:pPr>
+              <a:buFont typeface="Courier New" panose="02070309020205020404" pitchFamily="49" charset="0"/>
+              <a:buChar char="_"/>
+            </a:pPr>
+            <a:endParaRPr lang="nl-NL">
+              <a:solidFill>
+                <a:srgbClr val="00FF00"/>
+              </a:solidFill>
+              <a:latin typeface="Courier New" panose="02070309020205020404" pitchFamily="49" charset="0"/>
+              <a:cs typeface="Courier New" panose="02070309020205020404" pitchFamily="49" charset="0"/>
+            </a:endParaRPr>
+          </a:p>
+          <a:p>
+            <a:pPr>
+              <a:buFont typeface="Courier New" panose="02070309020205020404" pitchFamily="49" charset="0"/>
+              <a:buChar char="_"/>
+            </a:pPr>
+            <a:r>
+              <a:rPr lang="nl-NL" smtClean="0">
+                <a:solidFill>
+                  <a:srgbClr val="00FF00"/>
+                </a:solidFill>
+                <a:latin typeface="Courier New" panose="02070309020205020404" pitchFamily="49" charset="0"/>
+                <a:cs typeface="Courier New" panose="02070309020205020404" pitchFamily="49" charset="0"/>
+              </a:rPr>
+              <a:t>MIME-type of received responses</a:t>
+            </a:r>
+          </a:p>
+          <a:p>
+            <a:pPr>
+              <a:buFont typeface="Courier New" panose="02070309020205020404" pitchFamily="49" charset="0"/>
+              <a:buChar char="_"/>
+            </a:pPr>
+            <a:endParaRPr lang="nl-NL">
+              <a:solidFill>
+                <a:srgbClr val="00FF00"/>
+              </a:solidFill>
+              <a:latin typeface="Courier New" panose="02070309020205020404" pitchFamily="49" charset="0"/>
+              <a:cs typeface="Courier New" panose="02070309020205020404" pitchFamily="49" charset="0"/>
+            </a:endParaRPr>
+          </a:p>
+          <a:p>
+            <a:pPr>
+              <a:buFont typeface="Courier New" panose="02070309020205020404" pitchFamily="49" charset="0"/>
+              <a:buChar char="_"/>
+            </a:pPr>
+            <a:r>
+              <a:rPr lang="nl-NL" smtClean="0">
+                <a:solidFill>
+                  <a:srgbClr val="00FF00"/>
+                </a:solidFill>
+                <a:latin typeface="Courier New" panose="02070309020205020404" pitchFamily="49" charset="0"/>
+                <a:cs typeface="Courier New" panose="02070309020205020404" pitchFamily="49" charset="0"/>
+              </a:rPr>
+              <a:t>Cookies and their value</a:t>
+            </a:r>
           </a:p>
           <a:p>
             <a:pPr>
@@ -5986,7 +9572,7 @@
           <p:nvPr/>
         </p:nvPicPr>
         <p:blipFill>
-          <a:blip r:embed="rId2"/>
+          <a:blip r:embed="rId3"/>
           <a:stretch>
             <a:fillRect/>
           </a:stretch>
@@ -6130,37 +9716,7 @@
                 <a:latin typeface="Courier New" panose="02070309020205020404" pitchFamily="49" charset="0"/>
                 <a:cs typeface="Courier New" panose="02070309020205020404" pitchFamily="49" charset="0"/>
               </a:rPr>
-              <a:t>Presents historical data of Formula 1 races</a:t>
-            </a:r>
-            <a:r>
-              <a:rPr lang="nl-NL" smtClean="0">
-                <a:solidFill>
-                  <a:srgbClr val="00FF00"/>
-                </a:solidFill>
-                <a:latin typeface="Courier New" panose="02070309020205020404" pitchFamily="49" charset="0"/>
-                <a:cs typeface="Courier New" panose="02070309020205020404" pitchFamily="49" charset="0"/>
-              </a:rPr>
-              <a:t>, </a:t>
-            </a:r>
-            <a:r>
-              <a:rPr lang="nl-NL" smtClean="0">
-                <a:solidFill>
-                  <a:srgbClr val="00FF00"/>
-                </a:solidFill>
-                <a:latin typeface="Courier New" panose="02070309020205020404" pitchFamily="49" charset="0"/>
-                <a:cs typeface="Courier New" panose="02070309020205020404" pitchFamily="49" charset="0"/>
-              </a:rPr>
-              <a:t>drivers, </a:t>
-            </a:r>
-            <a:r>
-              <a:rPr lang="nl-NL" smtClean="0">
-                <a:solidFill>
-                  <a:srgbClr val="00FF00"/>
-                </a:solidFill>
-                <a:latin typeface="Courier New" panose="02070309020205020404" pitchFamily="49" charset="0"/>
-                <a:cs typeface="Courier New" panose="02070309020205020404" pitchFamily="49" charset="0"/>
-              </a:rPr>
-              <a:t>circuits, etc.</a:t>
+              <a:t>Presents historical data of Formula 1 races, drivers, circuits, etc.</a:t>
             </a:r>
           </a:p>
           <a:p>
@@ -6191,13 +9747,6 @@
               </a:rPr>
               <a:t>Data can be returned in JSON and XML format</a:t>
             </a:r>
-            <a:endParaRPr lang="nl-NL" smtClean="0">
-              <a:solidFill>
-                <a:srgbClr val="00FF00"/>
-              </a:solidFill>
-              <a:latin typeface="Courier New" panose="02070309020205020404" pitchFamily="49" charset="0"/>
-              <a:cs typeface="Courier New" panose="02070309020205020404" pitchFamily="49" charset="0"/>
-            </a:endParaRPr>
           </a:p>
           <a:p>
             <a:pPr>
@@ -6415,25 +9964,8 @@
                 <a:latin typeface="Courier New" panose="02070309020205020404" pitchFamily="49" charset="0"/>
                 <a:cs typeface="Courier New" panose="02070309020205020404" pitchFamily="49" charset="0"/>
               </a:rPr>
-              <a:t>RESTful </a:t>
-            </a:r>
-            <a:r>
-              <a:rPr lang="nl-NL" smtClean="0">
-                <a:solidFill>
-                  <a:srgbClr val="00FF00"/>
-                </a:solidFill>
-                <a:latin typeface="Courier New" panose="02070309020205020404" pitchFamily="49" charset="0"/>
-                <a:cs typeface="Courier New" panose="02070309020205020404" pitchFamily="49" charset="0"/>
-              </a:rPr>
-              <a:t>web services</a:t>
-            </a:r>
-            <a:endParaRPr lang="nl-NL" smtClean="0">
-              <a:solidFill>
-                <a:srgbClr val="00FF00"/>
-              </a:solidFill>
-              <a:latin typeface="Courier New" panose="02070309020205020404" pitchFamily="49" charset="0"/>
-              <a:cs typeface="Courier New" panose="02070309020205020404" pitchFamily="49" charset="0"/>
-            </a:endParaRPr>
+              <a:t>RESTful web services</a:t>
+            </a:r>
           </a:p>
           <a:p>
             <a:pPr>
@@ -6607,17 +10139,7 @@
                 <a:latin typeface="Courier New" panose="02070309020205020404" pitchFamily="49" charset="0"/>
                 <a:cs typeface="Courier New" panose="02070309020205020404" pitchFamily="49" charset="0"/>
               </a:rPr>
-              <a:t>Data for driver Max </a:t>
-            </a:r>
-            <a:r>
-              <a:rPr lang="nl-NL" smtClean="0">
-                <a:solidFill>
-                  <a:srgbClr val="00FF00"/>
-                </a:solidFill>
-                <a:latin typeface="Courier New" panose="02070309020205020404" pitchFamily="49" charset="0"/>
-                <a:cs typeface="Courier New" panose="02070309020205020404" pitchFamily="49" charset="0"/>
-              </a:rPr>
-              <a:t>Verstappen (in JSON):</a:t>
+              <a:t>Data for driver Max Verstappen (in JSON):</a:t>
             </a:r>
             <a:endParaRPr lang="nl-NL">
               <a:solidFill>
@@ -6700,17 +10222,7 @@
                 <a:latin typeface="Courier New" panose="02070309020205020404" pitchFamily="49" charset="0"/>
                 <a:cs typeface="Courier New" panose="02070309020205020404" pitchFamily="49" charset="0"/>
               </a:rPr>
-              <a:t>A list of circuits for the 2015 season (in </a:t>
-            </a:r>
-            <a:r>
-              <a:rPr lang="nl-NL" smtClean="0">
-                <a:solidFill>
-                  <a:srgbClr val="00FF00"/>
-                </a:solidFill>
-                <a:latin typeface="Courier New" panose="02070309020205020404" pitchFamily="49" charset="0"/>
-                <a:cs typeface="Courier New" panose="02070309020205020404" pitchFamily="49" charset="0"/>
-              </a:rPr>
-              <a:t>JSON):</a:t>
+              <a:t>A list of circuits for the 2015 season (in JSON):</a:t>
             </a:r>
           </a:p>
           <a:p>
@@ -6912,13 +10424,6 @@
               </a:rPr>
               <a:t>API documentation</a:t>
             </a:r>
-            <a:endParaRPr lang="nl-NL" smtClean="0">
-              <a:solidFill>
-                <a:srgbClr val="00FF00"/>
-              </a:solidFill>
-              <a:latin typeface="Courier New" panose="02070309020205020404" pitchFamily="49" charset="0"/>
-              <a:cs typeface="Courier New" panose="02070309020205020404" pitchFamily="49" charset="0"/>
-            </a:endParaRPr>
           </a:p>
           <a:p>
             <a:pPr>
@@ -6935,13 +10440,6 @@
               </a:rPr>
               <a:t>How to use the test suite</a:t>
             </a:r>
-            <a:endParaRPr lang="nl-NL" smtClean="0">
-              <a:solidFill>
-                <a:srgbClr val="00FF00"/>
-              </a:solidFill>
-              <a:latin typeface="Courier New" panose="02070309020205020404" pitchFamily="49" charset="0"/>
-              <a:cs typeface="Courier New" panose="02070309020205020404" pitchFamily="49" charset="0"/>
-            </a:endParaRPr>
           </a:p>
           <a:p>
             <a:pPr>
@@ -6958,13 +10456,6 @@
               </a:rPr>
               <a:t>Executing your tests</a:t>
             </a:r>
-            <a:endParaRPr lang="nl-NL" smtClean="0">
-              <a:solidFill>
-                <a:srgbClr val="00FF00"/>
-              </a:solidFill>
-              <a:latin typeface="Courier New" panose="02070309020205020404" pitchFamily="49" charset="0"/>
-              <a:cs typeface="Courier New" panose="02070309020205020404" pitchFamily="49" charset="0"/>
-            </a:endParaRPr>
           </a:p>
           <a:p>
             <a:pPr>
@@ -6981,13 +10472,6 @@
               </a:rPr>
               <a:t>Reviewing test results</a:t>
             </a:r>
-            <a:endParaRPr lang="nl-NL" smtClean="0">
-              <a:solidFill>
-                <a:srgbClr val="00FF00"/>
-              </a:solidFill>
-              <a:latin typeface="Courier New" panose="02070309020205020404" pitchFamily="49" charset="0"/>
-              <a:cs typeface="Courier New" panose="02070309020205020404" pitchFamily="49" charset="0"/>
-            </a:endParaRPr>
           </a:p>
           <a:p>
             <a:pPr>
@@ -7187,13 +10671,6 @@
               </a:rPr>
               <a:t>Simple checks</a:t>
             </a:r>
-            <a:endParaRPr lang="nl-NL" smtClean="0">
-              <a:solidFill>
-                <a:srgbClr val="00FF00"/>
-              </a:solidFill>
-              <a:latin typeface="Courier New" panose="02070309020205020404" pitchFamily="49" charset="0"/>
-              <a:cs typeface="Courier New" panose="02070309020205020404" pitchFamily="49" charset="0"/>
-            </a:endParaRPr>
           </a:p>
           <a:p>
             <a:pPr lvl="1">
@@ -7210,13 +10687,6 @@
               </a:rPr>
               <a:t>Validating individual elements</a:t>
             </a:r>
-            <a:endParaRPr lang="nl-NL" smtClean="0">
-              <a:solidFill>
-                <a:srgbClr val="00FF00"/>
-              </a:solidFill>
-              <a:latin typeface="Courier New" panose="02070309020205020404" pitchFamily="49" charset="0"/>
-              <a:cs typeface="Courier New" panose="02070309020205020404" pitchFamily="49" charset="0"/>
-            </a:endParaRPr>
           </a:p>
           <a:p>
             <a:pPr lvl="1">
@@ -7233,13 +10703,6 @@
               </a:rPr>
               <a:t>Validating collections and items therein</a:t>
             </a:r>
-            <a:endParaRPr lang="nl-NL" smtClean="0">
-              <a:solidFill>
-                <a:srgbClr val="00FF00"/>
-              </a:solidFill>
-              <a:latin typeface="Courier New" panose="02070309020205020404" pitchFamily="49" charset="0"/>
-              <a:cs typeface="Courier New" panose="02070309020205020404" pitchFamily="49" charset="0"/>
-            </a:endParaRPr>
           </a:p>
           <a:p>
             <a:pPr lvl="1">
@@ -7256,51 +10719,34 @@
               </a:rPr>
               <a:t>Validating technical response properties</a:t>
             </a:r>
-            <a:endParaRPr lang="nl-NL" smtClean="0">
-              <a:solidFill>
-                <a:srgbClr val="00FF00"/>
-              </a:solidFill>
-              <a:latin typeface="Courier New" panose="02070309020205020404" pitchFamily="49" charset="0"/>
-              <a:cs typeface="Courier New" panose="02070309020205020404" pitchFamily="49" charset="0"/>
-            </a:endParaRPr>
-          </a:p>
-          <a:p>
-            <a:pPr>
-              <a:buFont typeface="Courier New" panose="02070309020205020404" pitchFamily="49" charset="0"/>
-              <a:buChar char="_"/>
-            </a:pPr>
-            <a:endParaRPr lang="nl-NL">
-              <a:solidFill>
-                <a:srgbClr val="00FF00"/>
-              </a:solidFill>
-              <a:latin typeface="Courier New" panose="02070309020205020404" pitchFamily="49" charset="0"/>
-              <a:cs typeface="Courier New" panose="02070309020205020404" pitchFamily="49" charset="0"/>
-            </a:endParaRPr>
-          </a:p>
-          <a:p>
-            <a:pPr>
-              <a:buFont typeface="Courier New" panose="02070309020205020404" pitchFamily="49" charset="0"/>
-              <a:buChar char="_"/>
-            </a:pPr>
-            <a:r>
-              <a:rPr lang="nl-NL" smtClean="0">
-                <a:solidFill>
-                  <a:srgbClr val="00FF00"/>
-                </a:solidFill>
-                <a:latin typeface="Courier New" panose="02070309020205020404" pitchFamily="49" charset="0"/>
-                <a:cs typeface="Courier New" panose="02070309020205020404" pitchFamily="49" charset="0"/>
-              </a:rPr>
-              <a:t>RestAssuredExamples </a:t>
-            </a:r>
-            <a:r>
-              <a:rPr lang="nl-NL" smtClean="0">
-                <a:solidFill>
-                  <a:srgbClr val="00FF00"/>
-                </a:solidFill>
-                <a:latin typeface="Courier New" panose="02070309020205020404" pitchFamily="49" charset="0"/>
-                <a:cs typeface="Courier New" panose="02070309020205020404" pitchFamily="49" charset="0"/>
-              </a:rPr>
-              <a:t>contains all examples from the presentation</a:t>
+          </a:p>
+          <a:p>
+            <a:pPr>
+              <a:buFont typeface="Courier New" panose="02070309020205020404" pitchFamily="49" charset="0"/>
+              <a:buChar char="_"/>
+            </a:pPr>
+            <a:endParaRPr lang="nl-NL">
+              <a:solidFill>
+                <a:srgbClr val="00FF00"/>
+              </a:solidFill>
+              <a:latin typeface="Courier New" panose="02070309020205020404" pitchFamily="49" charset="0"/>
+              <a:cs typeface="Courier New" panose="02070309020205020404" pitchFamily="49" charset="0"/>
+            </a:endParaRPr>
+          </a:p>
+          <a:p>
+            <a:pPr>
+              <a:buFont typeface="Courier New" panose="02070309020205020404" pitchFamily="49" charset="0"/>
+              <a:buChar char="_"/>
+            </a:pPr>
+            <a:r>
+              <a:rPr lang="nl-NL" smtClean="0">
+                <a:solidFill>
+                  <a:srgbClr val="00FF00"/>
+                </a:solidFill>
+                <a:latin typeface="Courier New" panose="02070309020205020404" pitchFamily="49" charset="0"/>
+                <a:cs typeface="Courier New" panose="02070309020205020404" pitchFamily="49" charset="0"/>
+              </a:rPr>
+              <a:t>RestAssuredExamples contains all examples from the presentation</a:t>
             </a:r>
             <a:endParaRPr lang="nl-NL">
               <a:solidFill>
@@ -7438,17 +10884,7 @@
                 <a:latin typeface="Courier New" panose="02070309020205020404" pitchFamily="49" charset="0"/>
                 <a:cs typeface="Courier New" panose="02070309020205020404" pitchFamily="49" charset="0"/>
               </a:rPr>
-              <a:t>Parameters in RESTful </a:t>
-            </a:r>
-            <a:r>
-              <a:rPr lang="nl-NL" smtClean="0">
-                <a:solidFill>
-                  <a:srgbClr val="00FF00"/>
-                </a:solidFill>
-                <a:latin typeface="Courier New" panose="02070309020205020404" pitchFamily="49" charset="0"/>
-                <a:cs typeface="Courier New" panose="02070309020205020404" pitchFamily="49" charset="0"/>
-              </a:rPr>
-              <a:t>web services</a:t>
+              <a:t>Parameters in RESTful web services</a:t>
             </a:r>
             <a:endParaRPr lang="nl-NL">
               <a:solidFill>
@@ -7854,27 +11290,7 @@
                 <a:latin typeface="Courier New" panose="02070309020205020404" pitchFamily="49" charset="0"/>
                 <a:cs typeface="Courier New" panose="02070309020205020404" pitchFamily="49" charset="0"/>
               </a:rPr>
-              <a:t>Using parameters in </a:t>
-            </a:r>
-            <a:r>
-              <a:rPr lang="nl-NL" smtClean="0">
-                <a:solidFill>
-                  <a:srgbClr val="00FF00"/>
-                </a:solidFill>
-                <a:latin typeface="Courier New" panose="02070309020205020404" pitchFamily="49" charset="0"/>
-                <a:cs typeface="Courier New" panose="02070309020205020404" pitchFamily="49" charset="0"/>
-              </a:rPr>
-              <a:t>REST </a:t>
-            </a:r>
-            <a:r>
-              <a:rPr lang="nl-NL" smtClean="0">
-                <a:solidFill>
-                  <a:srgbClr val="00FF00"/>
-                </a:solidFill>
-                <a:latin typeface="Courier New" panose="02070309020205020404" pitchFamily="49" charset="0"/>
-                <a:cs typeface="Courier New" panose="02070309020205020404" pitchFamily="49" charset="0"/>
-              </a:rPr>
-              <a:t>Assured</a:t>
+              <a:t>Using parameters in REST Assured</a:t>
             </a:r>
             <a:endParaRPr lang="nl-NL">
               <a:solidFill>
@@ -7918,17 +11334,7 @@
                 <a:latin typeface="Courier New" panose="02070309020205020404" pitchFamily="49" charset="0"/>
                 <a:cs typeface="Courier New" panose="02070309020205020404" pitchFamily="49" charset="0"/>
               </a:rPr>
-              <a:t>Examples for query </a:t>
-            </a:r>
-            <a:r>
-              <a:rPr lang="nl-NL" smtClean="0">
-                <a:solidFill>
-                  <a:srgbClr val="00FF00"/>
-                </a:solidFill>
-                <a:latin typeface="Courier New" panose="02070309020205020404" pitchFamily="49" charset="0"/>
-                <a:cs typeface="Courier New" panose="02070309020205020404" pitchFamily="49" charset="0"/>
-              </a:rPr>
-              <a:t>parameters:</a:t>
+              <a:t>Examples for query parameters:</a:t>
             </a:r>
           </a:p>
           <a:p>
@@ -7944,17 +11350,17 @@
                 <a:latin typeface="Courier New" panose="02070309020205020404" pitchFamily="49" charset="0"/>
                 <a:cs typeface="Courier New" panose="02070309020205020404" pitchFamily="49" charset="0"/>
               </a:rPr>
-              <a:t>Call </a:t>
+              <a:t>Call to http://md5.jsontest.com/?</a:t>
             </a:r>
             <a:r>
               <a:rPr lang="nl-NL" sz="1600" smtClean="0">
                 <a:solidFill>
-                  <a:srgbClr val="00FF00"/>
-                </a:solidFill>
-                <a:latin typeface="Courier New" panose="02070309020205020404" pitchFamily="49" charset="0"/>
-                <a:cs typeface="Courier New" panose="02070309020205020404" pitchFamily="49" charset="0"/>
-              </a:rPr>
-              <a:t>to http</a:t>
+                  <a:srgbClr val="FF0000"/>
+                </a:solidFill>
+                <a:latin typeface="Courier New" panose="02070309020205020404" pitchFamily="49" charset="0"/>
+                <a:cs typeface="Courier New" panose="02070309020205020404" pitchFamily="49" charset="0"/>
+              </a:rPr>
+              <a:t>text</a:t>
             </a:r>
             <a:r>
               <a:rPr lang="nl-NL" sz="1600" smtClean="0">
@@ -7964,18 +11370,89 @@
                 <a:latin typeface="Courier New" panose="02070309020205020404" pitchFamily="49" charset="0"/>
                 <a:cs typeface="Courier New" panose="02070309020205020404" pitchFamily="49" charset="0"/>
               </a:rPr>
-              <a:t>://md5.jsontest.com/?</a:t>
+              <a:t>=</a:t>
             </a:r>
             <a:r>
               <a:rPr lang="nl-NL" sz="1600" smtClean="0">
                 <a:solidFill>
-                  <a:srgbClr val="FF0000"/>
-                </a:solidFill>
-                <a:latin typeface="Courier New" panose="02070309020205020404" pitchFamily="49" charset="0"/>
-                <a:cs typeface="Courier New" panose="02070309020205020404" pitchFamily="49" charset="0"/>
-              </a:rPr>
-              <a:t>text</a:t>
-            </a:r>
+                  <a:srgbClr val="0070C0"/>
+                </a:solidFill>
+                <a:latin typeface="Courier New" panose="02070309020205020404" pitchFamily="49" charset="0"/>
+                <a:cs typeface="Courier New" panose="02070309020205020404" pitchFamily="49" charset="0"/>
+              </a:rPr>
+              <a:t>testcaseOne</a:t>
+            </a:r>
+          </a:p>
+          <a:p>
+            <a:pPr lvl="1">
+              <a:buFont typeface="Courier New" panose="02070309020205020404" pitchFamily="49" charset="0"/>
+              <a:buChar char="_"/>
+            </a:pPr>
+            <a:endParaRPr lang="nl-NL">
+              <a:solidFill>
+                <a:srgbClr val="00FF00"/>
+              </a:solidFill>
+              <a:latin typeface="Courier New" panose="02070309020205020404" pitchFamily="49" charset="0"/>
+              <a:cs typeface="Courier New" panose="02070309020205020404" pitchFamily="49" charset="0"/>
+            </a:endParaRPr>
+          </a:p>
+          <a:p>
+            <a:pPr lvl="1">
+              <a:buFont typeface="Courier New" panose="02070309020205020404" pitchFamily="49" charset="0"/>
+              <a:buChar char="_"/>
+            </a:pPr>
+            <a:endParaRPr lang="nl-NL" smtClean="0">
+              <a:solidFill>
+                <a:srgbClr val="00FF00"/>
+              </a:solidFill>
+              <a:latin typeface="Courier New" panose="02070309020205020404" pitchFamily="49" charset="0"/>
+              <a:cs typeface="Courier New" panose="02070309020205020404" pitchFamily="49" charset="0"/>
+            </a:endParaRPr>
+          </a:p>
+          <a:p>
+            <a:pPr lvl="1">
+              <a:buFont typeface="Courier New" panose="02070309020205020404" pitchFamily="49" charset="0"/>
+              <a:buChar char="_"/>
+            </a:pPr>
+            <a:endParaRPr lang="nl-NL">
+              <a:solidFill>
+                <a:srgbClr val="00FF00"/>
+              </a:solidFill>
+              <a:latin typeface="Courier New" panose="02070309020205020404" pitchFamily="49" charset="0"/>
+              <a:cs typeface="Courier New" panose="02070309020205020404" pitchFamily="49" charset="0"/>
+            </a:endParaRPr>
+          </a:p>
+          <a:p>
+            <a:pPr lvl="1">
+              <a:buFont typeface="Courier New" panose="02070309020205020404" pitchFamily="49" charset="0"/>
+              <a:buChar char="_"/>
+            </a:pPr>
+            <a:endParaRPr lang="nl-NL">
+              <a:solidFill>
+                <a:srgbClr val="00FF00"/>
+              </a:solidFill>
+              <a:latin typeface="Courier New" panose="02070309020205020404" pitchFamily="49" charset="0"/>
+              <a:cs typeface="Courier New" panose="02070309020205020404" pitchFamily="49" charset="0"/>
+            </a:endParaRPr>
+          </a:p>
+          <a:p>
+            <a:pPr lvl="1">
+              <a:buFont typeface="Courier New" panose="02070309020205020404" pitchFamily="49" charset="0"/>
+              <a:buChar char="_"/>
+            </a:pPr>
+            <a:endParaRPr lang="nl-NL" sz="1600" smtClean="0">
+              <a:solidFill>
+                <a:srgbClr val="00FF00"/>
+              </a:solidFill>
+              <a:latin typeface="Courier New" panose="02070309020205020404" pitchFamily="49" charset="0"/>
+              <a:cs typeface="Courier New" panose="02070309020205020404" pitchFamily="49" charset="0"/>
+            </a:endParaRPr>
+          </a:p>
+          <a:p>
+            <a:pPr lvl="1">
+              <a:buFont typeface="Courier New" panose="02070309020205020404" pitchFamily="49" charset="0"/>
+              <a:buChar char="_"/>
+            </a:pPr>
             <a:r>
               <a:rPr lang="nl-NL" sz="1600" smtClean="0">
                 <a:solidFill>
@@ -7984,128 +11461,7 @@
                 <a:latin typeface="Courier New" panose="02070309020205020404" pitchFamily="49" charset="0"/>
                 <a:cs typeface="Courier New" panose="02070309020205020404" pitchFamily="49" charset="0"/>
               </a:rPr>
-              <a:t>=</a:t>
-            </a:r>
-            <a:r>
-              <a:rPr lang="nl-NL" sz="1600" smtClean="0">
-                <a:solidFill>
-                  <a:srgbClr val="0070C0"/>
-                </a:solidFill>
-                <a:latin typeface="Courier New" panose="02070309020205020404" pitchFamily="49" charset="0"/>
-                <a:cs typeface="Courier New" panose="02070309020205020404" pitchFamily="49" charset="0"/>
-              </a:rPr>
-              <a:t>testcaseOne</a:t>
-            </a:r>
-          </a:p>
-          <a:p>
-            <a:pPr lvl="1">
-              <a:buFont typeface="Courier New" panose="02070309020205020404" pitchFamily="49" charset="0"/>
-              <a:buChar char="_"/>
-            </a:pPr>
-            <a:endParaRPr lang="nl-NL">
-              <a:solidFill>
-                <a:srgbClr val="00FF00"/>
-              </a:solidFill>
-              <a:latin typeface="Courier New" panose="02070309020205020404" pitchFamily="49" charset="0"/>
-              <a:cs typeface="Courier New" panose="02070309020205020404" pitchFamily="49" charset="0"/>
-            </a:endParaRPr>
-          </a:p>
-          <a:p>
-            <a:pPr lvl="1">
-              <a:buFont typeface="Courier New" panose="02070309020205020404" pitchFamily="49" charset="0"/>
-              <a:buChar char="_"/>
-            </a:pPr>
-            <a:endParaRPr lang="nl-NL" smtClean="0">
-              <a:solidFill>
-                <a:srgbClr val="00FF00"/>
-              </a:solidFill>
-              <a:latin typeface="Courier New" panose="02070309020205020404" pitchFamily="49" charset="0"/>
-              <a:cs typeface="Courier New" panose="02070309020205020404" pitchFamily="49" charset="0"/>
-            </a:endParaRPr>
-          </a:p>
-          <a:p>
-            <a:pPr lvl="1">
-              <a:buFont typeface="Courier New" panose="02070309020205020404" pitchFamily="49" charset="0"/>
-              <a:buChar char="_"/>
-            </a:pPr>
-            <a:endParaRPr lang="nl-NL">
-              <a:solidFill>
-                <a:srgbClr val="00FF00"/>
-              </a:solidFill>
-              <a:latin typeface="Courier New" panose="02070309020205020404" pitchFamily="49" charset="0"/>
-              <a:cs typeface="Courier New" panose="02070309020205020404" pitchFamily="49" charset="0"/>
-            </a:endParaRPr>
-          </a:p>
-          <a:p>
-            <a:pPr lvl="1">
-              <a:buFont typeface="Courier New" panose="02070309020205020404" pitchFamily="49" charset="0"/>
-              <a:buChar char="_"/>
-            </a:pPr>
-            <a:endParaRPr lang="nl-NL">
-              <a:solidFill>
-                <a:srgbClr val="00FF00"/>
-              </a:solidFill>
-              <a:latin typeface="Courier New" panose="02070309020205020404" pitchFamily="49" charset="0"/>
-              <a:cs typeface="Courier New" panose="02070309020205020404" pitchFamily="49" charset="0"/>
-            </a:endParaRPr>
-          </a:p>
-          <a:p>
-            <a:pPr lvl="1">
-              <a:buFont typeface="Courier New" panose="02070309020205020404" pitchFamily="49" charset="0"/>
-              <a:buChar char="_"/>
-            </a:pPr>
-            <a:endParaRPr lang="nl-NL" sz="1600" smtClean="0">
-              <a:solidFill>
-                <a:srgbClr val="00FF00"/>
-              </a:solidFill>
-              <a:latin typeface="Courier New" panose="02070309020205020404" pitchFamily="49" charset="0"/>
-              <a:cs typeface="Courier New" panose="02070309020205020404" pitchFamily="49" charset="0"/>
-            </a:endParaRPr>
-          </a:p>
-          <a:p>
-            <a:pPr lvl="1">
-              <a:buFont typeface="Courier New" panose="02070309020205020404" pitchFamily="49" charset="0"/>
-              <a:buChar char="_"/>
-            </a:pPr>
-            <a:r>
-              <a:rPr lang="nl-NL" sz="1600" smtClean="0">
-                <a:solidFill>
-                  <a:srgbClr val="00FF00"/>
-                </a:solidFill>
-                <a:latin typeface="Courier New" panose="02070309020205020404" pitchFamily="49" charset="0"/>
-                <a:cs typeface="Courier New" panose="02070309020205020404" pitchFamily="49" charset="0"/>
-              </a:rPr>
-              <a:t>Call </a:t>
-            </a:r>
-            <a:r>
-              <a:rPr lang="nl-NL" sz="1600" smtClean="0">
-                <a:solidFill>
-                  <a:srgbClr val="00FF00"/>
-                </a:solidFill>
-                <a:latin typeface="Courier New" panose="02070309020205020404" pitchFamily="49" charset="0"/>
-                <a:cs typeface="Courier New" panose="02070309020205020404" pitchFamily="49" charset="0"/>
-              </a:rPr>
-              <a:t>to</a:t>
-            </a:r>
-            <a:r>
-              <a:rPr lang="nl-NL" sz="1600" smtClean="0">
-                <a:solidFill>
-                  <a:srgbClr val="00FF00"/>
-                </a:solidFill>
-                <a:latin typeface="Courier New" panose="02070309020205020404" pitchFamily="49" charset="0"/>
-                <a:cs typeface="Courier New" panose="02070309020205020404" pitchFamily="49" charset="0"/>
-              </a:rPr>
-              <a:t> </a:t>
-            </a:r>
-            <a:r>
-              <a:rPr lang="nl-NL" sz="1600" smtClean="0">
-                <a:solidFill>
-                  <a:srgbClr val="00FF00"/>
-                </a:solidFill>
-                <a:latin typeface="Courier New" panose="02070309020205020404" pitchFamily="49" charset="0"/>
-                <a:cs typeface="Courier New" panose="02070309020205020404" pitchFamily="49" charset="0"/>
-              </a:rPr>
-              <a:t>http://api.openweathermap.org/data/2.5/weather/?</a:t>
+              <a:t>Call to http://api.openweathermap.org/data/2.5/weather/?</a:t>
             </a:r>
             <a:r>
               <a:rPr lang="nl-NL" sz="1600" smtClean="0">
@@ -8280,7 +11636,7 @@
           <p:nvPr/>
         </p:nvPicPr>
         <p:blipFill>
-          <a:blip r:embed="rId2"/>
+          <a:blip r:embed="rId3"/>
           <a:stretch>
             <a:fillRect/>
           </a:stretch>
@@ -8304,7 +11660,7 @@
           <p:nvPr/>
         </p:nvPicPr>
         <p:blipFill>
-          <a:blip r:embed="rId3"/>
+          <a:blip r:embed="rId4"/>
           <a:stretch>
             <a:fillRect/>
           </a:stretch>
@@ -8385,17 +11741,7 @@
                 <a:latin typeface="Courier New" panose="02070309020205020404" pitchFamily="49" charset="0"/>
                 <a:cs typeface="Courier New" panose="02070309020205020404" pitchFamily="49" charset="0"/>
               </a:rPr>
-              <a:t>Using parameters in </a:t>
-            </a:r>
-            <a:r>
-              <a:rPr lang="nl-NL" smtClean="0">
-                <a:solidFill>
-                  <a:srgbClr val="00FF00"/>
-                </a:solidFill>
-                <a:latin typeface="Courier New" panose="02070309020205020404" pitchFamily="49" charset="0"/>
-                <a:cs typeface="Courier New" panose="02070309020205020404" pitchFamily="49" charset="0"/>
-              </a:rPr>
-              <a:t>REST Assured</a:t>
+              <a:t>Using parameters in REST Assured</a:t>
             </a:r>
             <a:endParaRPr lang="nl-NL">
               <a:solidFill>
@@ -8439,17 +11785,7 @@
                 <a:latin typeface="Courier New" panose="02070309020205020404" pitchFamily="49" charset="0"/>
                 <a:cs typeface="Courier New" panose="02070309020205020404" pitchFamily="49" charset="0"/>
               </a:rPr>
-              <a:t>Examples for path </a:t>
-            </a:r>
-            <a:r>
-              <a:rPr lang="nl-NL" smtClean="0">
-                <a:solidFill>
-                  <a:srgbClr val="00FF00"/>
-                </a:solidFill>
-                <a:latin typeface="Courier New" panose="02070309020205020404" pitchFamily="49" charset="0"/>
-                <a:cs typeface="Courier New" panose="02070309020205020404" pitchFamily="49" charset="0"/>
-              </a:rPr>
-              <a:t>parameters:</a:t>
+              <a:t>Examples for path parameters:</a:t>
             </a:r>
           </a:p>
           <a:p>
@@ -8745,7 +12081,7 @@
           <p:nvPr/>
         </p:nvPicPr>
         <p:blipFill>
-          <a:blip r:embed="rId2"/>
+          <a:blip r:embed="rId3"/>
           <a:stretch>
             <a:fillRect/>
           </a:stretch>
@@ -8769,7 +12105,7 @@
           <p:nvPr/>
         </p:nvPicPr>
         <p:blipFill>
-          <a:blip r:embed="rId3"/>
+          <a:blip r:embed="rId4"/>
           <a:stretch>
             <a:fillRect/>
           </a:stretch>
@@ -8850,17 +12186,7 @@
                 <a:latin typeface="Courier New" panose="02070309020205020404" pitchFamily="49" charset="0"/>
                 <a:cs typeface="Courier New" panose="02070309020205020404" pitchFamily="49" charset="0"/>
               </a:rPr>
-              <a:t>Using parameters in REST </a:t>
-            </a:r>
-            <a:r>
-              <a:rPr lang="nl-NL" smtClean="0">
-                <a:solidFill>
-                  <a:srgbClr val="00FF00"/>
-                </a:solidFill>
-                <a:latin typeface="Courier New" panose="02070309020205020404" pitchFamily="49" charset="0"/>
-                <a:cs typeface="Courier New" panose="02070309020205020404" pitchFamily="49" charset="0"/>
-              </a:rPr>
-              <a:t>Assured</a:t>
+              <a:t>Using parameters in REST Assured</a:t>
             </a:r>
             <a:endParaRPr lang="nl-NL">
               <a:solidFill>
@@ -8906,13 +12232,6 @@
               </a:rPr>
               <a:t>Iterating over a collection of parameter values:</a:t>
             </a:r>
-            <a:endParaRPr lang="nl-NL" smtClean="0">
-              <a:solidFill>
-                <a:srgbClr val="00FF00"/>
-              </a:solidFill>
-              <a:latin typeface="Courier New" panose="02070309020205020404" pitchFamily="49" charset="0"/>
-              <a:cs typeface="Courier New" panose="02070309020205020404" pitchFamily="49" charset="0"/>
-            </a:endParaRPr>
           </a:p>
           <a:p>
             <a:pPr lvl="1">
@@ -9127,7 +12446,7 @@
           <p:nvPr/>
         </p:nvPicPr>
         <p:blipFill>
-          <a:blip r:embed="rId2"/>
+          <a:blip r:embed="rId3"/>
           <a:stretch>
             <a:fillRect/>
           </a:stretch>
@@ -9151,7 +12470,7 @@
           <p:nvPr/>
         </p:nvPicPr>
         <p:blipFill>
-          <a:blip r:embed="rId3"/>
+          <a:blip r:embed="rId4"/>
           <a:stretch>
             <a:fillRect/>
           </a:stretch>
@@ -9313,13 +12632,6 @@
               </a:rPr>
               <a:t>Creating a test data object</a:t>
             </a:r>
-            <a:endParaRPr lang="nl-NL" smtClean="0">
-              <a:solidFill>
-                <a:srgbClr val="00FF00"/>
-              </a:solidFill>
-              <a:latin typeface="Courier New" panose="02070309020205020404" pitchFamily="49" charset="0"/>
-              <a:cs typeface="Courier New" panose="02070309020205020404" pitchFamily="49" charset="0"/>
-            </a:endParaRPr>
           </a:p>
           <a:p>
             <a:pPr lvl="1">
@@ -9336,13 +12648,6 @@
               </a:rPr>
               <a:t>Using test data in calling the right URI</a:t>
             </a:r>
-            <a:endParaRPr lang="nl-NL" smtClean="0">
-              <a:solidFill>
-                <a:srgbClr val="00FF00"/>
-              </a:solidFill>
-              <a:latin typeface="Courier New" panose="02070309020205020404" pitchFamily="49" charset="0"/>
-              <a:cs typeface="Courier New" panose="02070309020205020404" pitchFamily="49" charset="0"/>
-            </a:endParaRPr>
           </a:p>
           <a:p>
             <a:pPr lvl="1">
@@ -9359,13 +12664,6 @@
               </a:rPr>
               <a:t>Using test data in assertions</a:t>
             </a:r>
-            <a:endParaRPr lang="nl-NL" smtClean="0">
-              <a:solidFill>
-                <a:srgbClr val="00FF00"/>
-              </a:solidFill>
-              <a:latin typeface="Courier New" panose="02070309020205020404" pitchFamily="49" charset="0"/>
-              <a:cs typeface="Courier New" panose="02070309020205020404" pitchFamily="49" charset="0"/>
-            </a:endParaRPr>
           </a:p>
           <a:p>
             <a:pPr lvl="1">
@@ -9582,13 +12880,6 @@
               </a:rPr>
               <a:t>Securing web services</a:t>
             </a:r>
-            <a:endParaRPr lang="nl-NL" smtClean="0">
-              <a:solidFill>
-                <a:srgbClr val="00FF00"/>
-              </a:solidFill>
-              <a:latin typeface="Courier New" panose="02070309020205020404" pitchFamily="49" charset="0"/>
-              <a:cs typeface="Courier New" panose="02070309020205020404" pitchFamily="49" charset="0"/>
-            </a:endParaRPr>
           </a:p>
           <a:p>
             <a:pPr>
@@ -9856,25 +13147,8 @@
                 <a:latin typeface="Courier New" panose="02070309020205020404" pitchFamily="49" charset="0"/>
                 <a:cs typeface="Courier New" panose="02070309020205020404" pitchFamily="49" charset="0"/>
               </a:rPr>
-              <a:t>Username/password </a:t>
-            </a:r>
-            <a:r>
-              <a:rPr lang="nl-NL" smtClean="0">
-                <a:solidFill>
-                  <a:srgbClr val="00FF00"/>
-                </a:solidFill>
-                <a:latin typeface="Courier New" panose="02070309020205020404" pitchFamily="49" charset="0"/>
-                <a:cs typeface="Courier New" panose="02070309020205020404" pitchFamily="49" charset="0"/>
-              </a:rPr>
-              <a:t>sent in header for every request </a:t>
-            </a:r>
-            <a:endParaRPr lang="nl-NL" smtClean="0">
-              <a:solidFill>
-                <a:srgbClr val="00FF00"/>
-              </a:solidFill>
-              <a:latin typeface="Courier New" panose="02070309020205020404" pitchFamily="49" charset="0"/>
-              <a:cs typeface="Courier New" panose="02070309020205020404" pitchFamily="49" charset="0"/>
-            </a:endParaRPr>
+              <a:t>Username/password sent in header for every request </a:t>
+            </a:r>
           </a:p>
           <a:p>
             <a:pPr>
@@ -9939,7 +13213,7 @@
           <p:nvPr/>
         </p:nvPicPr>
         <p:blipFill>
-          <a:blip r:embed="rId2"/>
+          <a:blip r:embed="rId3"/>
           <a:stretch>
             <a:fillRect/>
           </a:stretch>
@@ -9963,7 +13237,7 @@
           <p:nvPr/>
         </p:nvPicPr>
         <p:blipFill>
-          <a:blip r:embed="rId3"/>
+          <a:blip r:embed="rId4"/>
           <a:stretch>
             <a:fillRect/>
           </a:stretch>
@@ -10080,213 +13354,123 @@
                 <a:latin typeface="Courier New" panose="02070309020205020404" pitchFamily="49" charset="0"/>
                 <a:cs typeface="Courier New" panose="02070309020205020404" pitchFamily="49" charset="0"/>
               </a:rPr>
-              <a:t>Install </a:t>
-            </a:r>
-            <a:r>
-              <a:rPr lang="nl-NL" smtClean="0">
-                <a:solidFill>
-                  <a:srgbClr val="00FF00"/>
-                </a:solidFill>
-                <a:latin typeface="Courier New" panose="02070309020205020404" pitchFamily="49" charset="0"/>
-                <a:cs typeface="Courier New" panose="02070309020205020404" pitchFamily="49" charset="0"/>
-              </a:rPr>
-              <a:t>Eclipse </a:t>
-            </a:r>
-            <a:r>
-              <a:rPr lang="nl-NL" smtClean="0">
-                <a:solidFill>
-                  <a:srgbClr val="00FF00"/>
-                </a:solidFill>
-                <a:latin typeface="Courier New" panose="02070309020205020404" pitchFamily="49" charset="0"/>
-                <a:cs typeface="Courier New" panose="02070309020205020404" pitchFamily="49" charset="0"/>
-              </a:rPr>
-              <a:t>(or any other IDE</a:t>
-            </a:r>
-            <a:r>
-              <a:rPr lang="nl-NL" smtClean="0">
-                <a:solidFill>
-                  <a:srgbClr val="00FF00"/>
-                </a:solidFill>
-                <a:latin typeface="Courier New" panose="02070309020205020404" pitchFamily="49" charset="0"/>
-                <a:cs typeface="Courier New" panose="02070309020205020404" pitchFamily="49" charset="0"/>
-              </a:rPr>
-              <a:t>)</a:t>
-            </a:r>
-          </a:p>
-          <a:p>
-            <a:pPr>
-              <a:buFont typeface="Courier New" panose="02070309020205020404" pitchFamily="49" charset="0"/>
-              <a:buChar char="_"/>
-            </a:pPr>
-            <a:endParaRPr lang="nl-NL">
-              <a:solidFill>
-                <a:srgbClr val="00FF00"/>
-              </a:solidFill>
-              <a:latin typeface="Courier New" panose="02070309020205020404" pitchFamily="49" charset="0"/>
-              <a:cs typeface="Courier New" panose="02070309020205020404" pitchFamily="49" charset="0"/>
-            </a:endParaRPr>
-          </a:p>
-          <a:p>
-            <a:pPr>
-              <a:buFont typeface="Courier New" panose="02070309020205020404" pitchFamily="49" charset="0"/>
-              <a:buChar char="_"/>
-            </a:pPr>
-            <a:r>
-              <a:rPr lang="nl-NL" smtClean="0">
-                <a:solidFill>
-                  <a:srgbClr val="00FF00"/>
-                </a:solidFill>
-                <a:latin typeface="Courier New" panose="02070309020205020404" pitchFamily="49" charset="0"/>
-                <a:cs typeface="Courier New" panose="02070309020205020404" pitchFamily="49" charset="0"/>
-              </a:rPr>
-              <a:t>Install TestNG plugin (for Eclipse</a:t>
-            </a:r>
-            <a:r>
-              <a:rPr lang="nl-NL" smtClean="0">
-                <a:solidFill>
-                  <a:srgbClr val="00FF00"/>
-                </a:solidFill>
-                <a:latin typeface="Courier New" panose="02070309020205020404" pitchFamily="49" charset="0"/>
-                <a:cs typeface="Courier New" panose="02070309020205020404" pitchFamily="49" charset="0"/>
-              </a:rPr>
-              <a:t>)</a:t>
-            </a:r>
-          </a:p>
-          <a:p>
-            <a:pPr>
-              <a:buFont typeface="Courier New" panose="02070309020205020404" pitchFamily="49" charset="0"/>
-              <a:buChar char="_"/>
-            </a:pPr>
-            <a:endParaRPr lang="nl-NL">
-              <a:solidFill>
-                <a:srgbClr val="00FF00"/>
-              </a:solidFill>
-              <a:latin typeface="Courier New" panose="02070309020205020404" pitchFamily="49" charset="0"/>
-              <a:cs typeface="Courier New" panose="02070309020205020404" pitchFamily="49" charset="0"/>
-            </a:endParaRPr>
-          </a:p>
-          <a:p>
-            <a:pPr>
-              <a:buFont typeface="Courier New" panose="02070309020205020404" pitchFamily="49" charset="0"/>
-              <a:buChar char="_"/>
-            </a:pPr>
-            <a:r>
-              <a:rPr lang="nl-NL" smtClean="0">
-                <a:solidFill>
-                  <a:srgbClr val="00FF00"/>
-                </a:solidFill>
-                <a:latin typeface="Courier New" panose="02070309020205020404" pitchFamily="49" charset="0"/>
-                <a:cs typeface="Courier New" panose="02070309020205020404" pitchFamily="49" charset="0"/>
-              </a:rPr>
-              <a:t>Install </a:t>
-            </a:r>
-            <a:r>
-              <a:rPr lang="nl-NL" smtClean="0">
-                <a:solidFill>
-                  <a:srgbClr val="00FF00"/>
-                </a:solidFill>
-                <a:latin typeface="Courier New" panose="02070309020205020404" pitchFamily="49" charset="0"/>
-                <a:cs typeface="Courier New" panose="02070309020205020404" pitchFamily="49" charset="0"/>
-              </a:rPr>
-              <a:t>m2e (</a:t>
-            </a:r>
-            <a:r>
-              <a:rPr lang="nl-NL" smtClean="0">
-                <a:solidFill>
-                  <a:srgbClr val="00FF00"/>
-                </a:solidFill>
-                <a:latin typeface="Courier New" panose="02070309020205020404" pitchFamily="49" charset="0"/>
-                <a:cs typeface="Courier New" panose="02070309020205020404" pitchFamily="49" charset="0"/>
-              </a:rPr>
-              <a:t>or similar for any other </a:t>
-            </a:r>
-            <a:r>
-              <a:rPr lang="nl-NL" smtClean="0">
-                <a:solidFill>
-                  <a:srgbClr val="00FF00"/>
-                </a:solidFill>
-                <a:latin typeface="Courier New" panose="02070309020205020404" pitchFamily="49" charset="0"/>
-                <a:cs typeface="Courier New" panose="02070309020205020404" pitchFamily="49" charset="0"/>
-              </a:rPr>
-              <a:t>IDE)</a:t>
-            </a:r>
-          </a:p>
-          <a:p>
-            <a:pPr>
-              <a:buFont typeface="Courier New" panose="02070309020205020404" pitchFamily="49" charset="0"/>
-              <a:buChar char="_"/>
-            </a:pPr>
-            <a:endParaRPr lang="nl-NL">
-              <a:solidFill>
-                <a:srgbClr val="00FF00"/>
-              </a:solidFill>
-              <a:latin typeface="Courier New" panose="02070309020205020404" pitchFamily="49" charset="0"/>
-              <a:cs typeface="Courier New" panose="02070309020205020404" pitchFamily="49" charset="0"/>
-            </a:endParaRPr>
-          </a:p>
-          <a:p>
-            <a:pPr>
-              <a:buFont typeface="Courier New" panose="02070309020205020404" pitchFamily="49" charset="0"/>
-              <a:buChar char="_"/>
-            </a:pPr>
-            <a:r>
-              <a:rPr lang="nl-NL" smtClean="0">
-                <a:solidFill>
-                  <a:srgbClr val="00FF00"/>
-                </a:solidFill>
-                <a:latin typeface="Courier New" panose="02070309020205020404" pitchFamily="49" charset="0"/>
-                <a:cs typeface="Courier New" panose="02070309020205020404" pitchFamily="49" charset="0"/>
-              </a:rPr>
-              <a:t>Import Maven project into </a:t>
-            </a:r>
-            <a:r>
-              <a:rPr lang="nl-NL" smtClean="0">
-                <a:solidFill>
-                  <a:srgbClr val="00FF00"/>
-                </a:solidFill>
-                <a:latin typeface="Courier New" panose="02070309020205020404" pitchFamily="49" charset="0"/>
-                <a:cs typeface="Courier New" panose="02070309020205020404" pitchFamily="49" charset="0"/>
-              </a:rPr>
-              <a:t>IDE</a:t>
-            </a:r>
-          </a:p>
-          <a:p>
-            <a:pPr>
-              <a:buFont typeface="Courier New" panose="02070309020205020404" pitchFamily="49" charset="0"/>
-              <a:buChar char="_"/>
-            </a:pPr>
-            <a:endParaRPr lang="nl-NL">
-              <a:solidFill>
-                <a:srgbClr val="00FF00"/>
-              </a:solidFill>
-              <a:latin typeface="Courier New" panose="02070309020205020404" pitchFamily="49" charset="0"/>
-              <a:cs typeface="Courier New" panose="02070309020205020404" pitchFamily="49" charset="0"/>
-            </a:endParaRPr>
-          </a:p>
-          <a:p>
-            <a:pPr>
-              <a:buFont typeface="Courier New" panose="02070309020205020404" pitchFamily="49" charset="0"/>
-              <a:buChar char="_"/>
-            </a:pPr>
-            <a:r>
-              <a:rPr lang="nl-NL" smtClean="0">
-                <a:solidFill>
-                  <a:srgbClr val="00FF00"/>
-                </a:solidFill>
-                <a:latin typeface="Courier New" panose="02070309020205020404" pitchFamily="49" charset="0"/>
-                <a:cs typeface="Courier New" panose="02070309020205020404" pitchFamily="49" charset="0"/>
-              </a:rPr>
-              <a:t>Update project (Eclipse) </a:t>
-            </a:r>
-            <a:r>
-              <a:rPr lang="nl-NL" smtClean="0">
-                <a:solidFill>
-                  <a:srgbClr val="00FF00"/>
-                </a:solidFill>
-                <a:latin typeface="Courier New" panose="02070309020205020404" pitchFamily="49" charset="0"/>
-                <a:cs typeface="Courier New" panose="02070309020205020404" pitchFamily="49" charset="0"/>
-              </a:rPr>
-              <a:t>or similar</a:t>
+              <a:t>Install Eclipse (or any other IDE)</a:t>
+            </a:r>
+          </a:p>
+          <a:p>
+            <a:pPr>
+              <a:buFont typeface="Courier New" panose="02070309020205020404" pitchFamily="49" charset="0"/>
+              <a:buChar char="_"/>
+            </a:pPr>
+            <a:endParaRPr lang="nl-NL">
+              <a:solidFill>
+                <a:srgbClr val="00FF00"/>
+              </a:solidFill>
+              <a:latin typeface="Courier New" panose="02070309020205020404" pitchFamily="49" charset="0"/>
+              <a:cs typeface="Courier New" panose="02070309020205020404" pitchFamily="49" charset="0"/>
+            </a:endParaRPr>
+          </a:p>
+          <a:p>
+            <a:pPr>
+              <a:buFont typeface="Courier New" panose="02070309020205020404" pitchFamily="49" charset="0"/>
+              <a:buChar char="_"/>
+            </a:pPr>
+            <a:r>
+              <a:rPr lang="nl-NL" smtClean="0">
+                <a:solidFill>
+                  <a:srgbClr val="00FF00"/>
+                </a:solidFill>
+                <a:latin typeface="Courier New" panose="02070309020205020404" pitchFamily="49" charset="0"/>
+                <a:cs typeface="Courier New" panose="02070309020205020404" pitchFamily="49" charset="0"/>
+              </a:rPr>
+              <a:t>Install TestNG plugin (for Eclipse)</a:t>
+            </a:r>
+          </a:p>
+          <a:p>
+            <a:pPr>
+              <a:buFont typeface="Courier New" panose="02070309020205020404" pitchFamily="49" charset="0"/>
+              <a:buChar char="_"/>
+            </a:pPr>
+            <a:endParaRPr lang="nl-NL">
+              <a:solidFill>
+                <a:srgbClr val="00FF00"/>
+              </a:solidFill>
+              <a:latin typeface="Courier New" panose="02070309020205020404" pitchFamily="49" charset="0"/>
+              <a:cs typeface="Courier New" panose="02070309020205020404" pitchFamily="49" charset="0"/>
+            </a:endParaRPr>
+          </a:p>
+          <a:p>
+            <a:pPr>
+              <a:buFont typeface="Courier New" panose="02070309020205020404" pitchFamily="49" charset="0"/>
+              <a:buChar char="_"/>
+            </a:pPr>
+            <a:r>
+              <a:rPr lang="nl-NL" smtClean="0">
+                <a:solidFill>
+                  <a:srgbClr val="00FF00"/>
+                </a:solidFill>
+                <a:latin typeface="Courier New" panose="02070309020205020404" pitchFamily="49" charset="0"/>
+                <a:cs typeface="Courier New" panose="02070309020205020404" pitchFamily="49" charset="0"/>
+              </a:rPr>
+              <a:t>Install m2e (or similar for any other IDE)</a:t>
+            </a:r>
+          </a:p>
+          <a:p>
+            <a:pPr>
+              <a:buFont typeface="Courier New" panose="02070309020205020404" pitchFamily="49" charset="0"/>
+              <a:buChar char="_"/>
+            </a:pPr>
+            <a:endParaRPr lang="nl-NL">
+              <a:solidFill>
+                <a:srgbClr val="00FF00"/>
+              </a:solidFill>
+              <a:latin typeface="Courier New" panose="02070309020205020404" pitchFamily="49" charset="0"/>
+              <a:cs typeface="Courier New" panose="02070309020205020404" pitchFamily="49" charset="0"/>
+            </a:endParaRPr>
+          </a:p>
+          <a:p>
+            <a:pPr>
+              <a:buFont typeface="Courier New" panose="02070309020205020404" pitchFamily="49" charset="0"/>
+              <a:buChar char="_"/>
+            </a:pPr>
+            <a:r>
+              <a:rPr lang="nl-NL" smtClean="0">
+                <a:solidFill>
+                  <a:srgbClr val="00FF00"/>
+                </a:solidFill>
+                <a:latin typeface="Courier New" panose="02070309020205020404" pitchFamily="49" charset="0"/>
+                <a:cs typeface="Courier New" panose="02070309020205020404" pitchFamily="49" charset="0"/>
+              </a:rPr>
+              <a:t>Import Maven project into IDE</a:t>
+            </a:r>
+          </a:p>
+          <a:p>
+            <a:pPr>
+              <a:buFont typeface="Courier New" panose="02070309020205020404" pitchFamily="49" charset="0"/>
+              <a:buChar char="_"/>
+            </a:pPr>
+            <a:endParaRPr lang="nl-NL">
+              <a:solidFill>
+                <a:srgbClr val="00FF00"/>
+              </a:solidFill>
+              <a:latin typeface="Courier New" panose="02070309020205020404" pitchFamily="49" charset="0"/>
+              <a:cs typeface="Courier New" panose="02070309020205020404" pitchFamily="49" charset="0"/>
+            </a:endParaRPr>
+          </a:p>
+          <a:p>
+            <a:pPr>
+              <a:buFont typeface="Courier New" panose="02070309020205020404" pitchFamily="49" charset="0"/>
+              <a:buChar char="_"/>
+            </a:pPr>
+            <a:r>
+              <a:rPr lang="nl-NL" smtClean="0">
+                <a:solidFill>
+                  <a:srgbClr val="00FF00"/>
+                </a:solidFill>
+                <a:latin typeface="Courier New" panose="02070309020205020404" pitchFamily="49" charset="0"/>
+                <a:cs typeface="Courier New" panose="02070309020205020404" pitchFamily="49" charset="0"/>
+              </a:rPr>
+              <a:t>Update project (Eclipse) or similar</a:t>
             </a:r>
             <a:endParaRPr lang="nl-NL">
               <a:solidFill>
@@ -10398,17 +13582,7 @@
                 <a:latin typeface="Courier New" panose="02070309020205020404" pitchFamily="49" charset="0"/>
                 <a:cs typeface="Courier New" panose="02070309020205020404" pitchFamily="49" charset="0"/>
               </a:rPr>
-              <a:t>Request of authentication token based on username and password (Basic </a:t>
-            </a:r>
-            <a:r>
-              <a:rPr lang="nl-NL" smtClean="0">
-                <a:solidFill>
-                  <a:srgbClr val="00FF00"/>
-                </a:solidFill>
-                <a:latin typeface="Courier New" panose="02070309020205020404" pitchFamily="49" charset="0"/>
-                <a:cs typeface="Courier New" panose="02070309020205020404" pitchFamily="49" charset="0"/>
-              </a:rPr>
-              <a:t>authentication)</a:t>
+              <a:t>Request of authentication token based on username and password (Basic authentication)</a:t>
             </a:r>
           </a:p>
           <a:p>
@@ -10510,7 +13684,7 @@
           <p:nvPr/>
         </p:nvPicPr>
         <p:blipFill>
-          <a:blip r:embed="rId2"/>
+          <a:blip r:embed="rId3"/>
           <a:stretch>
             <a:fillRect/>
           </a:stretch>
@@ -10634,6 +13808,12 @@
               </a:rPr>
               <a:t>Measuring response times for individual requests</a:t>
             </a:r>
+          </a:p>
+          <a:p>
+            <a:pPr>
+              <a:buFont typeface="Courier New" panose="02070309020205020404" pitchFamily="49" charset="0"/>
+              <a:buChar char="_"/>
+            </a:pPr>
             <a:endParaRPr lang="nl-NL" smtClean="0">
               <a:solidFill>
                 <a:srgbClr val="00FF00"/>
@@ -10647,19 +13827,6 @@
               <a:buFont typeface="Courier New" panose="02070309020205020404" pitchFamily="49" charset="0"/>
               <a:buChar char="_"/>
             </a:pPr>
-            <a:endParaRPr lang="nl-NL" smtClean="0">
-              <a:solidFill>
-                <a:srgbClr val="00FF00"/>
-              </a:solidFill>
-              <a:latin typeface="Courier New" panose="02070309020205020404" pitchFamily="49" charset="0"/>
-              <a:cs typeface="Courier New" panose="02070309020205020404" pitchFamily="49" charset="0"/>
-            </a:endParaRPr>
-          </a:p>
-          <a:p>
-            <a:pPr>
-              <a:buFont typeface="Courier New" panose="02070309020205020404" pitchFamily="49" charset="0"/>
-              <a:buChar char="_"/>
-            </a:pPr>
             <a:r>
               <a:rPr lang="nl-NL" smtClean="0">
                 <a:solidFill>
@@ -10670,13 +13837,6 @@
               </a:rPr>
               <a:t>Setting response time thresholds</a:t>
             </a:r>
-            <a:endParaRPr lang="nl-NL" smtClean="0">
-              <a:solidFill>
-                <a:srgbClr val="00FF00"/>
-              </a:solidFill>
-              <a:latin typeface="Courier New" panose="02070309020205020404" pitchFamily="49" charset="0"/>
-              <a:cs typeface="Courier New" panose="02070309020205020404" pitchFamily="49" charset="0"/>
-            </a:endParaRPr>
           </a:p>
           <a:p>
             <a:pPr lvl="1">
@@ -10691,17 +13851,7 @@
                 <a:latin typeface="Courier New" panose="02070309020205020404" pitchFamily="49" charset="0"/>
                 <a:cs typeface="Courier New" panose="02070309020205020404" pitchFamily="49" charset="0"/>
               </a:rPr>
-              <a:t>Test </a:t>
-            </a:r>
-            <a:r>
-              <a:rPr lang="nl-NL" smtClean="0">
-                <a:solidFill>
-                  <a:srgbClr val="00FF00"/>
-                </a:solidFill>
-                <a:latin typeface="Courier New" panose="02070309020205020404" pitchFamily="49" charset="0"/>
-                <a:cs typeface="Courier New" panose="02070309020205020404" pitchFamily="49" charset="0"/>
-              </a:rPr>
-              <a:t>fails when threshold is exceeded</a:t>
+              <a:t>Test fails when threshold is exceeded</a:t>
             </a:r>
             <a:endParaRPr lang="nl-NL">
               <a:solidFill>
@@ -10739,13 +13889,6 @@
               </a:rPr>
               <a:t>No full-fledged performance test</a:t>
             </a:r>
-            <a:endParaRPr lang="nl-NL" smtClean="0">
-              <a:solidFill>
-                <a:srgbClr val="00FF00"/>
-              </a:solidFill>
-              <a:latin typeface="Courier New" panose="02070309020205020404" pitchFamily="49" charset="0"/>
-              <a:cs typeface="Courier New" panose="02070309020205020404" pitchFamily="49" charset="0"/>
-            </a:endParaRPr>
           </a:p>
           <a:p>
             <a:pPr>
@@ -10952,13 +14095,6 @@
               </a:rPr>
               <a:t>An example:</a:t>
             </a:r>
-            <a:endParaRPr lang="nl-NL" smtClean="0">
-              <a:solidFill>
-                <a:srgbClr val="00FF00"/>
-              </a:solidFill>
-              <a:latin typeface="Courier New" panose="02070309020205020404" pitchFamily="49" charset="0"/>
-              <a:cs typeface="Courier New" panose="02070309020205020404" pitchFamily="49" charset="0"/>
-            </a:endParaRPr>
           </a:p>
           <a:p>
             <a:pPr>
@@ -11049,7 +14185,7 @@
           <p:nvPr/>
         </p:nvPicPr>
         <p:blipFill>
-          <a:blip r:embed="rId2"/>
+          <a:blip r:embed="rId3"/>
           <a:stretch>
             <a:fillRect/>
           </a:stretch>
@@ -11073,7 +14209,7 @@
           <p:nvPr/>
         </p:nvPicPr>
         <p:blipFill>
-          <a:blip r:embed="rId3"/>
+          <a:blip r:embed="rId4"/>
           <a:stretch>
             <a:fillRect/>
           </a:stretch>
@@ -11221,13 +14357,6 @@
               </a:rPr>
               <a:t>Communicating with an OAuth2-secured API</a:t>
             </a:r>
-            <a:endParaRPr lang="nl-NL" smtClean="0">
-              <a:solidFill>
-                <a:srgbClr val="00FF00"/>
-              </a:solidFill>
-              <a:latin typeface="Courier New" panose="02070309020205020404" pitchFamily="49" charset="0"/>
-              <a:cs typeface="Courier New" panose="02070309020205020404" pitchFamily="49" charset="0"/>
-            </a:endParaRPr>
           </a:p>
           <a:p>
             <a:pPr lvl="1">
@@ -11244,13 +14373,6 @@
               </a:rPr>
               <a:t>Requesting authentication token</a:t>
             </a:r>
-            <a:endParaRPr lang="nl-NL" smtClean="0">
-              <a:solidFill>
-                <a:srgbClr val="00FF00"/>
-              </a:solidFill>
-              <a:latin typeface="Courier New" panose="02070309020205020404" pitchFamily="49" charset="0"/>
-              <a:cs typeface="Courier New" panose="02070309020205020404" pitchFamily="49" charset="0"/>
-            </a:endParaRPr>
           </a:p>
           <a:p>
             <a:pPr lvl="1">
@@ -11265,35 +14387,8 @@
                 <a:latin typeface="Courier New" panose="02070309020205020404" pitchFamily="49" charset="0"/>
                 <a:cs typeface="Courier New" panose="02070309020205020404" pitchFamily="49" charset="0"/>
               </a:rPr>
-              <a:t>Using authentication token </a:t>
-            </a:r>
-            <a:r>
-              <a:rPr lang="nl-NL" smtClean="0">
-                <a:solidFill>
-                  <a:srgbClr val="00FF00"/>
-                </a:solidFill>
-                <a:latin typeface="Courier New" panose="02070309020205020404" pitchFamily="49" charset="0"/>
-                <a:cs typeface="Courier New" panose="02070309020205020404" pitchFamily="49" charset="0"/>
-              </a:rPr>
-              <a:t>in </a:t>
-            </a:r>
-            <a:r>
-              <a:rPr lang="nl-NL" smtClean="0">
-                <a:solidFill>
-                  <a:srgbClr val="00FF00"/>
-                </a:solidFill>
-                <a:latin typeface="Courier New" panose="02070309020205020404" pitchFamily="49" charset="0"/>
-                <a:cs typeface="Courier New" panose="02070309020205020404" pitchFamily="49" charset="0"/>
-              </a:rPr>
-              <a:t>subsequent requests</a:t>
-            </a:r>
-            <a:endParaRPr lang="nl-NL" smtClean="0">
-              <a:solidFill>
-                <a:srgbClr val="00FF00"/>
-              </a:solidFill>
-              <a:latin typeface="Courier New" panose="02070309020205020404" pitchFamily="49" charset="0"/>
-              <a:cs typeface="Courier New" panose="02070309020205020404" pitchFamily="49" charset="0"/>
-            </a:endParaRPr>
+              <a:t>Using authentication token in subsequent requests</a:t>
+            </a:r>
           </a:p>
           <a:p>
             <a:pPr>
@@ -11323,13 +14418,6 @@
               </a:rPr>
               <a:t>Measuring API response times</a:t>
             </a:r>
-            <a:endParaRPr lang="nl-NL" smtClean="0">
-              <a:solidFill>
-                <a:srgbClr val="00FF00"/>
-              </a:solidFill>
-              <a:latin typeface="Courier New" panose="02070309020205020404" pitchFamily="49" charset="0"/>
-              <a:cs typeface="Courier New" panose="02070309020205020404" pitchFamily="49" charset="0"/>
-            </a:endParaRPr>
           </a:p>
           <a:p>
             <a:pPr lvl="1">
@@ -11346,13 +14434,6 @@
               </a:rPr>
               <a:t>Execute a specific API call</a:t>
             </a:r>
-            <a:endParaRPr lang="nl-NL" smtClean="0">
-              <a:solidFill>
-                <a:srgbClr val="00FF00"/>
-              </a:solidFill>
-              <a:latin typeface="Courier New" panose="02070309020205020404" pitchFamily="49" charset="0"/>
-              <a:cs typeface="Courier New" panose="02070309020205020404" pitchFamily="49" charset="0"/>
-            </a:endParaRPr>
           </a:p>
           <a:p>
             <a:pPr lvl="1">
@@ -11369,13 +14450,6 @@
               </a:rPr>
               <a:t>Evaluate response time against predefined threshold</a:t>
             </a:r>
-            <a:endParaRPr lang="nl-NL" smtClean="0">
-              <a:solidFill>
-                <a:srgbClr val="00FF00"/>
-              </a:solidFill>
-              <a:latin typeface="Courier New" panose="02070309020205020404" pitchFamily="49" charset="0"/>
-              <a:cs typeface="Courier New" panose="02070309020205020404" pitchFamily="49" charset="0"/>
-            </a:endParaRPr>
           </a:p>
           <a:p>
             <a:pPr lvl="1">
@@ -11599,13 +14673,6 @@
               </a:rPr>
               <a:t>Example: authentication tests</a:t>
             </a:r>
-            <a:endParaRPr lang="nl-NL" smtClean="0">
-              <a:solidFill>
-                <a:srgbClr val="00FF00"/>
-              </a:solidFill>
-              <a:latin typeface="Courier New" panose="02070309020205020404" pitchFamily="49" charset="0"/>
-              <a:cs typeface="Courier New" panose="02070309020205020404" pitchFamily="49" charset="0"/>
-            </a:endParaRPr>
           </a:p>
           <a:p>
             <a:pPr>
@@ -11635,13 +14702,6 @@
               </a:rPr>
               <a:t>Copy / paste required for OAuth2 token</a:t>
             </a:r>
-            <a:endParaRPr lang="nl-NL" smtClean="0">
-              <a:solidFill>
-                <a:srgbClr val="00FF00"/>
-              </a:solidFill>
-              <a:latin typeface="Courier New" panose="02070309020205020404" pitchFamily="49" charset="0"/>
-              <a:cs typeface="Courier New" panose="02070309020205020404" pitchFamily="49" charset="0"/>
-            </a:endParaRPr>
           </a:p>
           <a:p>
             <a:pPr>
@@ -11780,7 +14840,7 @@
           <p:nvPr/>
         </p:nvPicPr>
         <p:blipFill>
-          <a:blip r:embed="rId2"/>
+          <a:blip r:embed="rId3"/>
           <a:stretch>
             <a:fillRect/>
           </a:stretch>
@@ -11894,17 +14954,7 @@
                 <a:latin typeface="Courier New" panose="02070309020205020404" pitchFamily="49" charset="0"/>
                 <a:cs typeface="Courier New" panose="02070309020205020404" pitchFamily="49" charset="0"/>
               </a:rPr>
-              <a:t>with extract</a:t>
-            </a:r>
-            <a:r>
-              <a:rPr lang="nl-NL" smtClean="0">
-                <a:solidFill>
-                  <a:srgbClr val="00FF00"/>
-                </a:solidFill>
-                <a:latin typeface="Courier New" panose="02070309020205020404" pitchFamily="49" charset="0"/>
-                <a:cs typeface="Courier New" panose="02070309020205020404" pitchFamily="49" charset="0"/>
-              </a:rPr>
-              <a:t>()</a:t>
+              <a:t>with extract()</a:t>
             </a:r>
           </a:p>
           <a:p>
@@ -12208,13 +15258,6 @@
               </a:rPr>
               <a:t>Try it for yourself</a:t>
             </a:r>
-            <a:endParaRPr lang="nl-NL" smtClean="0">
-              <a:solidFill>
-                <a:srgbClr val="00FF00"/>
-              </a:solidFill>
-              <a:latin typeface="Courier New" panose="02070309020205020404" pitchFamily="49" charset="0"/>
-              <a:cs typeface="Courier New" panose="02070309020205020404" pitchFamily="49" charset="0"/>
-            </a:endParaRPr>
           </a:p>
           <a:p>
             <a:pPr>
@@ -12244,13 +15287,6 @@
               </a:rPr>
               <a:t>Can you apply this to the Formula 1 API?</a:t>
             </a:r>
-            <a:endParaRPr lang="nl-NL" smtClean="0">
-              <a:solidFill>
-                <a:srgbClr val="00FF00"/>
-              </a:solidFill>
-              <a:latin typeface="Courier New" panose="02070309020205020404" pitchFamily="49" charset="0"/>
-              <a:cs typeface="Courier New" panose="02070309020205020404" pitchFamily="49" charset="0"/>
-            </a:endParaRPr>
           </a:p>
           <a:p>
             <a:pPr lvl="1">
@@ -12278,17 +15314,7 @@
                 <a:latin typeface="Courier New" panose="02070309020205020404" pitchFamily="49" charset="0"/>
                 <a:cs typeface="Courier New" panose="02070309020205020404" pitchFamily="49" charset="0"/>
               </a:rPr>
-              <a:t>RestAssuredExamplesParameterPassing </a:t>
-            </a:r>
-            <a:r>
-              <a:rPr lang="nl-NL" smtClean="0">
-                <a:solidFill>
-                  <a:srgbClr val="00FF00"/>
-                </a:solidFill>
-                <a:latin typeface="Courier New" panose="02070309020205020404" pitchFamily="49" charset="0"/>
-                <a:cs typeface="Courier New" panose="02070309020205020404" pitchFamily="49" charset="0"/>
-              </a:rPr>
-              <a:t>contains all examples from the presentation</a:t>
+              <a:t>RestAssuredExamplesParameterPassing contains all examples from the presentation</a:t>
             </a:r>
             <a:endParaRPr lang="nl-NL">
               <a:solidFill>
@@ -12467,25 +15493,8 @@
                 <a:latin typeface="Courier New" panose="02070309020205020404" pitchFamily="49" charset="0"/>
                 <a:cs typeface="Courier New" panose="02070309020205020404" pitchFamily="49" charset="0"/>
               </a:rPr>
-              <a:t>REST Assured-tests </a:t>
-            </a:r>
-            <a:r>
-              <a:rPr lang="nl-NL" smtClean="0">
-                <a:solidFill>
-                  <a:srgbClr val="00FF00"/>
-                </a:solidFill>
-                <a:latin typeface="Courier New" panose="02070309020205020404" pitchFamily="49" charset="0"/>
-                <a:cs typeface="Courier New" panose="02070309020205020404" pitchFamily="49" charset="0"/>
-              </a:rPr>
-              <a:t>are no different from other Java (unit) tests</a:t>
-            </a:r>
-            <a:endParaRPr lang="nl-NL" smtClean="0">
-              <a:solidFill>
-                <a:srgbClr val="00FF00"/>
-              </a:solidFill>
-              <a:latin typeface="Courier New" panose="02070309020205020404" pitchFamily="49" charset="0"/>
-              <a:cs typeface="Courier New" panose="02070309020205020404" pitchFamily="49" charset="0"/>
-            </a:endParaRPr>
+              <a:t>REST Assured-tests are no different from other Java (unit) tests</a:t>
+            </a:r>
           </a:p>
           <a:p>
             <a:pPr>
@@ -12515,13 +15524,6 @@
               </a:rPr>
               <a:t>Can be easily added to your CI/CD pipeline</a:t>
             </a:r>
-            <a:endParaRPr lang="nl-NL" smtClean="0">
-              <a:solidFill>
-                <a:srgbClr val="00FF00"/>
-              </a:solidFill>
-              <a:latin typeface="Courier New" panose="02070309020205020404" pitchFamily="49" charset="0"/>
-              <a:cs typeface="Courier New" panose="02070309020205020404" pitchFamily="49" charset="0"/>
-            </a:endParaRPr>
           </a:p>
           <a:p>
             <a:pPr>
@@ -12551,51 +15553,34 @@
               </a:rPr>
               <a:t>Part of the build process</a:t>
             </a:r>
-            <a:endParaRPr lang="nl-NL" smtClean="0">
-              <a:solidFill>
-                <a:srgbClr val="00FF00"/>
-              </a:solidFill>
-              <a:latin typeface="Courier New" panose="02070309020205020404" pitchFamily="49" charset="0"/>
-              <a:cs typeface="Courier New" panose="02070309020205020404" pitchFamily="49" charset="0"/>
-            </a:endParaRPr>
-          </a:p>
-          <a:p>
-            <a:pPr>
-              <a:buFont typeface="Courier New" panose="02070309020205020404" pitchFamily="49" charset="0"/>
-              <a:buChar char="_"/>
-            </a:pPr>
-            <a:endParaRPr lang="nl-NL">
-              <a:solidFill>
-                <a:srgbClr val="00FF00"/>
-              </a:solidFill>
-              <a:latin typeface="Courier New" panose="02070309020205020404" pitchFamily="49" charset="0"/>
-              <a:cs typeface="Courier New" panose="02070309020205020404" pitchFamily="49" charset="0"/>
-            </a:endParaRPr>
-          </a:p>
-          <a:p>
-            <a:pPr>
-              <a:buFont typeface="Courier New" panose="02070309020205020404" pitchFamily="49" charset="0"/>
-              <a:buChar char="_"/>
-            </a:pPr>
-            <a:r>
-              <a:rPr lang="nl-NL" smtClean="0">
-                <a:solidFill>
-                  <a:srgbClr val="00FF00"/>
-                </a:solidFill>
-                <a:latin typeface="Courier New" panose="02070309020205020404" pitchFamily="49" charset="0"/>
-                <a:cs typeface="Courier New" panose="02070309020205020404" pitchFamily="49" charset="0"/>
-              </a:rPr>
-              <a:t>Demonstration (using Jenkins</a:t>
-            </a:r>
-            <a:r>
-              <a:rPr lang="nl-NL" smtClean="0">
-                <a:solidFill>
-                  <a:srgbClr val="00FF00"/>
-                </a:solidFill>
-                <a:latin typeface="Courier New" panose="02070309020205020404" pitchFamily="49" charset="0"/>
-                <a:cs typeface="Courier New" panose="02070309020205020404" pitchFamily="49" charset="0"/>
-              </a:rPr>
-              <a:t>)</a:t>
+          </a:p>
+          <a:p>
+            <a:pPr>
+              <a:buFont typeface="Courier New" panose="02070309020205020404" pitchFamily="49" charset="0"/>
+              <a:buChar char="_"/>
+            </a:pPr>
+            <a:endParaRPr lang="nl-NL">
+              <a:solidFill>
+                <a:srgbClr val="00FF00"/>
+              </a:solidFill>
+              <a:latin typeface="Courier New" panose="02070309020205020404" pitchFamily="49" charset="0"/>
+              <a:cs typeface="Courier New" panose="02070309020205020404" pitchFamily="49" charset="0"/>
+            </a:endParaRPr>
+          </a:p>
+          <a:p>
+            <a:pPr>
+              <a:buFont typeface="Courier New" panose="02070309020205020404" pitchFamily="49" charset="0"/>
+              <a:buChar char="_"/>
+            </a:pPr>
+            <a:r>
+              <a:rPr lang="nl-NL" smtClean="0">
+                <a:solidFill>
+                  <a:srgbClr val="00FF00"/>
+                </a:solidFill>
+                <a:latin typeface="Courier New" panose="02070309020205020404" pitchFamily="49" charset="0"/>
+                <a:cs typeface="Courier New" panose="02070309020205020404" pitchFamily="49" charset="0"/>
+              </a:rPr>
+              <a:t>Demonstration (using Jenkins)</a:t>
             </a:r>
             <a:endParaRPr lang="nl-NL">
               <a:solidFill>
@@ -13182,17 +16167,7 @@
                 <a:latin typeface="Courier New" panose="02070309020205020404" pitchFamily="49" charset="0"/>
                 <a:cs typeface="Courier New" panose="02070309020205020404" pitchFamily="49" charset="0"/>
               </a:rPr>
-              <a:t>What are RESTful web services</a:t>
-            </a:r>
-            <a:r>
-              <a:rPr lang="nl-NL" smtClean="0">
-                <a:solidFill>
-                  <a:srgbClr val="00FF00"/>
-                </a:solidFill>
-                <a:latin typeface="Courier New" panose="02070309020205020404" pitchFamily="49" charset="0"/>
-                <a:cs typeface="Courier New" panose="02070309020205020404" pitchFamily="49" charset="0"/>
-              </a:rPr>
-              <a:t>?</a:t>
+              <a:t>What are RESTful web services?</a:t>
             </a:r>
             <a:endParaRPr lang="nl-NL">
               <a:solidFill>
@@ -13238,27 +16213,7 @@
                 <a:latin typeface="Courier New" panose="02070309020205020404" pitchFamily="49" charset="0"/>
                 <a:cs typeface="Courier New" panose="02070309020205020404" pitchFamily="49" charset="0"/>
               </a:rPr>
-              <a:t>HTTP </a:t>
-            </a:r>
-            <a:r>
-              <a:rPr lang="nl-NL" smtClean="0">
-                <a:solidFill>
-                  <a:srgbClr val="00FF00"/>
-                </a:solidFill>
-                <a:latin typeface="Courier New" panose="02070309020205020404" pitchFamily="49" charset="0"/>
-                <a:cs typeface="Courier New" panose="02070309020205020404" pitchFamily="49" charset="0"/>
-              </a:rPr>
-              <a:t>request methods </a:t>
-            </a:r>
-            <a:r>
-              <a:rPr lang="nl-NL" smtClean="0">
-                <a:solidFill>
-                  <a:srgbClr val="00FF00"/>
-                </a:solidFill>
-                <a:latin typeface="Courier New" panose="02070309020205020404" pitchFamily="49" charset="0"/>
-                <a:cs typeface="Courier New" panose="02070309020205020404" pitchFamily="49" charset="0"/>
-              </a:rPr>
-              <a:t>(GET, POST, PUT, …)</a:t>
+              <a:t>HTTP request methods (GET, POST, PUT, …)</a:t>
             </a:r>
           </a:p>
           <a:p>
@@ -13318,13 +16273,6 @@
               </a:rPr>
               <a:t>CRUD operations on data</a:t>
             </a:r>
-            <a:endParaRPr lang="nl-NL" smtClean="0">
-              <a:solidFill>
-                <a:srgbClr val="00FF00"/>
-              </a:solidFill>
-              <a:latin typeface="Courier New" panose="02070309020205020404" pitchFamily="49" charset="0"/>
-              <a:cs typeface="Courier New" panose="02070309020205020404" pitchFamily="49" charset="0"/>
-            </a:endParaRPr>
           </a:p>
           <a:p>
             <a:pPr marL="457200" lvl="1" indent="0">
@@ -13557,13 +16505,6 @@
               </a:rPr>
               <a:t>Result:</a:t>
             </a:r>
-            <a:endParaRPr lang="nl-NL" smtClean="0">
-              <a:solidFill>
-                <a:srgbClr val="00FF00"/>
-              </a:solidFill>
-              <a:latin typeface="Courier New" panose="02070309020205020404" pitchFamily="49" charset="0"/>
-              <a:cs typeface="Courier New" panose="02070309020205020404" pitchFamily="49" charset="0"/>
-            </a:endParaRPr>
           </a:p>
         </p:txBody>
       </p:sp>
@@ -13576,7 +16517,7 @@
           <p:nvPr/>
         </p:nvPicPr>
         <p:blipFill>
-          <a:blip r:embed="rId2"/>
+          <a:blip r:embed="rId3"/>
           <a:stretch>
             <a:fillRect/>
           </a:stretch>
@@ -13693,61 +16634,34 @@
               </a:rPr>
               <a:t>Mobile applications</a:t>
             </a:r>
-            <a:endParaRPr lang="nl-NL" smtClean="0">
-              <a:solidFill>
-                <a:srgbClr val="00FF00"/>
-              </a:solidFill>
-              <a:latin typeface="Courier New" panose="02070309020205020404" pitchFamily="49" charset="0"/>
-              <a:cs typeface="Courier New" panose="02070309020205020404" pitchFamily="49" charset="0"/>
-            </a:endParaRPr>
-          </a:p>
-          <a:p>
-            <a:pPr>
-              <a:buFont typeface="Courier New" panose="02070309020205020404" pitchFamily="49" charset="0"/>
-              <a:buChar char="_"/>
-            </a:pPr>
-            <a:endParaRPr lang="nl-NL">
-              <a:solidFill>
-                <a:srgbClr val="00FF00"/>
-              </a:solidFill>
-              <a:latin typeface="Courier New" panose="02070309020205020404" pitchFamily="49" charset="0"/>
-              <a:cs typeface="Courier New" panose="02070309020205020404" pitchFamily="49" charset="0"/>
-            </a:endParaRPr>
-          </a:p>
-          <a:p>
-            <a:pPr>
-              <a:buFont typeface="Courier New" panose="02070309020205020404" pitchFamily="49" charset="0"/>
-              <a:buChar char="_"/>
-            </a:pPr>
-            <a:r>
-              <a:rPr lang="nl-NL" smtClean="0">
-                <a:solidFill>
-                  <a:srgbClr val="00FF00"/>
-                </a:solidFill>
-                <a:latin typeface="Courier New" panose="02070309020205020404" pitchFamily="49" charset="0"/>
-                <a:cs typeface="Courier New" panose="02070309020205020404" pitchFamily="49" charset="0"/>
-              </a:rPr>
-              <a:t>Internet </a:t>
-            </a:r>
-            <a:r>
-              <a:rPr lang="nl-NL" smtClean="0">
-                <a:solidFill>
-                  <a:srgbClr val="00FF00"/>
-                </a:solidFill>
-                <a:latin typeface="Courier New" panose="02070309020205020404" pitchFamily="49" charset="0"/>
-                <a:cs typeface="Courier New" panose="02070309020205020404" pitchFamily="49" charset="0"/>
-              </a:rPr>
-              <a:t>of </a:t>
-            </a:r>
-            <a:r>
-              <a:rPr lang="nl-NL" smtClean="0">
-                <a:solidFill>
-                  <a:srgbClr val="00FF00"/>
-                </a:solidFill>
-                <a:latin typeface="Courier New" panose="02070309020205020404" pitchFamily="49" charset="0"/>
-                <a:cs typeface="Courier New" panose="02070309020205020404" pitchFamily="49" charset="0"/>
-              </a:rPr>
-              <a:t>Things</a:t>
+          </a:p>
+          <a:p>
+            <a:pPr>
+              <a:buFont typeface="Courier New" panose="02070309020205020404" pitchFamily="49" charset="0"/>
+              <a:buChar char="_"/>
+            </a:pPr>
+            <a:endParaRPr lang="nl-NL">
+              <a:solidFill>
+                <a:srgbClr val="00FF00"/>
+              </a:solidFill>
+              <a:latin typeface="Courier New" panose="02070309020205020404" pitchFamily="49" charset="0"/>
+              <a:cs typeface="Courier New" panose="02070309020205020404" pitchFamily="49" charset="0"/>
+            </a:endParaRPr>
+          </a:p>
+          <a:p>
+            <a:pPr>
+              <a:buFont typeface="Courier New" panose="02070309020205020404" pitchFamily="49" charset="0"/>
+              <a:buChar char="_"/>
+            </a:pPr>
+            <a:r>
+              <a:rPr lang="nl-NL" smtClean="0">
+                <a:solidFill>
+                  <a:srgbClr val="00FF00"/>
+                </a:solidFill>
+                <a:latin typeface="Courier New" panose="02070309020205020404" pitchFamily="49" charset="0"/>
+                <a:cs typeface="Courier New" panose="02070309020205020404" pitchFamily="49" charset="0"/>
+              </a:rPr>
+              <a:t>Internet of Things</a:t>
             </a:r>
           </a:p>
           <a:p>
@@ -13890,13 +16804,6 @@
               </a:rPr>
               <a:t>Support for a multitude of data formats</a:t>
             </a:r>
-            <a:endParaRPr lang="nl-NL" smtClean="0">
-              <a:solidFill>
-                <a:srgbClr val="00FF00"/>
-              </a:solidFill>
-              <a:latin typeface="Courier New" panose="02070309020205020404" pitchFamily="49" charset="0"/>
-              <a:cs typeface="Courier New" panose="02070309020205020404" pitchFamily="49" charset="0"/>
-            </a:endParaRPr>
           </a:p>
           <a:p>
             <a:pPr lvl="1">
@@ -13974,13 +16881,6 @@
               </a:rPr>
               <a:t>Smaller overhead and therefore better performance</a:t>
             </a:r>
-            <a:endParaRPr lang="nl-NL" smtClean="0">
-              <a:solidFill>
-                <a:srgbClr val="00FF00"/>
-              </a:solidFill>
-              <a:latin typeface="Courier New" panose="02070309020205020404" pitchFamily="49" charset="0"/>
-              <a:cs typeface="Courier New" panose="02070309020205020404" pitchFamily="49" charset="0"/>
-            </a:endParaRPr>
           </a:p>
         </p:txBody>
       </p:sp>
@@ -14173,13 +17073,6 @@
               </a:rPr>
               <a:t>Mostly used to secure banking applications</a:t>
             </a:r>
-            <a:endParaRPr lang="nl-NL" smtClean="0">
-              <a:solidFill>
-                <a:srgbClr val="00FF00"/>
-              </a:solidFill>
-              <a:latin typeface="Courier New" panose="02070309020205020404" pitchFamily="49" charset="0"/>
-              <a:cs typeface="Courier New" panose="02070309020205020404" pitchFamily="49" charset="0"/>
-            </a:endParaRPr>
           </a:p>
         </p:txBody>
       </p:sp>
@@ -14244,17 +17137,7 @@
                 <a:latin typeface="Courier New" panose="02070309020205020404" pitchFamily="49" charset="0"/>
                 <a:cs typeface="Courier New" panose="02070309020205020404" pitchFamily="49" charset="0"/>
               </a:rPr>
-              <a:t>Tools </a:t>
-            </a:r>
-            <a:r>
-              <a:rPr lang="nl-NL" smtClean="0">
-                <a:solidFill>
-                  <a:srgbClr val="00FF00"/>
-                </a:solidFill>
-                <a:latin typeface="Courier New" panose="02070309020205020404" pitchFamily="49" charset="0"/>
-                <a:cs typeface="Courier New" panose="02070309020205020404" pitchFamily="49" charset="0"/>
-              </a:rPr>
-              <a:t>for testing RESTful web services</a:t>
+              <a:t>Tools for testing RESTful web services</a:t>
             </a:r>
             <a:endParaRPr lang="nl-NL">
               <a:solidFill>
@@ -14293,47 +17176,7 @@
                 <a:latin typeface="Courier New" panose="02070309020205020404" pitchFamily="49" charset="0"/>
                 <a:cs typeface="Courier New" panose="02070309020205020404" pitchFamily="49" charset="0"/>
               </a:rPr>
-              <a:t>Browser </a:t>
-            </a:r>
-            <a:r>
-              <a:rPr lang="nl-NL" smtClean="0">
-                <a:solidFill>
-                  <a:srgbClr val="00FF00"/>
-                </a:solidFill>
-                <a:latin typeface="Courier New" panose="02070309020205020404" pitchFamily="49" charset="0"/>
-                <a:cs typeface="Courier New" panose="02070309020205020404" pitchFamily="49" charset="0"/>
-              </a:rPr>
-              <a:t>(using </a:t>
-            </a:r>
-            <a:r>
-              <a:rPr lang="nl-NL" smtClean="0">
-                <a:solidFill>
-                  <a:srgbClr val="00FF00"/>
-                </a:solidFill>
-                <a:latin typeface="Courier New" panose="02070309020205020404" pitchFamily="49" charset="0"/>
-                <a:cs typeface="Courier New" panose="02070309020205020404" pitchFamily="49" charset="0"/>
-              </a:rPr>
-              <a:t>plugins </a:t>
-            </a:r>
-            <a:r>
-              <a:rPr lang="nl-NL" smtClean="0">
-                <a:solidFill>
-                  <a:srgbClr val="00FF00"/>
-                </a:solidFill>
-                <a:latin typeface="Courier New" panose="02070309020205020404" pitchFamily="49" charset="0"/>
-                <a:cs typeface="Courier New" panose="02070309020205020404" pitchFamily="49" charset="0"/>
-              </a:rPr>
-              <a:t>like Postman for Chrome</a:t>
-            </a:r>
-            <a:r>
-              <a:rPr lang="nl-NL" smtClean="0">
-                <a:solidFill>
-                  <a:srgbClr val="00FF00"/>
-                </a:solidFill>
-                <a:latin typeface="Courier New" panose="02070309020205020404" pitchFamily="49" charset="0"/>
-                <a:cs typeface="Courier New" panose="02070309020205020404" pitchFamily="49" charset="0"/>
-              </a:rPr>
-              <a:t>)</a:t>
+              <a:t>Browser (using plugins like Postman for Chrome)</a:t>
             </a:r>
           </a:p>
           <a:p>
@@ -14391,17 +17234,7 @@
                 <a:latin typeface="Courier New" panose="02070309020205020404" pitchFamily="49" charset="0"/>
                 <a:cs typeface="Courier New" panose="02070309020205020404" pitchFamily="49" charset="0"/>
               </a:rPr>
-              <a:t>COTS (Parasoft </a:t>
-            </a:r>
-            <a:r>
-              <a:rPr lang="nl-NL" smtClean="0">
-                <a:solidFill>
-                  <a:srgbClr val="00FF00"/>
-                </a:solidFill>
-                <a:latin typeface="Courier New" panose="02070309020205020404" pitchFamily="49" charset="0"/>
-                <a:cs typeface="Courier New" panose="02070309020205020404" pitchFamily="49" charset="0"/>
-              </a:rPr>
-              <a:t>SOAtest, SoapUI Pro)</a:t>
+              <a:t>COTS (Parasoft SOAtest, SoapUI Pro)</a:t>
             </a:r>
           </a:p>
           <a:p>
@@ -14704,4 +17537,265 @@
     </a:ext>
   </a:extLst>
 </a:theme>
+</file>
+
+<file path=ppt/theme/theme2.xml><?xml version="1.0" encoding="utf-8"?>
+<a:theme xmlns:a="http://schemas.openxmlformats.org/drawingml/2006/main" name="Office Theme">
+  <a:themeElements>
+    <a:clrScheme name="Office">
+      <a:dk1>
+        <a:sysClr val="windowText" lastClr="000000"/>
+      </a:dk1>
+      <a:lt1>
+        <a:sysClr val="window" lastClr="FFFFFF"/>
+      </a:lt1>
+      <a:dk2>
+        <a:srgbClr val="44546A"/>
+      </a:dk2>
+      <a:lt2>
+        <a:srgbClr val="E7E6E6"/>
+      </a:lt2>
+      <a:accent1>
+        <a:srgbClr val="5B9BD5"/>
+      </a:accent1>
+      <a:accent2>
+        <a:srgbClr val="ED7D31"/>
+      </a:accent2>
+      <a:accent3>
+        <a:srgbClr val="A5A5A5"/>
+      </a:accent3>
+      <a:accent4>
+        <a:srgbClr val="FFC000"/>
+      </a:accent4>
+      <a:accent5>
+        <a:srgbClr val="4472C4"/>
+      </a:accent5>
+      <a:accent6>
+        <a:srgbClr val="70AD47"/>
+      </a:accent6>
+      <a:hlink>
+        <a:srgbClr val="0563C1"/>
+      </a:hlink>
+      <a:folHlink>
+        <a:srgbClr val="954F72"/>
+      </a:folHlink>
+    </a:clrScheme>
+    <a:fontScheme name="Office">
+      <a:majorFont>
+        <a:latin typeface="Calibri Light" panose="020F0302020204030204"/>
+        <a:ea typeface=""/>
+        <a:cs typeface=""/>
+        <a:font script="Jpan" typeface="ＭＳ Ｐゴシック"/>
+        <a:font script="Hang" typeface="맑은 고딕"/>
+        <a:font script="Hans" typeface="宋体"/>
+        <a:font script="Hant" typeface="新細明體"/>
+        <a:font script="Arab" typeface="Times New Roman"/>
+        <a:font script="Hebr" typeface="Times New Roman"/>
+        <a:font script="Thai" typeface="Angsana New"/>
+        <a:font script="Ethi" typeface="Nyala"/>
+        <a:font script="Beng" typeface="Vrinda"/>
+        <a:font script="Gujr" typeface="Shruti"/>
+        <a:font script="Khmr" typeface="MoolBoran"/>
+        <a:font script="Knda" typeface="Tunga"/>
+        <a:font script="Guru" typeface="Raavi"/>
+        <a:font script="Cans" typeface="Euphemia"/>
+        <a:font script="Cher" typeface="Plantagenet Cherokee"/>
+        <a:font script="Yiii" typeface="Microsoft Yi Baiti"/>
+        <a:font script="Tibt" typeface="Microsoft Himalaya"/>
+        <a:font script="Thaa" typeface="MV Boli"/>
+        <a:font script="Deva" typeface="Mangal"/>
+        <a:font script="Telu" typeface="Gautami"/>
+        <a:font script="Taml" typeface="Latha"/>
+        <a:font script="Syrc" typeface="Estrangelo Edessa"/>
+        <a:font script="Orya" typeface="Kalinga"/>
+        <a:font script="Mlym" typeface="Kartika"/>
+        <a:font script="Laoo" typeface="DokChampa"/>
+        <a:font script="Sinh" typeface="Iskoola Pota"/>
+        <a:font script="Mong" typeface="Mongolian Baiti"/>
+        <a:font script="Viet" typeface="Times New Roman"/>
+        <a:font script="Uigh" typeface="Microsoft Uighur"/>
+        <a:font script="Geor" typeface="Sylfaen"/>
+      </a:majorFont>
+      <a:minorFont>
+        <a:latin typeface="Calibri" panose="020F0502020204030204"/>
+        <a:ea typeface=""/>
+        <a:cs typeface=""/>
+        <a:font script="Jpan" typeface="ＭＳ Ｐゴシック"/>
+        <a:font script="Hang" typeface="맑은 고딕"/>
+        <a:font script="Hans" typeface="宋体"/>
+        <a:font script="Hant" typeface="新細明體"/>
+        <a:font script="Arab" typeface="Arial"/>
+        <a:font script="Hebr" typeface="Arial"/>
+        <a:font script="Thai" typeface="Cordia New"/>
+        <a:font script="Ethi" typeface="Nyala"/>
+        <a:font script="Beng" typeface="Vrinda"/>
+        <a:font script="Gujr" typeface="Shruti"/>
+        <a:font script="Khmr" typeface="DaunPenh"/>
+        <a:font script="Knda" typeface="Tunga"/>
+        <a:font script="Guru" typeface="Raavi"/>
+        <a:font script="Cans" typeface="Euphemia"/>
+        <a:font script="Cher" typeface="Plantagenet Cherokee"/>
+        <a:font script="Yiii" typeface="Microsoft Yi Baiti"/>
+        <a:font script="Tibt" typeface="Microsoft Himalaya"/>
+        <a:font script="Thaa" typeface="MV Boli"/>
+        <a:font script="Deva" typeface="Mangal"/>
+        <a:font script="Telu" typeface="Gautami"/>
+        <a:font script="Taml" typeface="Latha"/>
+        <a:font script="Syrc" typeface="Estrangelo Edessa"/>
+        <a:font script="Orya" typeface="Kalinga"/>
+        <a:font script="Mlym" typeface="Kartika"/>
+        <a:font script="Laoo" typeface="DokChampa"/>
+        <a:font script="Sinh" typeface="Iskoola Pota"/>
+        <a:font script="Mong" typeface="Mongolian Baiti"/>
+        <a:font script="Viet" typeface="Arial"/>
+        <a:font script="Uigh" typeface="Microsoft Uighur"/>
+        <a:font script="Geor" typeface="Sylfaen"/>
+      </a:minorFont>
+    </a:fontScheme>
+    <a:fmtScheme name="Office">
+      <a:fillStyleLst>
+        <a:solidFill>
+          <a:schemeClr val="phClr"/>
+        </a:solidFill>
+        <a:gradFill rotWithShape="1">
+          <a:gsLst>
+            <a:gs pos="0">
+              <a:schemeClr val="phClr">
+                <a:lumMod val="110000"/>
+                <a:satMod val="105000"/>
+                <a:tint val="67000"/>
+              </a:schemeClr>
+            </a:gs>
+            <a:gs pos="50000">
+              <a:schemeClr val="phClr">
+                <a:lumMod val="105000"/>
+                <a:satMod val="103000"/>
+                <a:tint val="73000"/>
+              </a:schemeClr>
+            </a:gs>
+            <a:gs pos="100000">
+              <a:schemeClr val="phClr">
+                <a:lumMod val="105000"/>
+                <a:satMod val="109000"/>
+                <a:tint val="81000"/>
+              </a:schemeClr>
+            </a:gs>
+          </a:gsLst>
+          <a:lin ang="5400000" scaled="0"/>
+        </a:gradFill>
+        <a:gradFill rotWithShape="1">
+          <a:gsLst>
+            <a:gs pos="0">
+              <a:schemeClr val="phClr">
+                <a:satMod val="103000"/>
+                <a:lumMod val="102000"/>
+                <a:tint val="94000"/>
+              </a:schemeClr>
+            </a:gs>
+            <a:gs pos="50000">
+              <a:schemeClr val="phClr">
+                <a:satMod val="110000"/>
+                <a:lumMod val="100000"/>
+                <a:shade val="100000"/>
+              </a:schemeClr>
+            </a:gs>
+            <a:gs pos="100000">
+              <a:schemeClr val="phClr">
+                <a:lumMod val="99000"/>
+                <a:satMod val="120000"/>
+                <a:shade val="78000"/>
+              </a:schemeClr>
+            </a:gs>
+          </a:gsLst>
+          <a:lin ang="5400000" scaled="0"/>
+        </a:gradFill>
+      </a:fillStyleLst>
+      <a:lnStyleLst>
+        <a:ln w="6350" cap="flat" cmpd="sng" algn="ctr">
+          <a:solidFill>
+            <a:schemeClr val="phClr"/>
+          </a:solidFill>
+          <a:prstDash val="solid"/>
+          <a:miter lim="800000"/>
+        </a:ln>
+        <a:ln w="12700" cap="flat" cmpd="sng" algn="ctr">
+          <a:solidFill>
+            <a:schemeClr val="phClr"/>
+          </a:solidFill>
+          <a:prstDash val="solid"/>
+          <a:miter lim="800000"/>
+        </a:ln>
+        <a:ln w="19050" cap="flat" cmpd="sng" algn="ctr">
+          <a:solidFill>
+            <a:schemeClr val="phClr"/>
+          </a:solidFill>
+          <a:prstDash val="solid"/>
+          <a:miter lim="800000"/>
+        </a:ln>
+      </a:lnStyleLst>
+      <a:effectStyleLst>
+        <a:effectStyle>
+          <a:effectLst/>
+        </a:effectStyle>
+        <a:effectStyle>
+          <a:effectLst/>
+        </a:effectStyle>
+        <a:effectStyle>
+          <a:effectLst>
+            <a:outerShdw blurRad="57150" dist="19050" dir="5400000" algn="ctr" rotWithShape="0">
+              <a:srgbClr val="000000">
+                <a:alpha val="63000"/>
+              </a:srgbClr>
+            </a:outerShdw>
+          </a:effectLst>
+        </a:effectStyle>
+      </a:effectStyleLst>
+      <a:bgFillStyleLst>
+        <a:solidFill>
+          <a:schemeClr val="phClr"/>
+        </a:solidFill>
+        <a:solidFill>
+          <a:schemeClr val="phClr">
+            <a:tint val="95000"/>
+            <a:satMod val="170000"/>
+          </a:schemeClr>
+        </a:solidFill>
+        <a:gradFill rotWithShape="1">
+          <a:gsLst>
+            <a:gs pos="0">
+              <a:schemeClr val="phClr">
+                <a:tint val="93000"/>
+                <a:satMod val="150000"/>
+                <a:shade val="98000"/>
+                <a:lumMod val="102000"/>
+              </a:schemeClr>
+            </a:gs>
+            <a:gs pos="50000">
+              <a:schemeClr val="phClr">
+                <a:tint val="98000"/>
+                <a:satMod val="130000"/>
+                <a:shade val="90000"/>
+                <a:lumMod val="103000"/>
+              </a:schemeClr>
+            </a:gs>
+            <a:gs pos="100000">
+              <a:schemeClr val="phClr">
+                <a:shade val="63000"/>
+                <a:satMod val="120000"/>
+              </a:schemeClr>
+            </a:gs>
+          </a:gsLst>
+          <a:lin ang="5400000" scaled="0"/>
+        </a:gradFill>
+      </a:bgFillStyleLst>
+    </a:fmtScheme>
+  </a:themeElements>
+  <a:objectDefaults/>
+  <a:extraClrSchemeLst/>
+  <a:extLst>
+    <a:ext uri="{05A4C25C-085E-4340-85A3-A5531E510DB2}">
+      <thm15:themeFamily xmlns:thm15="http://schemas.microsoft.com/office/thememl/2012/main" name="Office Theme" id="{62F939B6-93AF-4DB8-9C6B-D6C7DFDC589F}" vid="{4A3C46E8-61CC-4603-A589-7422A47A8E4A}"/>
+    </a:ext>
+  </a:extLst>
+</a:theme>
 </file>